--- a/Presentazione_Spider.pptx
+++ b/Presentazione_Spider.pptx
@@ -288,7 +288,7 @@
           <a:p>
             <a:fld id="{B7C51DD3-9558-6845-996D-01ADEA6C61DB}" type="datetimeFigureOut">
               <a:rPr lang="it-IT" smtClean="0"/>
-              <a:t>27/01/15</a:t>
+              <a:t>29/01/2015</a:t>
             </a:fld>
             <a:endParaRPr lang="it-IT"/>
           </a:p>
@@ -330,7 +330,7 @@
           <a:p>
             <a:fld id="{E3B319F5-F141-4D43-B513-3A77A01F27FA}" type="slidenum">
               <a:rPr lang="it-IT" smtClean="0"/>
-              <a:t>‹n.›</a:t>
+              <a:t>‹N›</a:t>
             </a:fld>
             <a:endParaRPr lang="it-IT"/>
           </a:p>
@@ -458,7 +458,7 @@
           <a:p>
             <a:fld id="{B7C51DD3-9558-6845-996D-01ADEA6C61DB}" type="datetimeFigureOut">
               <a:rPr lang="it-IT" smtClean="0"/>
-              <a:t>27/01/15</a:t>
+              <a:t>29/01/2015</a:t>
             </a:fld>
             <a:endParaRPr lang="it-IT"/>
           </a:p>
@@ -500,7 +500,7 @@
           <a:p>
             <a:fld id="{E3B319F5-F141-4D43-B513-3A77A01F27FA}" type="slidenum">
               <a:rPr lang="it-IT" smtClean="0"/>
-              <a:t>‹n.›</a:t>
+              <a:t>‹N›</a:t>
             </a:fld>
             <a:endParaRPr lang="it-IT"/>
           </a:p>
@@ -638,7 +638,7 @@
           <a:p>
             <a:fld id="{B7C51DD3-9558-6845-996D-01ADEA6C61DB}" type="datetimeFigureOut">
               <a:rPr lang="it-IT" smtClean="0"/>
-              <a:t>27/01/15</a:t>
+              <a:t>29/01/2015</a:t>
             </a:fld>
             <a:endParaRPr lang="it-IT"/>
           </a:p>
@@ -680,7 +680,7 @@
           <a:p>
             <a:fld id="{E3B319F5-F141-4D43-B513-3A77A01F27FA}" type="slidenum">
               <a:rPr lang="it-IT" smtClean="0"/>
-              <a:t>‹n.›</a:t>
+              <a:t>‹N›</a:t>
             </a:fld>
             <a:endParaRPr lang="it-IT"/>
           </a:p>
@@ -808,7 +808,7 @@
           <a:p>
             <a:fld id="{B7C51DD3-9558-6845-996D-01ADEA6C61DB}" type="datetimeFigureOut">
               <a:rPr lang="it-IT" smtClean="0"/>
-              <a:t>27/01/15</a:t>
+              <a:t>29/01/2015</a:t>
             </a:fld>
             <a:endParaRPr lang="it-IT"/>
           </a:p>
@@ -850,7 +850,7 @@
           <a:p>
             <a:fld id="{E3B319F5-F141-4D43-B513-3A77A01F27FA}" type="slidenum">
               <a:rPr lang="it-IT" smtClean="0"/>
-              <a:t>‹n.›</a:t>
+              <a:t>‹N›</a:t>
             </a:fld>
             <a:endParaRPr lang="it-IT"/>
           </a:p>
@@ -1054,7 +1054,7 @@
           <a:p>
             <a:fld id="{B7C51DD3-9558-6845-996D-01ADEA6C61DB}" type="datetimeFigureOut">
               <a:rPr lang="it-IT" smtClean="0"/>
-              <a:t>27/01/15</a:t>
+              <a:t>29/01/2015</a:t>
             </a:fld>
             <a:endParaRPr lang="it-IT"/>
           </a:p>
@@ -1096,7 +1096,7 @@
           <a:p>
             <a:fld id="{E3B319F5-F141-4D43-B513-3A77A01F27FA}" type="slidenum">
               <a:rPr lang="it-IT" smtClean="0"/>
-              <a:t>‹n.›</a:t>
+              <a:t>‹N›</a:t>
             </a:fld>
             <a:endParaRPr lang="it-IT"/>
           </a:p>
@@ -1342,7 +1342,7 @@
           <a:p>
             <a:fld id="{B7C51DD3-9558-6845-996D-01ADEA6C61DB}" type="datetimeFigureOut">
               <a:rPr lang="it-IT" smtClean="0"/>
-              <a:t>27/01/15</a:t>
+              <a:t>29/01/2015</a:t>
             </a:fld>
             <a:endParaRPr lang="it-IT"/>
           </a:p>
@@ -1384,7 +1384,7 @@
           <a:p>
             <a:fld id="{E3B319F5-F141-4D43-B513-3A77A01F27FA}" type="slidenum">
               <a:rPr lang="it-IT" smtClean="0"/>
-              <a:t>‹n.›</a:t>
+              <a:t>‹N›</a:t>
             </a:fld>
             <a:endParaRPr lang="it-IT"/>
           </a:p>
@@ -1764,7 +1764,7 @@
           <a:p>
             <a:fld id="{B7C51DD3-9558-6845-996D-01ADEA6C61DB}" type="datetimeFigureOut">
               <a:rPr lang="it-IT" smtClean="0"/>
-              <a:t>27/01/15</a:t>
+              <a:t>29/01/2015</a:t>
             </a:fld>
             <a:endParaRPr lang="it-IT"/>
           </a:p>
@@ -1806,7 +1806,7 @@
           <a:p>
             <a:fld id="{E3B319F5-F141-4D43-B513-3A77A01F27FA}" type="slidenum">
               <a:rPr lang="it-IT" smtClean="0"/>
-              <a:t>‹n.›</a:t>
+              <a:t>‹N›</a:t>
             </a:fld>
             <a:endParaRPr lang="it-IT"/>
           </a:p>
@@ -1882,7 +1882,7 @@
           <a:p>
             <a:fld id="{B7C51DD3-9558-6845-996D-01ADEA6C61DB}" type="datetimeFigureOut">
               <a:rPr lang="it-IT" smtClean="0"/>
-              <a:t>27/01/15</a:t>
+              <a:t>29/01/2015</a:t>
             </a:fld>
             <a:endParaRPr lang="it-IT"/>
           </a:p>
@@ -1924,7 +1924,7 @@
           <a:p>
             <a:fld id="{E3B319F5-F141-4D43-B513-3A77A01F27FA}" type="slidenum">
               <a:rPr lang="it-IT" smtClean="0"/>
-              <a:t>‹n.›</a:t>
+              <a:t>‹N›</a:t>
             </a:fld>
             <a:endParaRPr lang="it-IT"/>
           </a:p>
@@ -1977,7 +1977,7 @@
           <a:p>
             <a:fld id="{B7C51DD3-9558-6845-996D-01ADEA6C61DB}" type="datetimeFigureOut">
               <a:rPr lang="it-IT" smtClean="0"/>
-              <a:t>27/01/15</a:t>
+              <a:t>29/01/2015</a:t>
             </a:fld>
             <a:endParaRPr lang="it-IT"/>
           </a:p>
@@ -2019,7 +2019,7 @@
           <a:p>
             <a:fld id="{E3B319F5-F141-4D43-B513-3A77A01F27FA}" type="slidenum">
               <a:rPr lang="it-IT" smtClean="0"/>
-              <a:t>‹n.›</a:t>
+              <a:t>‹N›</a:t>
             </a:fld>
             <a:endParaRPr lang="it-IT"/>
           </a:p>
@@ -2254,7 +2254,7 @@
           <a:p>
             <a:fld id="{B7C51DD3-9558-6845-996D-01ADEA6C61DB}" type="datetimeFigureOut">
               <a:rPr lang="it-IT" smtClean="0"/>
-              <a:t>27/01/15</a:t>
+              <a:t>29/01/2015</a:t>
             </a:fld>
             <a:endParaRPr lang="it-IT"/>
           </a:p>
@@ -2296,7 +2296,7 @@
           <a:p>
             <a:fld id="{E3B319F5-F141-4D43-B513-3A77A01F27FA}" type="slidenum">
               <a:rPr lang="it-IT" smtClean="0"/>
-              <a:t>‹n.›</a:t>
+              <a:t>‹N›</a:t>
             </a:fld>
             <a:endParaRPr lang="it-IT"/>
           </a:p>
@@ -2507,7 +2507,7 @@
           <a:p>
             <a:fld id="{B7C51DD3-9558-6845-996D-01ADEA6C61DB}" type="datetimeFigureOut">
               <a:rPr lang="it-IT" smtClean="0"/>
-              <a:t>27/01/15</a:t>
+              <a:t>29/01/2015</a:t>
             </a:fld>
             <a:endParaRPr lang="it-IT"/>
           </a:p>
@@ -2549,7 +2549,7 @@
           <a:p>
             <a:fld id="{E3B319F5-F141-4D43-B513-3A77A01F27FA}" type="slidenum">
               <a:rPr lang="it-IT" smtClean="0"/>
-              <a:t>‹n.›</a:t>
+              <a:t>‹N›</a:t>
             </a:fld>
             <a:endParaRPr lang="it-IT"/>
           </a:p>
@@ -2720,7 +2720,7 @@
           <a:p>
             <a:fld id="{B7C51DD3-9558-6845-996D-01ADEA6C61DB}" type="datetimeFigureOut">
               <a:rPr lang="it-IT" smtClean="0"/>
-              <a:t>27/01/15</a:t>
+              <a:t>29/01/2015</a:t>
             </a:fld>
             <a:endParaRPr lang="it-IT"/>
           </a:p>
@@ -2798,7 +2798,7 @@
           <a:p>
             <a:fld id="{E3B319F5-F141-4D43-B513-3A77A01F27FA}" type="slidenum">
               <a:rPr lang="it-IT" smtClean="0"/>
-              <a:t>‹n.›</a:t>
+              <a:t>‹N›</a:t>
             </a:fld>
             <a:endParaRPr lang="it-IT"/>
           </a:p>
@@ -3133,6 +3133,26 @@
           <a:bodyPr/>
           <a:lstStyle/>
           <a:p>
+            <a:r>
+              <a:rPr lang="it-IT" dirty="0" smtClean="0"/>
+              <a:t>Gruppo: </a:t>
+            </a:r>
+            <a:r>
+              <a:rPr lang="it-IT" dirty="0" err="1" smtClean="0"/>
+              <a:t>Genta</a:t>
+            </a:r>
+            <a:r>
+              <a:rPr lang="it-IT" dirty="0" smtClean="0"/>
+              <a:t>, Massimino, </a:t>
+            </a:r>
+            <a:r>
+              <a:rPr lang="it-IT" dirty="0" err="1" smtClean="0"/>
+              <a:t>Nikolov</a:t>
+            </a:r>
+            <a:r>
+              <a:rPr lang="it-IT" smtClean="0"/>
+              <a:t>.</a:t>
+            </a:r>
             <a:endParaRPr lang="it-IT"/>
           </a:p>
         </p:txBody>

--- a/Presentazione_Spider.pptx
+++ b/Presentazione_Spider.pptx
@@ -6,6 +6,24 @@
   </p:sldMasterIdLst>
   <p:sldIdLst>
     <p:sldId id="256" r:id="rId2"/>
+    <p:sldId id="257" r:id="rId3"/>
+    <p:sldId id="258" r:id="rId4"/>
+    <p:sldId id="259" r:id="rId5"/>
+    <p:sldId id="260" r:id="rId6"/>
+    <p:sldId id="261" r:id="rId7"/>
+    <p:sldId id="262" r:id="rId8"/>
+    <p:sldId id="263" r:id="rId9"/>
+    <p:sldId id="264" r:id="rId10"/>
+    <p:sldId id="265" r:id="rId11"/>
+    <p:sldId id="268" r:id="rId12"/>
+    <p:sldId id="269" r:id="rId13"/>
+    <p:sldId id="266" r:id="rId14"/>
+    <p:sldId id="267" r:id="rId15"/>
+    <p:sldId id="270" r:id="rId16"/>
+    <p:sldId id="271" r:id="rId17"/>
+    <p:sldId id="273" r:id="rId18"/>
+    <p:sldId id="274" r:id="rId19"/>
+    <p:sldId id="272" r:id="rId20"/>
   </p:sldIdLst>
   <p:sldSz cx="9144000" cy="6858000" type="screen4x3"/>
   <p:notesSz cx="6858000" cy="9144000"/>
@@ -288,7 +306,7 @@
           <a:p>
             <a:fld id="{B7C51DD3-9558-6845-996D-01ADEA6C61DB}" type="datetimeFigureOut">
               <a:rPr lang="it-IT" smtClean="0"/>
-              <a:t>29/01/2015</a:t>
+              <a:t>14/02/15</a:t>
             </a:fld>
             <a:endParaRPr lang="it-IT"/>
           </a:p>
@@ -330,7 +348,7 @@
           <a:p>
             <a:fld id="{E3B319F5-F141-4D43-B513-3A77A01F27FA}" type="slidenum">
               <a:rPr lang="it-IT" smtClean="0"/>
-              <a:t>‹N›</a:t>
+              <a:t>‹n.›</a:t>
             </a:fld>
             <a:endParaRPr lang="it-IT"/>
           </a:p>
@@ -458,7 +476,7 @@
           <a:p>
             <a:fld id="{B7C51DD3-9558-6845-996D-01ADEA6C61DB}" type="datetimeFigureOut">
               <a:rPr lang="it-IT" smtClean="0"/>
-              <a:t>29/01/2015</a:t>
+              <a:t>14/02/15</a:t>
             </a:fld>
             <a:endParaRPr lang="it-IT"/>
           </a:p>
@@ -500,7 +518,7 @@
           <a:p>
             <a:fld id="{E3B319F5-F141-4D43-B513-3A77A01F27FA}" type="slidenum">
               <a:rPr lang="it-IT" smtClean="0"/>
-              <a:t>‹N›</a:t>
+              <a:t>‹n.›</a:t>
             </a:fld>
             <a:endParaRPr lang="it-IT"/>
           </a:p>
@@ -638,7 +656,7 @@
           <a:p>
             <a:fld id="{B7C51DD3-9558-6845-996D-01ADEA6C61DB}" type="datetimeFigureOut">
               <a:rPr lang="it-IT" smtClean="0"/>
-              <a:t>29/01/2015</a:t>
+              <a:t>14/02/15</a:t>
             </a:fld>
             <a:endParaRPr lang="it-IT"/>
           </a:p>
@@ -680,7 +698,7 @@
           <a:p>
             <a:fld id="{E3B319F5-F141-4D43-B513-3A77A01F27FA}" type="slidenum">
               <a:rPr lang="it-IT" smtClean="0"/>
-              <a:t>‹N›</a:t>
+              <a:t>‹n.›</a:t>
             </a:fld>
             <a:endParaRPr lang="it-IT"/>
           </a:p>
@@ -808,7 +826,7 @@
           <a:p>
             <a:fld id="{B7C51DD3-9558-6845-996D-01ADEA6C61DB}" type="datetimeFigureOut">
               <a:rPr lang="it-IT" smtClean="0"/>
-              <a:t>29/01/2015</a:t>
+              <a:t>14/02/15</a:t>
             </a:fld>
             <a:endParaRPr lang="it-IT"/>
           </a:p>
@@ -850,7 +868,7 @@
           <a:p>
             <a:fld id="{E3B319F5-F141-4D43-B513-3A77A01F27FA}" type="slidenum">
               <a:rPr lang="it-IT" smtClean="0"/>
-              <a:t>‹N›</a:t>
+              <a:t>‹n.›</a:t>
             </a:fld>
             <a:endParaRPr lang="it-IT"/>
           </a:p>
@@ -1054,7 +1072,7 @@
           <a:p>
             <a:fld id="{B7C51DD3-9558-6845-996D-01ADEA6C61DB}" type="datetimeFigureOut">
               <a:rPr lang="it-IT" smtClean="0"/>
-              <a:t>29/01/2015</a:t>
+              <a:t>14/02/15</a:t>
             </a:fld>
             <a:endParaRPr lang="it-IT"/>
           </a:p>
@@ -1096,7 +1114,7 @@
           <a:p>
             <a:fld id="{E3B319F5-F141-4D43-B513-3A77A01F27FA}" type="slidenum">
               <a:rPr lang="it-IT" smtClean="0"/>
-              <a:t>‹N›</a:t>
+              <a:t>‹n.›</a:t>
             </a:fld>
             <a:endParaRPr lang="it-IT"/>
           </a:p>
@@ -1342,7 +1360,7 @@
           <a:p>
             <a:fld id="{B7C51DD3-9558-6845-996D-01ADEA6C61DB}" type="datetimeFigureOut">
               <a:rPr lang="it-IT" smtClean="0"/>
-              <a:t>29/01/2015</a:t>
+              <a:t>14/02/15</a:t>
             </a:fld>
             <a:endParaRPr lang="it-IT"/>
           </a:p>
@@ -1384,7 +1402,7 @@
           <a:p>
             <a:fld id="{E3B319F5-F141-4D43-B513-3A77A01F27FA}" type="slidenum">
               <a:rPr lang="it-IT" smtClean="0"/>
-              <a:t>‹N›</a:t>
+              <a:t>‹n.›</a:t>
             </a:fld>
             <a:endParaRPr lang="it-IT"/>
           </a:p>
@@ -1764,7 +1782,7 @@
           <a:p>
             <a:fld id="{B7C51DD3-9558-6845-996D-01ADEA6C61DB}" type="datetimeFigureOut">
               <a:rPr lang="it-IT" smtClean="0"/>
-              <a:t>29/01/2015</a:t>
+              <a:t>14/02/15</a:t>
             </a:fld>
             <a:endParaRPr lang="it-IT"/>
           </a:p>
@@ -1806,7 +1824,7 @@
           <a:p>
             <a:fld id="{E3B319F5-F141-4D43-B513-3A77A01F27FA}" type="slidenum">
               <a:rPr lang="it-IT" smtClean="0"/>
-              <a:t>‹N›</a:t>
+              <a:t>‹n.›</a:t>
             </a:fld>
             <a:endParaRPr lang="it-IT"/>
           </a:p>
@@ -1882,7 +1900,7 @@
           <a:p>
             <a:fld id="{B7C51DD3-9558-6845-996D-01ADEA6C61DB}" type="datetimeFigureOut">
               <a:rPr lang="it-IT" smtClean="0"/>
-              <a:t>29/01/2015</a:t>
+              <a:t>14/02/15</a:t>
             </a:fld>
             <a:endParaRPr lang="it-IT"/>
           </a:p>
@@ -1924,7 +1942,7 @@
           <a:p>
             <a:fld id="{E3B319F5-F141-4D43-B513-3A77A01F27FA}" type="slidenum">
               <a:rPr lang="it-IT" smtClean="0"/>
-              <a:t>‹N›</a:t>
+              <a:t>‹n.›</a:t>
             </a:fld>
             <a:endParaRPr lang="it-IT"/>
           </a:p>
@@ -1977,7 +1995,7 @@
           <a:p>
             <a:fld id="{B7C51DD3-9558-6845-996D-01ADEA6C61DB}" type="datetimeFigureOut">
               <a:rPr lang="it-IT" smtClean="0"/>
-              <a:t>29/01/2015</a:t>
+              <a:t>14/02/15</a:t>
             </a:fld>
             <a:endParaRPr lang="it-IT"/>
           </a:p>
@@ -2019,7 +2037,7 @@
           <a:p>
             <a:fld id="{E3B319F5-F141-4D43-B513-3A77A01F27FA}" type="slidenum">
               <a:rPr lang="it-IT" smtClean="0"/>
-              <a:t>‹N›</a:t>
+              <a:t>‹n.›</a:t>
             </a:fld>
             <a:endParaRPr lang="it-IT"/>
           </a:p>
@@ -2254,7 +2272,7 @@
           <a:p>
             <a:fld id="{B7C51DD3-9558-6845-996D-01ADEA6C61DB}" type="datetimeFigureOut">
               <a:rPr lang="it-IT" smtClean="0"/>
-              <a:t>29/01/2015</a:t>
+              <a:t>14/02/15</a:t>
             </a:fld>
             <a:endParaRPr lang="it-IT"/>
           </a:p>
@@ -2296,7 +2314,7 @@
           <a:p>
             <a:fld id="{E3B319F5-F141-4D43-B513-3A77A01F27FA}" type="slidenum">
               <a:rPr lang="it-IT" smtClean="0"/>
-              <a:t>‹N›</a:t>
+              <a:t>‹n.›</a:t>
             </a:fld>
             <a:endParaRPr lang="it-IT"/>
           </a:p>
@@ -2507,7 +2525,7 @@
           <a:p>
             <a:fld id="{B7C51DD3-9558-6845-996D-01ADEA6C61DB}" type="datetimeFigureOut">
               <a:rPr lang="it-IT" smtClean="0"/>
-              <a:t>29/01/2015</a:t>
+              <a:t>14/02/15</a:t>
             </a:fld>
             <a:endParaRPr lang="it-IT"/>
           </a:p>
@@ -2549,7 +2567,7 @@
           <a:p>
             <a:fld id="{E3B319F5-F141-4D43-B513-3A77A01F27FA}" type="slidenum">
               <a:rPr lang="it-IT" smtClean="0"/>
-              <a:t>‹N›</a:t>
+              <a:t>‹n.›</a:t>
             </a:fld>
             <a:endParaRPr lang="it-IT"/>
           </a:p>
@@ -2720,7 +2738,7 @@
           <a:p>
             <a:fld id="{B7C51DD3-9558-6845-996D-01ADEA6C61DB}" type="datetimeFigureOut">
               <a:rPr lang="it-IT" smtClean="0"/>
-              <a:t>29/01/2015</a:t>
+              <a:t>14/02/15</a:t>
             </a:fld>
             <a:endParaRPr lang="it-IT"/>
           </a:p>
@@ -2798,7 +2816,7 @@
           <a:p>
             <a:fld id="{E3B319F5-F141-4D43-B513-3A77A01F27FA}" type="slidenum">
               <a:rPr lang="it-IT" smtClean="0"/>
-              <a:t>‹N›</a:t>
+              <a:t>‹n.›</a:t>
             </a:fld>
             <a:endParaRPr lang="it-IT"/>
           </a:p>
@@ -3161,6 +3179,1270 @@
     <p:extLst>
       <p:ext uri="{BB962C8B-B14F-4D97-AF65-F5344CB8AC3E}">
         <p14:creationId xmlns:p14="http://schemas.microsoft.com/office/powerpoint/2010/main" val="2509292071"/>
+      </p:ext>
+    </p:extLst>
+  </p:cSld>
+  <p:clrMapOvr>
+    <a:masterClrMapping/>
+  </p:clrMapOvr>
+  <p:timing>
+    <p:tnLst>
+      <p:par>
+        <p:cTn xmlns:p14="http://schemas.microsoft.com/office/powerpoint/2010/main" id="1" dur="indefinite" restart="never" nodeType="tmRoot"/>
+      </p:par>
+    </p:tnLst>
+  </p:timing>
+</p:sld>
+</file>
+
+<file path=ppt/slides/slide10.xml><?xml version="1.0" encoding="utf-8"?>
+<p:sld xmlns:a="http://schemas.openxmlformats.org/drawingml/2006/main" xmlns:r="http://schemas.openxmlformats.org/officeDocument/2006/relationships" xmlns:p="http://schemas.openxmlformats.org/presentationml/2006/main">
+  <p:cSld>
+    <p:spTree>
+      <p:nvGrpSpPr>
+        <p:cNvPr id="1" name=""/>
+        <p:cNvGrpSpPr/>
+        <p:nvPr/>
+      </p:nvGrpSpPr>
+      <p:grpSpPr>
+        <a:xfrm>
+          <a:off x="0" y="0"/>
+          <a:ext cx="0" cy="0"/>
+          <a:chOff x="0" y="0"/>
+          <a:chExt cx="0" cy="0"/>
+        </a:xfrm>
+      </p:grpSpPr>
+      <p:sp>
+        <p:nvSpPr>
+          <p:cNvPr id="2" name="Titolo 1"/>
+          <p:cNvSpPr>
+            <a:spLocks noGrp="1"/>
+          </p:cNvSpPr>
+          <p:nvPr>
+            <p:ph type="title"/>
+          </p:nvPr>
+        </p:nvSpPr>
+        <p:spPr/>
+        <p:txBody>
+          <a:bodyPr/>
+          <a:lstStyle/>
+          <a:p>
+            <a:r>
+              <a:rPr lang="it-IT" dirty="0" smtClean="0"/>
+              <a:t>Drag single e multiple</a:t>
+            </a:r>
+            <a:endParaRPr lang="it-IT" dirty="0"/>
+          </a:p>
+        </p:txBody>
+      </p:sp>
+      <p:sp>
+        <p:nvSpPr>
+          <p:cNvPr id="3" name="Segnaposto contenuto 2"/>
+          <p:cNvSpPr>
+            <a:spLocks noGrp="1"/>
+          </p:cNvSpPr>
+          <p:nvPr>
+            <p:ph idx="1"/>
+          </p:nvPr>
+        </p:nvSpPr>
+        <p:spPr/>
+        <p:txBody>
+          <a:bodyPr/>
+          <a:lstStyle/>
+          <a:p>
+            <a:endParaRPr lang="it-IT"/>
+          </a:p>
+        </p:txBody>
+      </p:sp>
+    </p:spTree>
+    <p:extLst>
+      <p:ext uri="{BB962C8B-B14F-4D97-AF65-F5344CB8AC3E}">
+        <p14:creationId xmlns:p14="http://schemas.microsoft.com/office/powerpoint/2010/main" val="2321803055"/>
+      </p:ext>
+    </p:extLst>
+  </p:cSld>
+  <p:clrMapOvr>
+    <a:masterClrMapping/>
+  </p:clrMapOvr>
+</p:sld>
+</file>
+
+<file path=ppt/slides/slide11.xml><?xml version="1.0" encoding="utf-8"?>
+<p:sld xmlns:a="http://schemas.openxmlformats.org/drawingml/2006/main" xmlns:r="http://schemas.openxmlformats.org/officeDocument/2006/relationships" xmlns:p="http://schemas.openxmlformats.org/presentationml/2006/main">
+  <p:cSld>
+    <p:spTree>
+      <p:nvGrpSpPr>
+        <p:cNvPr id="1" name=""/>
+        <p:cNvGrpSpPr/>
+        <p:nvPr/>
+      </p:nvGrpSpPr>
+      <p:grpSpPr>
+        <a:xfrm>
+          <a:off x="0" y="0"/>
+          <a:ext cx="0" cy="0"/>
+          <a:chOff x="0" y="0"/>
+          <a:chExt cx="0" cy="0"/>
+        </a:xfrm>
+      </p:grpSpPr>
+      <p:sp>
+        <p:nvSpPr>
+          <p:cNvPr id="2" name="Titolo 1"/>
+          <p:cNvSpPr>
+            <a:spLocks noGrp="1"/>
+          </p:cNvSpPr>
+          <p:nvPr>
+            <p:ph type="title"/>
+          </p:nvPr>
+        </p:nvSpPr>
+        <p:spPr/>
+        <p:txBody>
+          <a:bodyPr/>
+          <a:lstStyle/>
+          <a:p>
+            <a:r>
+              <a:rPr lang="it-IT" dirty="0" smtClean="0"/>
+              <a:t>Scala effettuata</a:t>
+            </a:r>
+            <a:endParaRPr lang="it-IT" dirty="0"/>
+          </a:p>
+        </p:txBody>
+      </p:sp>
+      <p:sp>
+        <p:nvSpPr>
+          <p:cNvPr id="3" name="Segnaposto contenuto 2"/>
+          <p:cNvSpPr>
+            <a:spLocks noGrp="1"/>
+          </p:cNvSpPr>
+          <p:nvPr>
+            <p:ph idx="1"/>
+          </p:nvPr>
+        </p:nvSpPr>
+        <p:spPr/>
+        <p:txBody>
+          <a:bodyPr/>
+          <a:lstStyle/>
+          <a:p>
+            <a:endParaRPr lang="it-IT"/>
+          </a:p>
+        </p:txBody>
+      </p:sp>
+    </p:spTree>
+    <p:extLst>
+      <p:ext uri="{BB962C8B-B14F-4D97-AF65-F5344CB8AC3E}">
+        <p14:creationId xmlns:p14="http://schemas.microsoft.com/office/powerpoint/2010/main" val="1072104629"/>
+      </p:ext>
+    </p:extLst>
+  </p:cSld>
+  <p:clrMapOvr>
+    <a:masterClrMapping/>
+  </p:clrMapOvr>
+</p:sld>
+</file>
+
+<file path=ppt/slides/slide12.xml><?xml version="1.0" encoding="utf-8"?>
+<p:sld xmlns:a="http://schemas.openxmlformats.org/drawingml/2006/main" xmlns:r="http://schemas.openxmlformats.org/officeDocument/2006/relationships" xmlns:p="http://schemas.openxmlformats.org/presentationml/2006/main">
+  <p:cSld>
+    <p:spTree>
+      <p:nvGrpSpPr>
+        <p:cNvPr id="1" name=""/>
+        <p:cNvGrpSpPr/>
+        <p:nvPr/>
+      </p:nvGrpSpPr>
+      <p:grpSpPr>
+        <a:xfrm>
+          <a:off x="0" y="0"/>
+          <a:ext cx="0" cy="0"/>
+          <a:chOff x="0" y="0"/>
+          <a:chExt cx="0" cy="0"/>
+        </a:xfrm>
+      </p:grpSpPr>
+      <p:sp>
+        <p:nvSpPr>
+          <p:cNvPr id="2" name="Titolo 1"/>
+          <p:cNvSpPr>
+            <a:spLocks noGrp="1"/>
+          </p:cNvSpPr>
+          <p:nvPr>
+            <p:ph type="title"/>
+          </p:nvPr>
+        </p:nvSpPr>
+        <p:spPr/>
+        <p:txBody>
+          <a:bodyPr/>
+          <a:lstStyle/>
+          <a:p>
+            <a:r>
+              <a:rPr lang="it-IT" dirty="0" smtClean="0"/>
+              <a:t>Vittoria</a:t>
+            </a:r>
+            <a:endParaRPr lang="it-IT" dirty="0"/>
+          </a:p>
+        </p:txBody>
+      </p:sp>
+      <p:sp>
+        <p:nvSpPr>
+          <p:cNvPr id="3" name="Segnaposto contenuto 2"/>
+          <p:cNvSpPr>
+            <a:spLocks noGrp="1"/>
+          </p:cNvSpPr>
+          <p:nvPr>
+            <p:ph idx="1"/>
+          </p:nvPr>
+        </p:nvSpPr>
+        <p:spPr/>
+        <p:txBody>
+          <a:bodyPr/>
+          <a:lstStyle/>
+          <a:p>
+            <a:endParaRPr lang="it-IT"/>
+          </a:p>
+        </p:txBody>
+      </p:sp>
+    </p:spTree>
+    <p:extLst>
+      <p:ext uri="{BB962C8B-B14F-4D97-AF65-F5344CB8AC3E}">
+        <p14:creationId xmlns:p14="http://schemas.microsoft.com/office/powerpoint/2010/main" val="890880501"/>
+      </p:ext>
+    </p:extLst>
+  </p:cSld>
+  <p:clrMapOvr>
+    <a:masterClrMapping/>
+  </p:clrMapOvr>
+</p:sld>
+</file>
+
+<file path=ppt/slides/slide13.xml><?xml version="1.0" encoding="utf-8"?>
+<p:sld xmlns:a="http://schemas.openxmlformats.org/drawingml/2006/main" xmlns:r="http://schemas.openxmlformats.org/officeDocument/2006/relationships" xmlns:p="http://schemas.openxmlformats.org/presentationml/2006/main">
+  <p:cSld>
+    <p:spTree>
+      <p:nvGrpSpPr>
+        <p:cNvPr id="1" name=""/>
+        <p:cNvGrpSpPr/>
+        <p:nvPr/>
+      </p:nvGrpSpPr>
+      <p:grpSpPr>
+        <a:xfrm>
+          <a:off x="0" y="0"/>
+          <a:ext cx="0" cy="0"/>
+          <a:chOff x="0" y="0"/>
+          <a:chExt cx="0" cy="0"/>
+        </a:xfrm>
+      </p:grpSpPr>
+      <p:sp>
+        <p:nvSpPr>
+          <p:cNvPr id="2" name="Titolo 1"/>
+          <p:cNvSpPr>
+            <a:spLocks noGrp="1"/>
+          </p:cNvSpPr>
+          <p:nvPr>
+            <p:ph type="title"/>
+          </p:nvPr>
+        </p:nvSpPr>
+        <p:spPr/>
+        <p:txBody>
+          <a:bodyPr/>
+          <a:lstStyle/>
+          <a:p>
+            <a:r>
+              <a:rPr lang="it-IT" dirty="0" smtClean="0"/>
+              <a:t>Timer e pausa</a:t>
+            </a:r>
+            <a:endParaRPr lang="it-IT" dirty="0"/>
+          </a:p>
+        </p:txBody>
+      </p:sp>
+      <p:sp>
+        <p:nvSpPr>
+          <p:cNvPr id="3" name="Segnaposto contenuto 2"/>
+          <p:cNvSpPr>
+            <a:spLocks noGrp="1"/>
+          </p:cNvSpPr>
+          <p:nvPr>
+            <p:ph idx="1"/>
+          </p:nvPr>
+        </p:nvSpPr>
+        <p:spPr/>
+        <p:txBody>
+          <a:bodyPr/>
+          <a:lstStyle/>
+          <a:p>
+            <a:endParaRPr lang="it-IT"/>
+          </a:p>
+        </p:txBody>
+      </p:sp>
+    </p:spTree>
+    <p:extLst>
+      <p:ext uri="{BB962C8B-B14F-4D97-AF65-F5344CB8AC3E}">
+        <p14:creationId xmlns:p14="http://schemas.microsoft.com/office/powerpoint/2010/main" val="825795427"/>
+      </p:ext>
+    </p:extLst>
+  </p:cSld>
+  <p:clrMapOvr>
+    <a:masterClrMapping/>
+  </p:clrMapOvr>
+</p:sld>
+</file>
+
+<file path=ppt/slides/slide14.xml><?xml version="1.0" encoding="utf-8"?>
+<p:sld xmlns:a="http://schemas.openxmlformats.org/drawingml/2006/main" xmlns:r="http://schemas.openxmlformats.org/officeDocument/2006/relationships" xmlns:p="http://schemas.openxmlformats.org/presentationml/2006/main">
+  <p:cSld>
+    <p:spTree>
+      <p:nvGrpSpPr>
+        <p:cNvPr id="1" name=""/>
+        <p:cNvGrpSpPr/>
+        <p:nvPr/>
+      </p:nvGrpSpPr>
+      <p:grpSpPr>
+        <a:xfrm>
+          <a:off x="0" y="0"/>
+          <a:ext cx="0" cy="0"/>
+          <a:chOff x="0" y="0"/>
+          <a:chExt cx="0" cy="0"/>
+        </a:xfrm>
+      </p:grpSpPr>
+      <p:sp>
+        <p:nvSpPr>
+          <p:cNvPr id="2" name="Titolo 1"/>
+          <p:cNvSpPr>
+            <a:spLocks noGrp="1"/>
+          </p:cNvSpPr>
+          <p:nvPr>
+            <p:ph type="title"/>
+          </p:nvPr>
+        </p:nvSpPr>
+        <p:spPr/>
+        <p:txBody>
+          <a:bodyPr/>
+          <a:lstStyle/>
+          <a:p>
+            <a:r>
+              <a:rPr lang="it-IT" dirty="0" smtClean="0"/>
+              <a:t>Aiuti</a:t>
+            </a:r>
+            <a:endParaRPr lang="it-IT" dirty="0"/>
+          </a:p>
+        </p:txBody>
+      </p:sp>
+      <p:sp>
+        <p:nvSpPr>
+          <p:cNvPr id="3" name="Segnaposto contenuto 2"/>
+          <p:cNvSpPr>
+            <a:spLocks noGrp="1"/>
+          </p:cNvSpPr>
+          <p:nvPr>
+            <p:ph idx="1"/>
+          </p:nvPr>
+        </p:nvSpPr>
+        <p:spPr/>
+        <p:txBody>
+          <a:bodyPr/>
+          <a:lstStyle/>
+          <a:p>
+            <a:endParaRPr lang="it-IT"/>
+          </a:p>
+        </p:txBody>
+      </p:sp>
+    </p:spTree>
+    <p:extLst>
+      <p:ext uri="{BB962C8B-B14F-4D97-AF65-F5344CB8AC3E}">
+        <p14:creationId xmlns:p14="http://schemas.microsoft.com/office/powerpoint/2010/main" val="3708207315"/>
+      </p:ext>
+    </p:extLst>
+  </p:cSld>
+  <p:clrMapOvr>
+    <a:masterClrMapping/>
+  </p:clrMapOvr>
+</p:sld>
+</file>
+
+<file path=ppt/slides/slide15.xml><?xml version="1.0" encoding="utf-8"?>
+<p:sld xmlns:a="http://schemas.openxmlformats.org/drawingml/2006/main" xmlns:r="http://schemas.openxmlformats.org/officeDocument/2006/relationships" xmlns:p="http://schemas.openxmlformats.org/presentationml/2006/main">
+  <p:cSld>
+    <p:spTree>
+      <p:nvGrpSpPr>
+        <p:cNvPr id="1" name=""/>
+        <p:cNvGrpSpPr/>
+        <p:nvPr/>
+      </p:nvGrpSpPr>
+      <p:grpSpPr>
+        <a:xfrm>
+          <a:off x="0" y="0"/>
+          <a:ext cx="0" cy="0"/>
+          <a:chOff x="0" y="0"/>
+          <a:chExt cx="0" cy="0"/>
+        </a:xfrm>
+      </p:grpSpPr>
+      <p:sp>
+        <p:nvSpPr>
+          <p:cNvPr id="2" name="Titolo 1"/>
+          <p:cNvSpPr>
+            <a:spLocks noGrp="1"/>
+          </p:cNvSpPr>
+          <p:nvPr>
+            <p:ph type="title"/>
+          </p:nvPr>
+        </p:nvSpPr>
+        <p:spPr/>
+        <p:txBody>
+          <a:bodyPr/>
+          <a:lstStyle/>
+          <a:p>
+            <a:r>
+              <a:rPr lang="it-IT" dirty="0" smtClean="0"/>
+              <a:t>Altre funzioni</a:t>
+            </a:r>
+            <a:endParaRPr lang="it-IT" dirty="0"/>
+          </a:p>
+        </p:txBody>
+      </p:sp>
+      <p:sp>
+        <p:nvSpPr>
+          <p:cNvPr id="3" name="Segnaposto contenuto 2"/>
+          <p:cNvSpPr>
+            <a:spLocks noGrp="1"/>
+          </p:cNvSpPr>
+          <p:nvPr>
+            <p:ph idx="1"/>
+          </p:nvPr>
+        </p:nvSpPr>
+        <p:spPr/>
+        <p:txBody>
+          <a:bodyPr/>
+          <a:lstStyle/>
+          <a:p>
+            <a:r>
+              <a:rPr lang="it-IT" dirty="0" err="1" smtClean="0"/>
+              <a:t>Contamosse</a:t>
+            </a:r>
+            <a:r>
+              <a:rPr lang="it-IT" dirty="0" smtClean="0"/>
+              <a:t> </a:t>
+            </a:r>
+          </a:p>
+          <a:p>
+            <a:r>
+              <a:rPr lang="it-IT" dirty="0" smtClean="0"/>
+              <a:t>Annulla mossa</a:t>
+            </a:r>
+          </a:p>
+          <a:p>
+            <a:r>
+              <a:rPr lang="it-IT" dirty="0" smtClean="0"/>
+              <a:t>Punteggio dinamico</a:t>
+            </a:r>
+          </a:p>
+        </p:txBody>
+      </p:sp>
+    </p:spTree>
+    <p:extLst>
+      <p:ext uri="{BB962C8B-B14F-4D97-AF65-F5344CB8AC3E}">
+        <p14:creationId xmlns:p14="http://schemas.microsoft.com/office/powerpoint/2010/main" val="1424648580"/>
+      </p:ext>
+    </p:extLst>
+  </p:cSld>
+  <p:clrMapOvr>
+    <a:masterClrMapping/>
+  </p:clrMapOvr>
+</p:sld>
+</file>
+
+<file path=ppt/slides/slide16.xml><?xml version="1.0" encoding="utf-8"?>
+<p:sld xmlns:a="http://schemas.openxmlformats.org/drawingml/2006/main" xmlns:r="http://schemas.openxmlformats.org/officeDocument/2006/relationships" xmlns:p="http://schemas.openxmlformats.org/presentationml/2006/main">
+  <p:cSld>
+    <p:spTree>
+      <p:nvGrpSpPr>
+        <p:cNvPr id="1" name=""/>
+        <p:cNvGrpSpPr/>
+        <p:nvPr/>
+      </p:nvGrpSpPr>
+      <p:grpSpPr>
+        <a:xfrm>
+          <a:off x="0" y="0"/>
+          <a:ext cx="0" cy="0"/>
+          <a:chOff x="0" y="0"/>
+          <a:chExt cx="0" cy="0"/>
+        </a:xfrm>
+      </p:grpSpPr>
+      <p:sp>
+        <p:nvSpPr>
+          <p:cNvPr id="2" name="Titolo 1"/>
+          <p:cNvSpPr>
+            <a:spLocks noGrp="1"/>
+          </p:cNvSpPr>
+          <p:nvPr>
+            <p:ph type="title"/>
+          </p:nvPr>
+        </p:nvSpPr>
+        <p:spPr>
+          <a:xfrm>
+            <a:off x="457200" y="2849695"/>
+            <a:ext cx="8229600" cy="1143000"/>
+          </a:xfrm>
+        </p:spPr>
+        <p:txBody>
+          <a:bodyPr/>
+          <a:lstStyle/>
+          <a:p>
+            <a:r>
+              <a:rPr lang="it-IT" dirty="0" smtClean="0"/>
+              <a:t>Parte 4: lavoro di gruppo</a:t>
+            </a:r>
+            <a:endParaRPr lang="it-IT" dirty="0"/>
+          </a:p>
+        </p:txBody>
+      </p:sp>
+    </p:spTree>
+    <p:extLst>
+      <p:ext uri="{BB962C8B-B14F-4D97-AF65-F5344CB8AC3E}">
+        <p14:creationId xmlns:p14="http://schemas.microsoft.com/office/powerpoint/2010/main" val="1274476636"/>
+      </p:ext>
+    </p:extLst>
+  </p:cSld>
+  <p:clrMapOvr>
+    <a:masterClrMapping/>
+  </p:clrMapOvr>
+</p:sld>
+</file>
+
+<file path=ppt/slides/slide17.xml><?xml version="1.0" encoding="utf-8"?>
+<p:sld xmlns:a="http://schemas.openxmlformats.org/drawingml/2006/main" xmlns:r="http://schemas.openxmlformats.org/officeDocument/2006/relationships" xmlns:p="http://schemas.openxmlformats.org/presentationml/2006/main">
+  <p:cSld>
+    <p:spTree>
+      <p:nvGrpSpPr>
+        <p:cNvPr id="1" name=""/>
+        <p:cNvGrpSpPr/>
+        <p:nvPr/>
+      </p:nvGrpSpPr>
+      <p:grpSpPr>
+        <a:xfrm>
+          <a:off x="0" y="0"/>
+          <a:ext cx="0" cy="0"/>
+          <a:chOff x="0" y="0"/>
+          <a:chExt cx="0" cy="0"/>
+        </a:xfrm>
+      </p:grpSpPr>
+      <p:sp>
+        <p:nvSpPr>
+          <p:cNvPr id="2" name="Titolo 1"/>
+          <p:cNvSpPr>
+            <a:spLocks noGrp="1"/>
+          </p:cNvSpPr>
+          <p:nvPr>
+            <p:ph type="title"/>
+          </p:nvPr>
+        </p:nvSpPr>
+        <p:spPr/>
+        <p:txBody>
+          <a:bodyPr/>
+          <a:lstStyle/>
+          <a:p>
+            <a:r>
+              <a:rPr lang="it-IT" dirty="0" smtClean="0"/>
+              <a:t>Come abbiamo lavorato?</a:t>
+            </a:r>
+            <a:endParaRPr lang="it-IT" dirty="0"/>
+          </a:p>
+        </p:txBody>
+      </p:sp>
+      <p:sp>
+        <p:nvSpPr>
+          <p:cNvPr id="3" name="Segnaposto contenuto 2"/>
+          <p:cNvSpPr>
+            <a:spLocks noGrp="1"/>
+          </p:cNvSpPr>
+          <p:nvPr>
+            <p:ph idx="1"/>
+          </p:nvPr>
+        </p:nvSpPr>
+        <p:spPr/>
+        <p:txBody>
+          <a:bodyPr/>
+          <a:lstStyle/>
+          <a:p>
+            <a:endParaRPr lang="it-IT"/>
+          </a:p>
+        </p:txBody>
+      </p:sp>
+    </p:spTree>
+    <p:extLst>
+      <p:ext uri="{BB962C8B-B14F-4D97-AF65-F5344CB8AC3E}">
+        <p14:creationId xmlns:p14="http://schemas.microsoft.com/office/powerpoint/2010/main" val="3381532276"/>
+      </p:ext>
+    </p:extLst>
+  </p:cSld>
+  <p:clrMapOvr>
+    <a:masterClrMapping/>
+  </p:clrMapOvr>
+</p:sld>
+</file>
+
+<file path=ppt/slides/slide18.xml><?xml version="1.0" encoding="utf-8"?>
+<p:sld xmlns:a="http://schemas.openxmlformats.org/drawingml/2006/main" xmlns:r="http://schemas.openxmlformats.org/officeDocument/2006/relationships" xmlns:p="http://schemas.openxmlformats.org/presentationml/2006/main">
+  <p:cSld>
+    <p:spTree>
+      <p:nvGrpSpPr>
+        <p:cNvPr id="1" name=""/>
+        <p:cNvGrpSpPr/>
+        <p:nvPr/>
+      </p:nvGrpSpPr>
+      <p:grpSpPr>
+        <a:xfrm>
+          <a:off x="0" y="0"/>
+          <a:ext cx="0" cy="0"/>
+          <a:chOff x="0" y="0"/>
+          <a:chExt cx="0" cy="0"/>
+        </a:xfrm>
+      </p:grpSpPr>
+      <p:sp>
+        <p:nvSpPr>
+          <p:cNvPr id="2" name="Titolo 1"/>
+          <p:cNvSpPr>
+            <a:spLocks noGrp="1"/>
+          </p:cNvSpPr>
+          <p:nvPr>
+            <p:ph type="title"/>
+          </p:nvPr>
+        </p:nvSpPr>
+        <p:spPr/>
+        <p:txBody>
+          <a:bodyPr/>
+          <a:lstStyle/>
+          <a:p>
+            <a:r>
+              <a:rPr lang="it-IT" dirty="0" smtClean="0"/>
+              <a:t>Ruoli nel gruppo</a:t>
+            </a:r>
+            <a:endParaRPr lang="it-IT" dirty="0"/>
+          </a:p>
+        </p:txBody>
+      </p:sp>
+      <p:sp>
+        <p:nvSpPr>
+          <p:cNvPr id="3" name="Segnaposto contenuto 2"/>
+          <p:cNvSpPr>
+            <a:spLocks noGrp="1"/>
+          </p:cNvSpPr>
+          <p:nvPr>
+            <p:ph idx="1"/>
+          </p:nvPr>
+        </p:nvSpPr>
+        <p:spPr/>
+        <p:txBody>
+          <a:bodyPr/>
+          <a:lstStyle/>
+          <a:p>
+            <a:endParaRPr lang="it-IT"/>
+          </a:p>
+        </p:txBody>
+      </p:sp>
+    </p:spTree>
+    <p:extLst>
+      <p:ext uri="{BB962C8B-B14F-4D97-AF65-F5344CB8AC3E}">
+        <p14:creationId xmlns:p14="http://schemas.microsoft.com/office/powerpoint/2010/main" val="3277299934"/>
+      </p:ext>
+    </p:extLst>
+  </p:cSld>
+  <p:clrMapOvr>
+    <a:masterClrMapping/>
+  </p:clrMapOvr>
+</p:sld>
+</file>
+
+<file path=ppt/slides/slide19.xml><?xml version="1.0" encoding="utf-8"?>
+<p:sld xmlns:a="http://schemas.openxmlformats.org/drawingml/2006/main" xmlns:r="http://schemas.openxmlformats.org/officeDocument/2006/relationships" xmlns:p="http://schemas.openxmlformats.org/presentationml/2006/main">
+  <p:cSld>
+    <p:spTree>
+      <p:nvGrpSpPr>
+        <p:cNvPr id="1" name=""/>
+        <p:cNvGrpSpPr/>
+        <p:nvPr/>
+      </p:nvGrpSpPr>
+      <p:grpSpPr>
+        <a:xfrm>
+          <a:off x="0" y="0"/>
+          <a:ext cx="0" cy="0"/>
+          <a:chOff x="0" y="0"/>
+          <a:chExt cx="0" cy="0"/>
+        </a:xfrm>
+      </p:grpSpPr>
+      <p:sp>
+        <p:nvSpPr>
+          <p:cNvPr id="2" name="Titolo 1"/>
+          <p:cNvSpPr>
+            <a:spLocks noGrp="1"/>
+          </p:cNvSpPr>
+          <p:nvPr>
+            <p:ph type="title"/>
+          </p:nvPr>
+        </p:nvSpPr>
+        <p:spPr>
+          <a:xfrm>
+            <a:off x="457200" y="2826179"/>
+            <a:ext cx="8229600" cy="1143000"/>
+          </a:xfrm>
+        </p:spPr>
+        <p:txBody>
+          <a:bodyPr/>
+          <a:lstStyle/>
+          <a:p>
+            <a:r>
+              <a:rPr lang="it-IT" dirty="0" smtClean="0"/>
+              <a:t>FINE</a:t>
+            </a:r>
+            <a:endParaRPr lang="it-IT" dirty="0"/>
+          </a:p>
+        </p:txBody>
+      </p:sp>
+    </p:spTree>
+    <p:extLst>
+      <p:ext uri="{BB962C8B-B14F-4D97-AF65-F5344CB8AC3E}">
+        <p14:creationId xmlns:p14="http://schemas.microsoft.com/office/powerpoint/2010/main" val="1579449816"/>
+      </p:ext>
+    </p:extLst>
+  </p:cSld>
+  <p:clrMapOvr>
+    <a:masterClrMapping/>
+  </p:clrMapOvr>
+</p:sld>
+</file>
+
+<file path=ppt/slides/slide2.xml><?xml version="1.0" encoding="utf-8"?>
+<p:sld xmlns:a="http://schemas.openxmlformats.org/drawingml/2006/main" xmlns:r="http://schemas.openxmlformats.org/officeDocument/2006/relationships" xmlns:p="http://schemas.openxmlformats.org/presentationml/2006/main">
+  <p:cSld>
+    <p:spTree>
+      <p:nvGrpSpPr>
+        <p:cNvPr id="1" name=""/>
+        <p:cNvGrpSpPr/>
+        <p:nvPr/>
+      </p:nvGrpSpPr>
+      <p:grpSpPr>
+        <a:xfrm>
+          <a:off x="0" y="0"/>
+          <a:ext cx="0" cy="0"/>
+          <a:chOff x="0" y="0"/>
+          <a:chExt cx="0" cy="0"/>
+        </a:xfrm>
+      </p:grpSpPr>
+      <p:sp>
+        <p:nvSpPr>
+          <p:cNvPr id="2" name="Titolo 1"/>
+          <p:cNvSpPr>
+            <a:spLocks noGrp="1"/>
+          </p:cNvSpPr>
+          <p:nvPr>
+            <p:ph type="title"/>
+          </p:nvPr>
+        </p:nvSpPr>
+        <p:spPr>
+          <a:xfrm>
+            <a:off x="457200" y="2520464"/>
+            <a:ext cx="8229600" cy="1143000"/>
+          </a:xfrm>
+        </p:spPr>
+        <p:txBody>
+          <a:bodyPr/>
+          <a:lstStyle/>
+          <a:p>
+            <a:r>
+              <a:rPr lang="it-IT" dirty="0" smtClean="0"/>
+              <a:t>Parte 1: layout </a:t>
+            </a:r>
+            <a:endParaRPr lang="it-IT" dirty="0"/>
+          </a:p>
+        </p:txBody>
+      </p:sp>
+    </p:spTree>
+    <p:extLst>
+      <p:ext uri="{BB962C8B-B14F-4D97-AF65-F5344CB8AC3E}">
+        <p14:creationId xmlns:p14="http://schemas.microsoft.com/office/powerpoint/2010/main" val="3794903198"/>
+      </p:ext>
+    </p:extLst>
+  </p:cSld>
+  <p:clrMapOvr>
+    <a:masterClrMapping/>
+  </p:clrMapOvr>
+</p:sld>
+</file>
+
+<file path=ppt/slides/slide3.xml><?xml version="1.0" encoding="utf-8"?>
+<p:sld xmlns:a="http://schemas.openxmlformats.org/drawingml/2006/main" xmlns:r="http://schemas.openxmlformats.org/officeDocument/2006/relationships" xmlns:p="http://schemas.openxmlformats.org/presentationml/2006/main">
+  <p:cSld>
+    <p:spTree>
+      <p:nvGrpSpPr>
+        <p:cNvPr id="1" name=""/>
+        <p:cNvGrpSpPr/>
+        <p:nvPr/>
+      </p:nvGrpSpPr>
+      <p:grpSpPr>
+        <a:xfrm>
+          <a:off x="0" y="0"/>
+          <a:ext cx="0" cy="0"/>
+          <a:chOff x="0" y="0"/>
+          <a:chExt cx="0" cy="0"/>
+        </a:xfrm>
+      </p:grpSpPr>
+      <p:sp>
+        <p:nvSpPr>
+          <p:cNvPr id="2" name="Titolo 1"/>
+          <p:cNvSpPr>
+            <a:spLocks noGrp="1"/>
+          </p:cNvSpPr>
+          <p:nvPr>
+            <p:ph type="title"/>
+          </p:nvPr>
+        </p:nvSpPr>
+        <p:spPr/>
+        <p:txBody>
+          <a:bodyPr/>
+          <a:lstStyle/>
+          <a:p>
+            <a:r>
+              <a:rPr lang="it-IT" dirty="0" smtClean="0"/>
+              <a:t>Interfaccia a </a:t>
+            </a:r>
+            <a:r>
+              <a:rPr lang="it-IT" dirty="0" err="1" smtClean="0"/>
+              <a:t>tab</a:t>
+            </a:r>
+            <a:endParaRPr lang="it-IT" dirty="0"/>
+          </a:p>
+        </p:txBody>
+      </p:sp>
+      <p:sp>
+        <p:nvSpPr>
+          <p:cNvPr id="3" name="Segnaposto contenuto 2"/>
+          <p:cNvSpPr>
+            <a:spLocks noGrp="1"/>
+          </p:cNvSpPr>
+          <p:nvPr>
+            <p:ph idx="1"/>
+          </p:nvPr>
+        </p:nvSpPr>
+        <p:spPr/>
+        <p:txBody>
+          <a:bodyPr/>
+          <a:lstStyle/>
+          <a:p>
+            <a:endParaRPr lang="it-IT" dirty="0"/>
+          </a:p>
+        </p:txBody>
+      </p:sp>
+    </p:spTree>
+    <p:extLst>
+      <p:ext uri="{BB962C8B-B14F-4D97-AF65-F5344CB8AC3E}">
+        <p14:creationId xmlns:p14="http://schemas.microsoft.com/office/powerpoint/2010/main" val="3375571743"/>
+      </p:ext>
+    </p:extLst>
+  </p:cSld>
+  <p:clrMapOvr>
+    <a:masterClrMapping/>
+  </p:clrMapOvr>
+</p:sld>
+</file>
+
+<file path=ppt/slides/slide4.xml><?xml version="1.0" encoding="utf-8"?>
+<p:sld xmlns:a="http://schemas.openxmlformats.org/drawingml/2006/main" xmlns:r="http://schemas.openxmlformats.org/officeDocument/2006/relationships" xmlns:p="http://schemas.openxmlformats.org/presentationml/2006/main">
+  <p:cSld>
+    <p:spTree>
+      <p:nvGrpSpPr>
+        <p:cNvPr id="1" name=""/>
+        <p:cNvGrpSpPr/>
+        <p:nvPr/>
+      </p:nvGrpSpPr>
+      <p:grpSpPr>
+        <a:xfrm>
+          <a:off x="0" y="0"/>
+          <a:ext cx="0" cy="0"/>
+          <a:chOff x="0" y="0"/>
+          <a:chExt cx="0" cy="0"/>
+        </a:xfrm>
+      </p:grpSpPr>
+      <p:sp>
+        <p:nvSpPr>
+          <p:cNvPr id="2" name="Titolo 1"/>
+          <p:cNvSpPr>
+            <a:spLocks noGrp="1"/>
+          </p:cNvSpPr>
+          <p:nvPr>
+            <p:ph type="title"/>
+          </p:nvPr>
+        </p:nvSpPr>
+        <p:spPr/>
+        <p:txBody>
+          <a:bodyPr/>
+          <a:lstStyle/>
+          <a:p>
+            <a:r>
+              <a:rPr lang="it-IT" dirty="0" smtClean="0"/>
+              <a:t>Schermata di gioco</a:t>
+            </a:r>
+            <a:endParaRPr lang="it-IT" dirty="0"/>
+          </a:p>
+        </p:txBody>
+      </p:sp>
+      <p:sp>
+        <p:nvSpPr>
+          <p:cNvPr id="3" name="Segnaposto contenuto 2"/>
+          <p:cNvSpPr>
+            <a:spLocks noGrp="1"/>
+          </p:cNvSpPr>
+          <p:nvPr>
+            <p:ph idx="1"/>
+          </p:nvPr>
+        </p:nvSpPr>
+        <p:spPr/>
+        <p:txBody>
+          <a:bodyPr/>
+          <a:lstStyle/>
+          <a:p>
+            <a:endParaRPr lang="it-IT"/>
+          </a:p>
+        </p:txBody>
+      </p:sp>
+    </p:spTree>
+    <p:extLst>
+      <p:ext uri="{BB962C8B-B14F-4D97-AF65-F5344CB8AC3E}">
+        <p14:creationId xmlns:p14="http://schemas.microsoft.com/office/powerpoint/2010/main" val="2177213103"/>
+      </p:ext>
+    </p:extLst>
+  </p:cSld>
+  <p:clrMapOvr>
+    <a:masterClrMapping/>
+  </p:clrMapOvr>
+</p:sld>
+</file>
+
+<file path=ppt/slides/slide5.xml><?xml version="1.0" encoding="utf-8"?>
+<p:sld xmlns:a="http://schemas.openxmlformats.org/drawingml/2006/main" xmlns:r="http://schemas.openxmlformats.org/officeDocument/2006/relationships" xmlns:p="http://schemas.openxmlformats.org/presentationml/2006/main">
+  <p:cSld>
+    <p:spTree>
+      <p:nvGrpSpPr>
+        <p:cNvPr id="1" name=""/>
+        <p:cNvGrpSpPr/>
+        <p:nvPr/>
+      </p:nvGrpSpPr>
+      <p:grpSpPr>
+        <a:xfrm>
+          <a:off x="0" y="0"/>
+          <a:ext cx="0" cy="0"/>
+          <a:chOff x="0" y="0"/>
+          <a:chExt cx="0" cy="0"/>
+        </a:xfrm>
+      </p:grpSpPr>
+      <p:sp>
+        <p:nvSpPr>
+          <p:cNvPr id="2" name="Titolo 1"/>
+          <p:cNvSpPr>
+            <a:spLocks noGrp="1"/>
+          </p:cNvSpPr>
+          <p:nvPr>
+            <p:ph type="title"/>
+          </p:nvPr>
+        </p:nvSpPr>
+        <p:spPr>
+          <a:xfrm>
+            <a:off x="457200" y="2720355"/>
+            <a:ext cx="8229600" cy="1143000"/>
+          </a:xfrm>
+        </p:spPr>
+        <p:txBody>
+          <a:bodyPr/>
+          <a:lstStyle/>
+          <a:p>
+            <a:r>
+              <a:rPr lang="it-IT" dirty="0" smtClean="0"/>
+              <a:t>Parte 2: Stili grafici</a:t>
+            </a:r>
+            <a:endParaRPr lang="it-IT" dirty="0"/>
+          </a:p>
+        </p:txBody>
+      </p:sp>
+    </p:spTree>
+    <p:extLst>
+      <p:ext uri="{BB962C8B-B14F-4D97-AF65-F5344CB8AC3E}">
+        <p14:creationId xmlns:p14="http://schemas.microsoft.com/office/powerpoint/2010/main" val="955400570"/>
+      </p:ext>
+    </p:extLst>
+  </p:cSld>
+  <p:clrMapOvr>
+    <a:masterClrMapping/>
+  </p:clrMapOvr>
+</p:sld>
+</file>
+
+<file path=ppt/slides/slide6.xml><?xml version="1.0" encoding="utf-8"?>
+<p:sld xmlns:a="http://schemas.openxmlformats.org/drawingml/2006/main" xmlns:r="http://schemas.openxmlformats.org/officeDocument/2006/relationships" xmlns:p="http://schemas.openxmlformats.org/presentationml/2006/main">
+  <p:cSld>
+    <p:spTree>
+      <p:nvGrpSpPr>
+        <p:cNvPr id="1" name=""/>
+        <p:cNvGrpSpPr/>
+        <p:nvPr/>
+      </p:nvGrpSpPr>
+      <p:grpSpPr>
+        <a:xfrm>
+          <a:off x="0" y="0"/>
+          <a:ext cx="0" cy="0"/>
+          <a:chOff x="0" y="0"/>
+          <a:chExt cx="0" cy="0"/>
+        </a:xfrm>
+      </p:grpSpPr>
+      <p:sp>
+        <p:nvSpPr>
+          <p:cNvPr id="2" name="Titolo 1"/>
+          <p:cNvSpPr>
+            <a:spLocks noGrp="1"/>
+          </p:cNvSpPr>
+          <p:nvPr>
+            <p:ph type="title"/>
+          </p:nvPr>
+        </p:nvSpPr>
+        <p:spPr/>
+        <p:txBody>
+          <a:bodyPr/>
+          <a:lstStyle/>
+          <a:p>
+            <a:r>
+              <a:rPr lang="it-IT" dirty="0" err="1" smtClean="0"/>
+              <a:t>Material</a:t>
+            </a:r>
+            <a:r>
+              <a:rPr lang="it-IT" dirty="0" smtClean="0"/>
+              <a:t> design</a:t>
+            </a:r>
+            <a:endParaRPr lang="it-IT" dirty="0"/>
+          </a:p>
+        </p:txBody>
+      </p:sp>
+      <p:sp>
+        <p:nvSpPr>
+          <p:cNvPr id="3" name="Segnaposto contenuto 2"/>
+          <p:cNvSpPr>
+            <a:spLocks noGrp="1"/>
+          </p:cNvSpPr>
+          <p:nvPr>
+            <p:ph idx="1"/>
+          </p:nvPr>
+        </p:nvSpPr>
+        <p:spPr/>
+        <p:txBody>
+          <a:bodyPr/>
+          <a:lstStyle/>
+          <a:p>
+            <a:endParaRPr lang="it-IT"/>
+          </a:p>
+        </p:txBody>
+      </p:sp>
+    </p:spTree>
+    <p:extLst>
+      <p:ext uri="{BB962C8B-B14F-4D97-AF65-F5344CB8AC3E}">
+        <p14:creationId xmlns:p14="http://schemas.microsoft.com/office/powerpoint/2010/main" val="3131054483"/>
+      </p:ext>
+    </p:extLst>
+  </p:cSld>
+  <p:clrMapOvr>
+    <a:masterClrMapping/>
+  </p:clrMapOvr>
+</p:sld>
+</file>
+
+<file path=ppt/slides/slide7.xml><?xml version="1.0" encoding="utf-8"?>
+<p:sld xmlns:a="http://schemas.openxmlformats.org/drawingml/2006/main" xmlns:r="http://schemas.openxmlformats.org/officeDocument/2006/relationships" xmlns:p="http://schemas.openxmlformats.org/presentationml/2006/main">
+  <p:cSld>
+    <p:spTree>
+      <p:nvGrpSpPr>
+        <p:cNvPr id="1" name=""/>
+        <p:cNvGrpSpPr/>
+        <p:nvPr/>
+      </p:nvGrpSpPr>
+      <p:grpSpPr>
+        <a:xfrm>
+          <a:off x="0" y="0"/>
+          <a:ext cx="0" cy="0"/>
+          <a:chOff x="0" y="0"/>
+          <a:chExt cx="0" cy="0"/>
+        </a:xfrm>
+      </p:grpSpPr>
+      <p:sp>
+        <p:nvSpPr>
+          <p:cNvPr id="2" name="Titolo 1"/>
+          <p:cNvSpPr>
+            <a:spLocks noGrp="1"/>
+          </p:cNvSpPr>
+          <p:nvPr>
+            <p:ph type="title"/>
+          </p:nvPr>
+        </p:nvSpPr>
+        <p:spPr>
+          <a:xfrm>
+            <a:off x="457200" y="2638047"/>
+            <a:ext cx="8229600" cy="1143000"/>
+          </a:xfrm>
+        </p:spPr>
+        <p:txBody>
+          <a:bodyPr/>
+          <a:lstStyle/>
+          <a:p>
+            <a:r>
+              <a:rPr lang="it-IT" dirty="0" smtClean="0"/>
+              <a:t>Parte 3: </a:t>
+            </a:r>
+            <a:r>
+              <a:rPr lang="it-IT" dirty="0" err="1" smtClean="0"/>
+              <a:t>javascript</a:t>
+            </a:r>
+            <a:endParaRPr lang="it-IT" dirty="0"/>
+          </a:p>
+        </p:txBody>
+      </p:sp>
+    </p:spTree>
+    <p:extLst>
+      <p:ext uri="{BB962C8B-B14F-4D97-AF65-F5344CB8AC3E}">
+        <p14:creationId xmlns:p14="http://schemas.microsoft.com/office/powerpoint/2010/main" val="2809702627"/>
+      </p:ext>
+    </p:extLst>
+  </p:cSld>
+  <p:clrMapOvr>
+    <a:masterClrMapping/>
+  </p:clrMapOvr>
+</p:sld>
+</file>
+
+<file path=ppt/slides/slide8.xml><?xml version="1.0" encoding="utf-8"?>
+<p:sld xmlns:a="http://schemas.openxmlformats.org/drawingml/2006/main" xmlns:r="http://schemas.openxmlformats.org/officeDocument/2006/relationships" xmlns:p="http://schemas.openxmlformats.org/presentationml/2006/main">
+  <p:cSld>
+    <p:spTree>
+      <p:nvGrpSpPr>
+        <p:cNvPr id="1" name=""/>
+        <p:cNvGrpSpPr/>
+        <p:nvPr/>
+      </p:nvGrpSpPr>
+      <p:grpSpPr>
+        <a:xfrm>
+          <a:off x="0" y="0"/>
+          <a:ext cx="0" cy="0"/>
+          <a:chOff x="0" y="0"/>
+          <a:chExt cx="0" cy="0"/>
+        </a:xfrm>
+      </p:grpSpPr>
+      <p:sp>
+        <p:nvSpPr>
+          <p:cNvPr id="2" name="Titolo 1"/>
+          <p:cNvSpPr>
+            <a:spLocks noGrp="1"/>
+          </p:cNvSpPr>
+          <p:nvPr>
+            <p:ph type="title"/>
+          </p:nvPr>
+        </p:nvSpPr>
+        <p:spPr/>
+        <p:txBody>
+          <a:bodyPr/>
+          <a:lstStyle/>
+          <a:p>
+            <a:r>
+              <a:rPr lang="it-IT" dirty="0" smtClean="0"/>
+              <a:t>Distribuzione iniziale</a:t>
+            </a:r>
+            <a:endParaRPr lang="it-IT" dirty="0"/>
+          </a:p>
+        </p:txBody>
+      </p:sp>
+      <p:sp>
+        <p:nvSpPr>
+          <p:cNvPr id="3" name="Segnaposto contenuto 2"/>
+          <p:cNvSpPr>
+            <a:spLocks noGrp="1"/>
+          </p:cNvSpPr>
+          <p:nvPr>
+            <p:ph idx="1"/>
+          </p:nvPr>
+        </p:nvSpPr>
+        <p:spPr/>
+        <p:txBody>
+          <a:bodyPr/>
+          <a:lstStyle/>
+          <a:p>
+            <a:endParaRPr lang="it-IT"/>
+          </a:p>
+        </p:txBody>
+      </p:sp>
+    </p:spTree>
+    <p:extLst>
+      <p:ext uri="{BB962C8B-B14F-4D97-AF65-F5344CB8AC3E}">
+        <p14:creationId xmlns:p14="http://schemas.microsoft.com/office/powerpoint/2010/main" val="111156620"/>
+      </p:ext>
+    </p:extLst>
+  </p:cSld>
+  <p:clrMapOvr>
+    <a:masterClrMapping/>
+  </p:clrMapOvr>
+</p:sld>
+</file>
+
+<file path=ppt/slides/slide9.xml><?xml version="1.0" encoding="utf-8"?>
+<p:sld xmlns:a="http://schemas.openxmlformats.org/drawingml/2006/main" xmlns:r="http://schemas.openxmlformats.org/officeDocument/2006/relationships" xmlns:p="http://schemas.openxmlformats.org/presentationml/2006/main">
+  <p:cSld>
+    <p:spTree>
+      <p:nvGrpSpPr>
+        <p:cNvPr id="1" name=""/>
+        <p:cNvGrpSpPr/>
+        <p:nvPr/>
+      </p:nvGrpSpPr>
+      <p:grpSpPr>
+        <a:xfrm>
+          <a:off x="0" y="0"/>
+          <a:ext cx="0" cy="0"/>
+          <a:chOff x="0" y="0"/>
+          <a:chExt cx="0" cy="0"/>
+        </a:xfrm>
+      </p:grpSpPr>
+      <p:sp>
+        <p:nvSpPr>
+          <p:cNvPr id="2" name="Titolo 1"/>
+          <p:cNvSpPr>
+            <a:spLocks noGrp="1"/>
+          </p:cNvSpPr>
+          <p:nvPr>
+            <p:ph type="title"/>
+          </p:nvPr>
+        </p:nvSpPr>
+        <p:spPr/>
+        <p:txBody>
+          <a:bodyPr/>
+          <a:lstStyle/>
+          <a:p>
+            <a:r>
+              <a:rPr lang="it-IT" dirty="0" smtClean="0"/>
+              <a:t>Distribuzione carte</a:t>
+            </a:r>
+            <a:endParaRPr lang="it-IT" dirty="0"/>
+          </a:p>
+        </p:txBody>
+      </p:sp>
+      <p:sp>
+        <p:nvSpPr>
+          <p:cNvPr id="3" name="Segnaposto contenuto 2"/>
+          <p:cNvSpPr>
+            <a:spLocks noGrp="1"/>
+          </p:cNvSpPr>
+          <p:nvPr>
+            <p:ph idx="1"/>
+          </p:nvPr>
+        </p:nvSpPr>
+        <p:spPr/>
+        <p:txBody>
+          <a:bodyPr/>
+          <a:lstStyle/>
+          <a:p>
+            <a:endParaRPr lang="it-IT"/>
+          </a:p>
+        </p:txBody>
+      </p:sp>
+    </p:spTree>
+    <p:extLst>
+      <p:ext uri="{BB962C8B-B14F-4D97-AF65-F5344CB8AC3E}">
+        <p14:creationId xmlns:p14="http://schemas.microsoft.com/office/powerpoint/2010/main" val="1370898487"/>
       </p:ext>
     </p:extLst>
   </p:cSld>

--- a/Presentazione_Spider.pptx
+++ b/Presentazione_Spider.pptx
@@ -2,28 +2,26 @@
 <file path=ppt/presentation.xml><?xml version="1.0" encoding="utf-8"?>
 <p:presentation xmlns:a="http://schemas.openxmlformats.org/drawingml/2006/main" xmlns:r="http://schemas.openxmlformats.org/officeDocument/2006/relationships" xmlns:p="http://schemas.openxmlformats.org/presentationml/2006/main" saveSubsetFonts="1" autoCompressPictures="0">
   <p:sldMasterIdLst>
-    <p:sldMasterId id="2147483648" r:id="rId1"/>
+    <p:sldMasterId id="2147483660" r:id="rId1"/>
   </p:sldMasterIdLst>
   <p:sldIdLst>
     <p:sldId id="256" r:id="rId2"/>
     <p:sldId id="257" r:id="rId3"/>
     <p:sldId id="258" r:id="rId4"/>
     <p:sldId id="259" r:id="rId5"/>
-    <p:sldId id="260" r:id="rId6"/>
-    <p:sldId id="261" r:id="rId7"/>
-    <p:sldId id="262" r:id="rId8"/>
+    <p:sldId id="261" r:id="rId6"/>
+    <p:sldId id="262" r:id="rId7"/>
+    <p:sldId id="275" r:id="rId8"/>
     <p:sldId id="263" r:id="rId9"/>
-    <p:sldId id="264" r:id="rId10"/>
-    <p:sldId id="265" r:id="rId11"/>
-    <p:sldId id="268" r:id="rId12"/>
-    <p:sldId id="269" r:id="rId13"/>
-    <p:sldId id="266" r:id="rId14"/>
-    <p:sldId id="267" r:id="rId15"/>
-    <p:sldId id="270" r:id="rId16"/>
-    <p:sldId id="271" r:id="rId17"/>
-    <p:sldId id="273" r:id="rId18"/>
-    <p:sldId id="274" r:id="rId19"/>
-    <p:sldId id="272" r:id="rId20"/>
+    <p:sldId id="265" r:id="rId10"/>
+    <p:sldId id="268" r:id="rId11"/>
+    <p:sldId id="269" r:id="rId12"/>
+    <p:sldId id="267" r:id="rId13"/>
+    <p:sldId id="270" r:id="rId14"/>
+    <p:sldId id="271" r:id="rId15"/>
+    <p:sldId id="273" r:id="rId16"/>
+    <p:sldId id="274" r:id="rId17"/>
+    <p:sldId id="272" r:id="rId18"/>
   </p:sldIdLst>
   <p:sldSz cx="9144000" cy="6858000" type="screen4x3"/>
   <p:notesSz cx="6858000" cy="9144000"/>
@@ -144,7 +142,7 @@
       </p:grpSpPr>
       <p:sp>
         <p:nvSpPr>
-          <p:cNvPr id="2" name="Titolo 1"/>
+          <p:cNvPr id="2" name="Title 1"/>
           <p:cNvSpPr>
             <a:spLocks noGrp="1"/>
           </p:cNvSpPr>
@@ -159,20 +157,24 @@
           </a:xfrm>
         </p:spPr>
         <p:txBody>
-          <a:bodyPr/>
-          <a:lstStyle/>
+          <a:bodyPr anchor="b"/>
+          <a:lstStyle>
+            <a:lvl1pPr>
+              <a:defRPr sz="5400"/>
+            </a:lvl1pPr>
+          </a:lstStyle>
           <a:p>
             <a:r>
               <a:rPr lang="it-IT" smtClean="0"/>
               <a:t>Fare clic per modificare stile</a:t>
             </a:r>
-            <a:endParaRPr lang="it-IT"/>
-          </a:p>
-        </p:txBody>
-      </p:sp>
-      <p:sp>
-        <p:nvSpPr>
-          <p:cNvPr id="3" name="Sottotitolo 2"/>
+            <a:endParaRPr lang="en-US" dirty="0"/>
+          </a:p>
+        </p:txBody>
+      </p:sp>
+      <p:sp>
+        <p:nvSpPr>
+          <p:cNvPr id="3" name="Subtitle 2"/>
           <p:cNvSpPr>
             <a:spLocks noGrp="1"/>
           </p:cNvSpPr>
@@ -187,15 +189,15 @@
           </a:xfrm>
         </p:spPr>
         <p:txBody>
-          <a:bodyPr/>
+          <a:bodyPr anchor="t">
+            <a:normAutofit/>
+          </a:bodyPr>
           <a:lstStyle>
             <a:lvl1pPr marL="0" indent="0" algn="ctr">
               <a:buNone/>
-              <a:defRPr>
+              <a:defRPr sz="2800">
                 <a:solidFill>
-                  <a:schemeClr val="tx1">
-                    <a:tint val="75000"/>
-                  </a:schemeClr>
+                  <a:schemeClr val="tx2"/>
                 </a:solidFill>
               </a:defRPr>
             </a:lvl1pPr>
@@ -285,13 +287,13 @@
               <a:rPr lang="it-IT" smtClean="0"/>
               <a:t>Fare clic per modificare lo stile del sottotitolo dello schema</a:t>
             </a:r>
-            <a:endParaRPr lang="it-IT"/>
-          </a:p>
-        </p:txBody>
-      </p:sp>
-      <p:sp>
-        <p:nvSpPr>
-          <p:cNvPr id="4" name="Segnaposto data 3"/>
+            <a:endParaRPr lang="en-US" dirty="0"/>
+          </a:p>
+        </p:txBody>
+      </p:sp>
+      <p:sp>
+        <p:nvSpPr>
+          <p:cNvPr id="4" name="Date Placeholder 3"/>
           <p:cNvSpPr>
             <a:spLocks noGrp="1"/>
           </p:cNvSpPr>
@@ -306,7 +308,7 @@
           <a:p>
             <a:fld id="{B7C51DD3-9558-6845-996D-01ADEA6C61DB}" type="datetimeFigureOut">
               <a:rPr lang="it-IT" smtClean="0"/>
-              <a:t>14/02/15</a:t>
+              <a:t>18/02/15</a:t>
             </a:fld>
             <a:endParaRPr lang="it-IT"/>
           </a:p>
@@ -314,7 +316,7 @@
       </p:sp>
       <p:sp>
         <p:nvSpPr>
-          <p:cNvPr id="5" name="Segnaposto piè di pagina 4"/>
+          <p:cNvPr id="5" name="Footer Placeholder 4"/>
           <p:cNvSpPr>
             <a:spLocks noGrp="1"/>
           </p:cNvSpPr>
@@ -333,7 +335,7 @@
       </p:sp>
       <p:sp>
         <p:nvSpPr>
-          <p:cNvPr id="6" name="Segnaposto numero diapositiva 5"/>
+          <p:cNvPr id="6" name="Slide Number Placeholder 5"/>
           <p:cNvSpPr>
             <a:spLocks noGrp="1"/>
           </p:cNvSpPr>
@@ -355,11 +357,6 @@
         </p:txBody>
       </p:sp>
     </p:spTree>
-    <p:extLst>
-      <p:ext uri="{BB962C8B-B14F-4D97-AF65-F5344CB8AC3E}">
-        <p14:creationId xmlns:p14="http://schemas.microsoft.com/office/powerpoint/2010/main" val="1427003171"/>
-      </p:ext>
-    </p:extLst>
   </p:cSld>
   <p:clrMapOvr>
     <a:masterClrMapping/>
@@ -386,7 +383,7 @@
       </p:grpSpPr>
       <p:sp>
         <p:nvSpPr>
-          <p:cNvPr id="2" name="Titolo 1"/>
+          <p:cNvPr id="2" name="Title 1"/>
           <p:cNvSpPr>
             <a:spLocks noGrp="1"/>
           </p:cNvSpPr>
@@ -403,13 +400,13 @@
               <a:rPr lang="it-IT" smtClean="0"/>
               <a:t>Fare clic per modificare stile</a:t>
             </a:r>
-            <a:endParaRPr lang="it-IT"/>
-          </a:p>
-        </p:txBody>
-      </p:sp>
-      <p:sp>
-        <p:nvSpPr>
-          <p:cNvPr id="3" name="Segnaposto testo verticale 2"/>
+            <a:endParaRPr lang="en-US"/>
+          </a:p>
+        </p:txBody>
+      </p:sp>
+      <p:sp>
+        <p:nvSpPr>
+          <p:cNvPr id="3" name="Vertical Text Placeholder 2"/>
           <p:cNvSpPr>
             <a:spLocks noGrp="1"/>
           </p:cNvSpPr>
@@ -419,7 +416,7 @@
         </p:nvSpPr>
         <p:spPr/>
         <p:txBody>
-          <a:bodyPr vert="eaVert"/>
+          <a:bodyPr vert="eaVert" anchor="t"/>
           <a:lstStyle/>
           <a:p>
             <a:pPr lvl="0"/>
@@ -455,13 +452,13 @@
               <a:rPr lang="it-IT" smtClean="0"/>
               <a:t>Quinto livello</a:t>
             </a:r>
-            <a:endParaRPr lang="it-IT"/>
-          </a:p>
-        </p:txBody>
-      </p:sp>
-      <p:sp>
-        <p:nvSpPr>
-          <p:cNvPr id="4" name="Segnaposto data 3"/>
+            <a:endParaRPr lang="en-US"/>
+          </a:p>
+        </p:txBody>
+      </p:sp>
+      <p:sp>
+        <p:nvSpPr>
+          <p:cNvPr id="4" name="Date Placeholder 3"/>
           <p:cNvSpPr>
             <a:spLocks noGrp="1"/>
           </p:cNvSpPr>
@@ -476,7 +473,7 @@
           <a:p>
             <a:fld id="{B7C51DD3-9558-6845-996D-01ADEA6C61DB}" type="datetimeFigureOut">
               <a:rPr lang="it-IT" smtClean="0"/>
-              <a:t>14/02/15</a:t>
+              <a:t>18/02/15</a:t>
             </a:fld>
             <a:endParaRPr lang="it-IT"/>
           </a:p>
@@ -484,7 +481,7 @@
       </p:sp>
       <p:sp>
         <p:nvSpPr>
-          <p:cNvPr id="5" name="Segnaposto piè di pagina 4"/>
+          <p:cNvPr id="5" name="Footer Placeholder 4"/>
           <p:cNvSpPr>
             <a:spLocks noGrp="1"/>
           </p:cNvSpPr>
@@ -503,7 +500,7 @@
       </p:sp>
       <p:sp>
         <p:nvSpPr>
-          <p:cNvPr id="6" name="Segnaposto numero diapositiva 5"/>
+          <p:cNvPr id="6" name="Slide Number Placeholder 5"/>
           <p:cNvSpPr>
             <a:spLocks noGrp="1"/>
           </p:cNvSpPr>
@@ -525,11 +522,6 @@
         </p:txBody>
       </p:sp>
     </p:spTree>
-    <p:extLst>
-      <p:ext uri="{BB962C8B-B14F-4D97-AF65-F5344CB8AC3E}">
-        <p14:creationId xmlns:p14="http://schemas.microsoft.com/office/powerpoint/2010/main" val="3653495896"/>
-      </p:ext>
-    </p:extLst>
   </p:cSld>
   <p:clrMapOvr>
     <a:masterClrMapping/>
@@ -556,7 +548,7 @@
       </p:grpSpPr>
       <p:sp>
         <p:nvSpPr>
-          <p:cNvPr id="2" name="Titolo verticale 1"/>
+          <p:cNvPr id="2" name="Vertical Title 1"/>
           <p:cNvSpPr>
             <a:spLocks noGrp="1"/>
           </p:cNvSpPr>
@@ -578,13 +570,13 @@
               <a:rPr lang="it-IT" smtClean="0"/>
               <a:t>Fare clic per modificare stile</a:t>
             </a:r>
-            <a:endParaRPr lang="it-IT"/>
-          </a:p>
-        </p:txBody>
-      </p:sp>
-      <p:sp>
-        <p:nvSpPr>
-          <p:cNvPr id="3" name="Segnaposto testo verticale 2"/>
+            <a:endParaRPr lang="en-US" dirty="0"/>
+          </a:p>
+        </p:txBody>
+      </p:sp>
+      <p:sp>
+        <p:nvSpPr>
+          <p:cNvPr id="3" name="Vertical Text Placeholder 2"/>
           <p:cNvSpPr>
             <a:spLocks noGrp="1"/>
           </p:cNvSpPr>
@@ -599,7 +591,7 @@
           </a:xfrm>
         </p:spPr>
         <p:txBody>
-          <a:bodyPr vert="eaVert"/>
+          <a:bodyPr vert="eaVert" anchor="t"/>
           <a:lstStyle/>
           <a:p>
             <a:pPr lvl="0"/>
@@ -635,13 +627,13 @@
               <a:rPr lang="it-IT" smtClean="0"/>
               <a:t>Quinto livello</a:t>
             </a:r>
-            <a:endParaRPr lang="it-IT"/>
-          </a:p>
-        </p:txBody>
-      </p:sp>
-      <p:sp>
-        <p:nvSpPr>
-          <p:cNvPr id="4" name="Segnaposto data 3"/>
+            <a:endParaRPr lang="en-US" dirty="0"/>
+          </a:p>
+        </p:txBody>
+      </p:sp>
+      <p:sp>
+        <p:nvSpPr>
+          <p:cNvPr id="4" name="Date Placeholder 3"/>
           <p:cNvSpPr>
             <a:spLocks noGrp="1"/>
           </p:cNvSpPr>
@@ -656,7 +648,7 @@
           <a:p>
             <a:fld id="{B7C51DD3-9558-6845-996D-01ADEA6C61DB}" type="datetimeFigureOut">
               <a:rPr lang="it-IT" smtClean="0"/>
-              <a:t>14/02/15</a:t>
+              <a:t>18/02/15</a:t>
             </a:fld>
             <a:endParaRPr lang="it-IT"/>
           </a:p>
@@ -664,7 +656,7 @@
       </p:sp>
       <p:sp>
         <p:nvSpPr>
-          <p:cNvPr id="5" name="Segnaposto piè di pagina 4"/>
+          <p:cNvPr id="5" name="Footer Placeholder 4"/>
           <p:cNvSpPr>
             <a:spLocks noGrp="1"/>
           </p:cNvSpPr>
@@ -683,7 +675,7 @@
       </p:sp>
       <p:sp>
         <p:nvSpPr>
-          <p:cNvPr id="6" name="Segnaposto numero diapositiva 5"/>
+          <p:cNvPr id="6" name="Slide Number Placeholder 5"/>
           <p:cNvSpPr>
             <a:spLocks noGrp="1"/>
           </p:cNvSpPr>
@@ -705,11 +697,6 @@
         </p:txBody>
       </p:sp>
     </p:spTree>
-    <p:extLst>
-      <p:ext uri="{BB962C8B-B14F-4D97-AF65-F5344CB8AC3E}">
-        <p14:creationId xmlns:p14="http://schemas.microsoft.com/office/powerpoint/2010/main" val="1051799211"/>
-      </p:ext>
-    </p:extLst>
   </p:cSld>
   <p:clrMapOvr>
     <a:masterClrMapping/>
@@ -736,7 +723,7 @@
       </p:grpSpPr>
       <p:sp>
         <p:nvSpPr>
-          <p:cNvPr id="2" name="Titolo 1"/>
+          <p:cNvPr id="2" name="Title 1"/>
           <p:cNvSpPr>
             <a:spLocks noGrp="1"/>
           </p:cNvSpPr>
@@ -753,13 +740,13 @@
               <a:rPr lang="it-IT" smtClean="0"/>
               <a:t>Fare clic per modificare stile</a:t>
             </a:r>
-            <a:endParaRPr lang="it-IT"/>
-          </a:p>
-        </p:txBody>
-      </p:sp>
-      <p:sp>
-        <p:nvSpPr>
-          <p:cNvPr id="3" name="Segnaposto contenuto 2"/>
+            <a:endParaRPr lang="en-US" dirty="0"/>
+          </a:p>
+        </p:txBody>
+      </p:sp>
+      <p:sp>
+        <p:nvSpPr>
+          <p:cNvPr id="3" name="Content Placeholder 2"/>
           <p:cNvSpPr>
             <a:spLocks noGrp="1"/>
           </p:cNvSpPr>
@@ -805,13 +792,13 @@
               <a:rPr lang="it-IT" smtClean="0"/>
               <a:t>Quinto livello</a:t>
             </a:r>
-            <a:endParaRPr lang="it-IT"/>
-          </a:p>
-        </p:txBody>
-      </p:sp>
-      <p:sp>
-        <p:nvSpPr>
-          <p:cNvPr id="4" name="Segnaposto data 3"/>
+            <a:endParaRPr lang="en-US" dirty="0"/>
+          </a:p>
+        </p:txBody>
+      </p:sp>
+      <p:sp>
+        <p:nvSpPr>
+          <p:cNvPr id="4" name="Date Placeholder 3"/>
           <p:cNvSpPr>
             <a:spLocks noGrp="1"/>
           </p:cNvSpPr>
@@ -826,7 +813,7 @@
           <a:p>
             <a:fld id="{B7C51DD3-9558-6845-996D-01ADEA6C61DB}" type="datetimeFigureOut">
               <a:rPr lang="it-IT" smtClean="0"/>
-              <a:t>14/02/15</a:t>
+              <a:t>18/02/15</a:t>
             </a:fld>
             <a:endParaRPr lang="it-IT"/>
           </a:p>
@@ -834,7 +821,7 @@
       </p:sp>
       <p:sp>
         <p:nvSpPr>
-          <p:cNvPr id="5" name="Segnaposto piè di pagina 4"/>
+          <p:cNvPr id="5" name="Footer Placeholder 4"/>
           <p:cNvSpPr>
             <a:spLocks noGrp="1"/>
           </p:cNvSpPr>
@@ -853,7 +840,7 @@
       </p:sp>
       <p:sp>
         <p:nvSpPr>
-          <p:cNvPr id="6" name="Segnaposto numero diapositiva 5"/>
+          <p:cNvPr id="6" name="Slide Number Placeholder 5"/>
           <p:cNvSpPr>
             <a:spLocks noGrp="1"/>
           </p:cNvSpPr>
@@ -875,11 +862,6 @@
         </p:txBody>
       </p:sp>
     </p:spTree>
-    <p:extLst>
-      <p:ext uri="{BB962C8B-B14F-4D97-AF65-F5344CB8AC3E}">
-        <p14:creationId xmlns:p14="http://schemas.microsoft.com/office/powerpoint/2010/main" val="1215467631"/>
-      </p:ext>
-    </p:extLst>
   </p:cSld>
   <p:clrMapOvr>
     <a:masterClrMapping/>
@@ -906,7 +888,7 @@
       </p:grpSpPr>
       <p:sp>
         <p:nvSpPr>
-          <p:cNvPr id="2" name="Titolo 1"/>
+          <p:cNvPr id="2" name="Title 1"/>
           <p:cNvSpPr>
             <a:spLocks noGrp="1"/>
           </p:cNvSpPr>
@@ -932,13 +914,13 @@
               <a:rPr lang="it-IT" smtClean="0"/>
               <a:t>Fare clic per modificare stile</a:t>
             </a:r>
-            <a:endParaRPr lang="it-IT"/>
-          </a:p>
-        </p:txBody>
-      </p:sp>
-      <p:sp>
-        <p:nvSpPr>
-          <p:cNvPr id="3" name="Segnaposto testo 2"/>
+            <a:endParaRPr lang="en-US" dirty="0"/>
+          </a:p>
+        </p:txBody>
+      </p:sp>
+      <p:sp>
+        <p:nvSpPr>
+          <p:cNvPr id="3" name="Text Placeholder 2"/>
           <p:cNvSpPr>
             <a:spLocks noGrp="1"/>
           </p:cNvSpPr>
@@ -959,9 +941,7 @@
               <a:buNone/>
               <a:defRPr sz="2000">
                 <a:solidFill>
-                  <a:schemeClr val="tx1">
-                    <a:tint val="75000"/>
-                  </a:schemeClr>
+                  <a:schemeClr val="tx2"/>
                 </a:solidFill>
               </a:defRPr>
             </a:lvl1pPr>
@@ -1057,7 +1037,7 @@
       </p:sp>
       <p:sp>
         <p:nvSpPr>
-          <p:cNvPr id="4" name="Segnaposto data 3"/>
+          <p:cNvPr id="4" name="Date Placeholder 3"/>
           <p:cNvSpPr>
             <a:spLocks noGrp="1"/>
           </p:cNvSpPr>
@@ -1072,7 +1052,7 @@
           <a:p>
             <a:fld id="{B7C51DD3-9558-6845-996D-01ADEA6C61DB}" type="datetimeFigureOut">
               <a:rPr lang="it-IT" smtClean="0"/>
-              <a:t>14/02/15</a:t>
+              <a:t>18/02/15</a:t>
             </a:fld>
             <a:endParaRPr lang="it-IT"/>
           </a:p>
@@ -1080,7 +1060,7 @@
       </p:sp>
       <p:sp>
         <p:nvSpPr>
-          <p:cNvPr id="5" name="Segnaposto piè di pagina 4"/>
+          <p:cNvPr id="5" name="Footer Placeholder 4"/>
           <p:cNvSpPr>
             <a:spLocks noGrp="1"/>
           </p:cNvSpPr>
@@ -1099,7 +1079,7 @@
       </p:sp>
       <p:sp>
         <p:nvSpPr>
-          <p:cNvPr id="6" name="Segnaposto numero diapositiva 5"/>
+          <p:cNvPr id="6" name="Slide Number Placeholder 5"/>
           <p:cNvSpPr>
             <a:spLocks noGrp="1"/>
           </p:cNvSpPr>
@@ -1121,11 +1101,6 @@
         </p:txBody>
       </p:sp>
     </p:spTree>
-    <p:extLst>
-      <p:ext uri="{BB962C8B-B14F-4D97-AF65-F5344CB8AC3E}">
-        <p14:creationId xmlns:p14="http://schemas.microsoft.com/office/powerpoint/2010/main" val="3360649784"/>
-      </p:ext>
-    </p:extLst>
   </p:cSld>
   <p:clrMapOvr>
     <a:masterClrMapping/>
@@ -1152,7 +1127,7 @@
       </p:grpSpPr>
       <p:sp>
         <p:nvSpPr>
-          <p:cNvPr id="2" name="Titolo 1"/>
+          <p:cNvPr id="2" name="Title 1"/>
           <p:cNvSpPr>
             <a:spLocks noGrp="1"/>
           </p:cNvSpPr>
@@ -1169,13 +1144,13 @@
               <a:rPr lang="it-IT" smtClean="0"/>
               <a:t>Fare clic per modificare stile</a:t>
             </a:r>
-            <a:endParaRPr lang="it-IT"/>
-          </a:p>
-        </p:txBody>
-      </p:sp>
-      <p:sp>
-        <p:nvSpPr>
-          <p:cNvPr id="3" name="Segnaposto contenuto 2"/>
+            <a:endParaRPr lang="en-US"/>
+          </a:p>
+        </p:txBody>
+      </p:sp>
+      <p:sp>
+        <p:nvSpPr>
+          <p:cNvPr id="3" name="Content Placeholder 2"/>
           <p:cNvSpPr>
             <a:spLocks noGrp="1"/>
           </p:cNvSpPr>
@@ -1254,13 +1229,13 @@
               <a:rPr lang="it-IT" smtClean="0"/>
               <a:t>Quinto livello</a:t>
             </a:r>
-            <a:endParaRPr lang="it-IT"/>
-          </a:p>
-        </p:txBody>
-      </p:sp>
-      <p:sp>
-        <p:nvSpPr>
-          <p:cNvPr id="4" name="Segnaposto contenuto 3"/>
+            <a:endParaRPr lang="en-US"/>
+          </a:p>
+        </p:txBody>
+      </p:sp>
+      <p:sp>
+        <p:nvSpPr>
+          <p:cNvPr id="4" name="Content Placeholder 3"/>
           <p:cNvSpPr>
             <a:spLocks noGrp="1"/>
           </p:cNvSpPr>
@@ -1339,13 +1314,13 @@
               <a:rPr lang="it-IT" smtClean="0"/>
               <a:t>Quinto livello</a:t>
             </a:r>
-            <a:endParaRPr lang="it-IT"/>
-          </a:p>
-        </p:txBody>
-      </p:sp>
-      <p:sp>
-        <p:nvSpPr>
-          <p:cNvPr id="5" name="Segnaposto data 4"/>
+            <a:endParaRPr lang="en-US"/>
+          </a:p>
+        </p:txBody>
+      </p:sp>
+      <p:sp>
+        <p:nvSpPr>
+          <p:cNvPr id="5" name="Date Placeholder 4"/>
           <p:cNvSpPr>
             <a:spLocks noGrp="1"/>
           </p:cNvSpPr>
@@ -1360,7 +1335,7 @@
           <a:p>
             <a:fld id="{B7C51DD3-9558-6845-996D-01ADEA6C61DB}" type="datetimeFigureOut">
               <a:rPr lang="it-IT" smtClean="0"/>
-              <a:t>14/02/15</a:t>
+              <a:t>18/02/15</a:t>
             </a:fld>
             <a:endParaRPr lang="it-IT"/>
           </a:p>
@@ -1368,7 +1343,7 @@
       </p:sp>
       <p:sp>
         <p:nvSpPr>
-          <p:cNvPr id="6" name="Segnaposto piè di pagina 5"/>
+          <p:cNvPr id="6" name="Footer Placeholder 5"/>
           <p:cNvSpPr>
             <a:spLocks noGrp="1"/>
           </p:cNvSpPr>
@@ -1387,7 +1362,7 @@
       </p:sp>
       <p:sp>
         <p:nvSpPr>
-          <p:cNvPr id="7" name="Segnaposto numero diapositiva 6"/>
+          <p:cNvPr id="7" name="Slide Number Placeholder 6"/>
           <p:cNvSpPr>
             <a:spLocks noGrp="1"/>
           </p:cNvSpPr>
@@ -1409,11 +1384,6 @@
         </p:txBody>
       </p:sp>
     </p:spTree>
-    <p:extLst>
-      <p:ext uri="{BB962C8B-B14F-4D97-AF65-F5344CB8AC3E}">
-        <p14:creationId xmlns:p14="http://schemas.microsoft.com/office/powerpoint/2010/main" val="1028807278"/>
-      </p:ext>
-    </p:extLst>
   </p:cSld>
   <p:clrMapOvr>
     <a:masterClrMapping/>
@@ -1440,7 +1410,7 @@
       </p:grpSpPr>
       <p:sp>
         <p:nvSpPr>
-          <p:cNvPr id="2" name="Titolo 1"/>
+          <p:cNvPr id="2" name="Title 1"/>
           <p:cNvSpPr>
             <a:spLocks noGrp="1"/>
           </p:cNvSpPr>
@@ -1461,13 +1431,13 @@
               <a:rPr lang="it-IT" smtClean="0"/>
               <a:t>Fare clic per modificare stile</a:t>
             </a:r>
-            <a:endParaRPr lang="it-IT"/>
-          </a:p>
-        </p:txBody>
-      </p:sp>
-      <p:sp>
-        <p:nvSpPr>
-          <p:cNvPr id="3" name="Segnaposto testo 2"/>
+            <a:endParaRPr lang="en-US" dirty="0"/>
+          </a:p>
+        </p:txBody>
+      </p:sp>
+      <p:sp>
+        <p:nvSpPr>
+          <p:cNvPr id="3" name="Text Placeholder 2"/>
           <p:cNvSpPr>
             <a:spLocks noGrp="1"/>
           </p:cNvSpPr>
@@ -1482,11 +1452,11 @@
           </a:xfrm>
         </p:spPr>
         <p:txBody>
-          <a:bodyPr anchor="b"/>
+          <a:bodyPr anchor="t"/>
           <a:lstStyle>
             <a:lvl1pPr marL="0" indent="0">
               <a:buNone/>
-              <a:defRPr sz="2400" b="1"/>
+              <a:defRPr sz="2000" b="1"/>
             </a:lvl1pPr>
             <a:lvl2pPr marL="457200" indent="0">
               <a:buNone/>
@@ -1532,7 +1502,7 @@
       </p:sp>
       <p:sp>
         <p:nvSpPr>
-          <p:cNvPr id="4" name="Segnaposto contenuto 3"/>
+          <p:cNvPr id="4" name="Content Placeholder 3"/>
           <p:cNvSpPr>
             <a:spLocks noGrp="1"/>
           </p:cNvSpPr>
@@ -1611,13 +1581,13 @@
               <a:rPr lang="it-IT" smtClean="0"/>
               <a:t>Quinto livello</a:t>
             </a:r>
-            <a:endParaRPr lang="it-IT"/>
-          </a:p>
-        </p:txBody>
-      </p:sp>
-      <p:sp>
-        <p:nvSpPr>
-          <p:cNvPr id="5" name="Segnaposto testo 4"/>
+            <a:endParaRPr lang="en-US"/>
+          </a:p>
+        </p:txBody>
+      </p:sp>
+      <p:sp>
+        <p:nvSpPr>
+          <p:cNvPr id="5" name="Text Placeholder 4"/>
           <p:cNvSpPr>
             <a:spLocks noGrp="1"/>
           </p:cNvSpPr>
@@ -1632,11 +1602,11 @@
           </a:xfrm>
         </p:spPr>
         <p:txBody>
-          <a:bodyPr anchor="b"/>
+          <a:bodyPr anchor="t"/>
           <a:lstStyle>
             <a:lvl1pPr marL="0" indent="0">
               <a:buNone/>
-              <a:defRPr sz="2400" b="1"/>
+              <a:defRPr sz="2000" b="1"/>
             </a:lvl1pPr>
             <a:lvl2pPr marL="457200" indent="0">
               <a:buNone/>
@@ -1682,7 +1652,7 @@
       </p:sp>
       <p:sp>
         <p:nvSpPr>
-          <p:cNvPr id="6" name="Segnaposto contenuto 5"/>
+          <p:cNvPr id="6" name="Content Placeholder 5"/>
           <p:cNvSpPr>
             <a:spLocks noGrp="1"/>
           </p:cNvSpPr>
@@ -1761,13 +1731,13 @@
               <a:rPr lang="it-IT" smtClean="0"/>
               <a:t>Quinto livello</a:t>
             </a:r>
-            <a:endParaRPr lang="it-IT"/>
-          </a:p>
-        </p:txBody>
-      </p:sp>
-      <p:sp>
-        <p:nvSpPr>
-          <p:cNvPr id="7" name="Segnaposto data 6"/>
+            <a:endParaRPr lang="en-US"/>
+          </a:p>
+        </p:txBody>
+      </p:sp>
+      <p:sp>
+        <p:nvSpPr>
+          <p:cNvPr id="7" name="Date Placeholder 6"/>
           <p:cNvSpPr>
             <a:spLocks noGrp="1"/>
           </p:cNvSpPr>
@@ -1782,7 +1752,7 @@
           <a:p>
             <a:fld id="{B7C51DD3-9558-6845-996D-01ADEA6C61DB}" type="datetimeFigureOut">
               <a:rPr lang="it-IT" smtClean="0"/>
-              <a:t>14/02/15</a:t>
+              <a:t>18/02/15</a:t>
             </a:fld>
             <a:endParaRPr lang="it-IT"/>
           </a:p>
@@ -1790,7 +1760,7 @@
       </p:sp>
       <p:sp>
         <p:nvSpPr>
-          <p:cNvPr id="8" name="Segnaposto piè di pagina 7"/>
+          <p:cNvPr id="8" name="Footer Placeholder 7"/>
           <p:cNvSpPr>
             <a:spLocks noGrp="1"/>
           </p:cNvSpPr>
@@ -1809,7 +1779,7 @@
       </p:sp>
       <p:sp>
         <p:nvSpPr>
-          <p:cNvPr id="9" name="Segnaposto numero diapositiva 8"/>
+          <p:cNvPr id="9" name="Slide Number Placeholder 8"/>
           <p:cNvSpPr>
             <a:spLocks noGrp="1"/>
           </p:cNvSpPr>
@@ -1831,11 +1801,6 @@
         </p:txBody>
       </p:sp>
     </p:spTree>
-    <p:extLst>
-      <p:ext uri="{BB962C8B-B14F-4D97-AF65-F5344CB8AC3E}">
-        <p14:creationId xmlns:p14="http://schemas.microsoft.com/office/powerpoint/2010/main" val="3036070349"/>
-      </p:ext>
-    </p:extLst>
   </p:cSld>
   <p:clrMapOvr>
     <a:masterClrMapping/>
@@ -1862,7 +1827,7 @@
       </p:grpSpPr>
       <p:sp>
         <p:nvSpPr>
-          <p:cNvPr id="2" name="Titolo 1"/>
+          <p:cNvPr id="2" name="Title 1"/>
           <p:cNvSpPr>
             <a:spLocks noGrp="1"/>
           </p:cNvSpPr>
@@ -1879,13 +1844,13 @@
               <a:rPr lang="it-IT" smtClean="0"/>
               <a:t>Fare clic per modificare stile</a:t>
             </a:r>
-            <a:endParaRPr lang="it-IT"/>
-          </a:p>
-        </p:txBody>
-      </p:sp>
-      <p:sp>
-        <p:nvSpPr>
-          <p:cNvPr id="3" name="Segnaposto data 2"/>
+            <a:endParaRPr lang="en-US"/>
+          </a:p>
+        </p:txBody>
+      </p:sp>
+      <p:sp>
+        <p:nvSpPr>
+          <p:cNvPr id="3" name="Date Placeholder 2"/>
           <p:cNvSpPr>
             <a:spLocks noGrp="1"/>
           </p:cNvSpPr>
@@ -1900,7 +1865,7 @@
           <a:p>
             <a:fld id="{B7C51DD3-9558-6845-996D-01ADEA6C61DB}" type="datetimeFigureOut">
               <a:rPr lang="it-IT" smtClean="0"/>
-              <a:t>14/02/15</a:t>
+              <a:t>18/02/15</a:t>
             </a:fld>
             <a:endParaRPr lang="it-IT"/>
           </a:p>
@@ -1908,7 +1873,7 @@
       </p:sp>
       <p:sp>
         <p:nvSpPr>
-          <p:cNvPr id="4" name="Segnaposto piè di pagina 3"/>
+          <p:cNvPr id="4" name="Footer Placeholder 3"/>
           <p:cNvSpPr>
             <a:spLocks noGrp="1"/>
           </p:cNvSpPr>
@@ -1927,7 +1892,7 @@
       </p:sp>
       <p:sp>
         <p:nvSpPr>
-          <p:cNvPr id="5" name="Segnaposto numero diapositiva 4"/>
+          <p:cNvPr id="5" name="Slide Number Placeholder 4"/>
           <p:cNvSpPr>
             <a:spLocks noGrp="1"/>
           </p:cNvSpPr>
@@ -1949,11 +1914,6 @@
         </p:txBody>
       </p:sp>
     </p:spTree>
-    <p:extLst>
-      <p:ext uri="{BB962C8B-B14F-4D97-AF65-F5344CB8AC3E}">
-        <p14:creationId xmlns:p14="http://schemas.microsoft.com/office/powerpoint/2010/main" val="1450371188"/>
-      </p:ext>
-    </p:extLst>
   </p:cSld>
   <p:clrMapOvr>
     <a:masterClrMapping/>
@@ -1980,7 +1940,7 @@
       </p:grpSpPr>
       <p:sp>
         <p:nvSpPr>
-          <p:cNvPr id="2" name="Segnaposto data 1"/>
+          <p:cNvPr id="2" name="Date Placeholder 1"/>
           <p:cNvSpPr>
             <a:spLocks noGrp="1"/>
           </p:cNvSpPr>
@@ -1995,7 +1955,7 @@
           <a:p>
             <a:fld id="{B7C51DD3-9558-6845-996D-01ADEA6C61DB}" type="datetimeFigureOut">
               <a:rPr lang="it-IT" smtClean="0"/>
-              <a:t>14/02/15</a:t>
+              <a:t>18/02/15</a:t>
             </a:fld>
             <a:endParaRPr lang="it-IT"/>
           </a:p>
@@ -2003,7 +1963,7 @@
       </p:sp>
       <p:sp>
         <p:nvSpPr>
-          <p:cNvPr id="3" name="Segnaposto piè di pagina 2"/>
+          <p:cNvPr id="3" name="Footer Placeholder 2"/>
           <p:cNvSpPr>
             <a:spLocks noGrp="1"/>
           </p:cNvSpPr>
@@ -2022,7 +1982,7 @@
       </p:sp>
       <p:sp>
         <p:nvSpPr>
-          <p:cNvPr id="4" name="Segnaposto numero diapositiva 3"/>
+          <p:cNvPr id="4" name="Slide Number Placeholder 3"/>
           <p:cNvSpPr>
             <a:spLocks noGrp="1"/>
           </p:cNvSpPr>
@@ -2044,11 +2004,6 @@
         </p:txBody>
       </p:sp>
     </p:spTree>
-    <p:extLst>
-      <p:ext uri="{BB962C8B-B14F-4D97-AF65-F5344CB8AC3E}">
-        <p14:creationId xmlns:p14="http://schemas.microsoft.com/office/powerpoint/2010/main" val="2279300435"/>
-      </p:ext>
-    </p:extLst>
   </p:cSld>
   <p:clrMapOvr>
     <a:masterClrMapping/>
@@ -2075,7 +2030,7 @@
       </p:grpSpPr>
       <p:sp>
         <p:nvSpPr>
-          <p:cNvPr id="2" name="Titolo 1"/>
+          <p:cNvPr id="2" name="Title 1"/>
           <p:cNvSpPr>
             <a:spLocks noGrp="1"/>
           </p:cNvSpPr>
@@ -2101,13 +2056,13 @@
               <a:rPr lang="it-IT" smtClean="0"/>
               <a:t>Fare clic per modificare stile</a:t>
             </a:r>
-            <a:endParaRPr lang="it-IT"/>
-          </a:p>
-        </p:txBody>
-      </p:sp>
-      <p:sp>
-        <p:nvSpPr>
-          <p:cNvPr id="3" name="Segnaposto contenuto 2"/>
+            <a:endParaRPr lang="en-US" dirty="0"/>
+          </a:p>
+        </p:txBody>
+      </p:sp>
+      <p:sp>
+        <p:nvSpPr>
+          <p:cNvPr id="3" name="Content Placeholder 2"/>
           <p:cNvSpPr>
             <a:spLocks noGrp="1"/>
           </p:cNvSpPr>
@@ -2186,13 +2141,13 @@
               <a:rPr lang="it-IT" smtClean="0"/>
               <a:t>Quinto livello</a:t>
             </a:r>
-            <a:endParaRPr lang="it-IT"/>
-          </a:p>
-        </p:txBody>
-      </p:sp>
-      <p:sp>
-        <p:nvSpPr>
-          <p:cNvPr id="4" name="Segnaposto testo 3"/>
+            <a:endParaRPr lang="en-US"/>
+          </a:p>
+        </p:txBody>
+      </p:sp>
+      <p:sp>
+        <p:nvSpPr>
+          <p:cNvPr id="4" name="Text Placeholder 3"/>
           <p:cNvSpPr>
             <a:spLocks noGrp="1"/>
           </p:cNvSpPr>
@@ -2211,7 +2166,14 @@
           <a:lstStyle>
             <a:lvl1pPr marL="0" indent="0">
               <a:buNone/>
-              <a:defRPr sz="1400"/>
+              <a:defRPr sz="1400">
+                <a:solidFill>
+                  <a:schemeClr val="accent2">
+                    <a:lumMod val="40000"/>
+                    <a:lumOff val="60000"/>
+                  </a:schemeClr>
+                </a:solidFill>
+              </a:defRPr>
             </a:lvl1pPr>
             <a:lvl2pPr marL="457200" indent="0">
               <a:buNone/>
@@ -2257,7 +2219,7 @@
       </p:sp>
       <p:sp>
         <p:nvSpPr>
-          <p:cNvPr id="5" name="Segnaposto data 4"/>
+          <p:cNvPr id="5" name="Date Placeholder 4"/>
           <p:cNvSpPr>
             <a:spLocks noGrp="1"/>
           </p:cNvSpPr>
@@ -2272,7 +2234,7 @@
           <a:p>
             <a:fld id="{B7C51DD3-9558-6845-996D-01ADEA6C61DB}" type="datetimeFigureOut">
               <a:rPr lang="it-IT" smtClean="0"/>
-              <a:t>14/02/15</a:t>
+              <a:t>18/02/15</a:t>
             </a:fld>
             <a:endParaRPr lang="it-IT"/>
           </a:p>
@@ -2280,7 +2242,7 @@
       </p:sp>
       <p:sp>
         <p:nvSpPr>
-          <p:cNvPr id="6" name="Segnaposto piè di pagina 5"/>
+          <p:cNvPr id="6" name="Footer Placeholder 5"/>
           <p:cNvSpPr>
             <a:spLocks noGrp="1"/>
           </p:cNvSpPr>
@@ -2299,7 +2261,7 @@
       </p:sp>
       <p:sp>
         <p:nvSpPr>
-          <p:cNvPr id="7" name="Segnaposto numero diapositiva 6"/>
+          <p:cNvPr id="7" name="Slide Number Placeholder 6"/>
           <p:cNvSpPr>
             <a:spLocks noGrp="1"/>
           </p:cNvSpPr>
@@ -2321,11 +2283,6 @@
         </p:txBody>
       </p:sp>
     </p:spTree>
-    <p:extLst>
-      <p:ext uri="{BB962C8B-B14F-4D97-AF65-F5344CB8AC3E}">
-        <p14:creationId xmlns:p14="http://schemas.microsoft.com/office/powerpoint/2010/main" val="131967412"/>
-      </p:ext>
-    </p:extLst>
   </p:cSld>
   <p:clrMapOvr>
     <a:masterClrMapping/>
@@ -2352,7 +2309,7 @@
       </p:grpSpPr>
       <p:sp>
         <p:nvSpPr>
-          <p:cNvPr id="2" name="Titolo 1"/>
+          <p:cNvPr id="2" name="Title 1"/>
           <p:cNvSpPr>
             <a:spLocks noGrp="1"/>
           </p:cNvSpPr>
@@ -2378,13 +2335,13 @@
               <a:rPr lang="it-IT" smtClean="0"/>
               <a:t>Fare clic per modificare stile</a:t>
             </a:r>
-            <a:endParaRPr lang="it-IT"/>
-          </a:p>
-        </p:txBody>
-      </p:sp>
-      <p:sp>
-        <p:nvSpPr>
-          <p:cNvPr id="3" name="Segnaposto immagine 2"/>
+            <a:endParaRPr lang="en-US" dirty="0"/>
+          </a:p>
+        </p:txBody>
+      </p:sp>
+      <p:sp>
+        <p:nvSpPr>
+          <p:cNvPr id="3" name="Picture Placeholder 2"/>
           <p:cNvSpPr>
             <a:spLocks noGrp="1"/>
           </p:cNvSpPr>
@@ -2439,13 +2396,17 @@
             </a:lvl9pPr>
           </a:lstStyle>
           <a:p>
-            <a:endParaRPr lang="it-IT"/>
-          </a:p>
-        </p:txBody>
-      </p:sp>
-      <p:sp>
-        <p:nvSpPr>
-          <p:cNvPr id="4" name="Segnaposto testo 3"/>
+            <a:r>
+              <a:rPr lang="it-IT" smtClean="0"/>
+              <a:t>Trascinare l'immagine su un segnaposto o fare clic sull'icona per aggiungerla</a:t>
+            </a:r>
+            <a:endParaRPr lang="en-US"/>
+          </a:p>
+        </p:txBody>
+      </p:sp>
+      <p:sp>
+        <p:nvSpPr>
+          <p:cNvPr id="4" name="Text Placeholder 3"/>
           <p:cNvSpPr>
             <a:spLocks noGrp="1"/>
           </p:cNvSpPr>
@@ -2460,11 +2421,18 @@
           </a:xfrm>
         </p:spPr>
         <p:txBody>
-          <a:bodyPr/>
+          <a:bodyPr anchor="t"/>
           <a:lstStyle>
             <a:lvl1pPr marL="0" indent="0">
               <a:buNone/>
-              <a:defRPr sz="1400"/>
+              <a:defRPr sz="1400">
+                <a:solidFill>
+                  <a:schemeClr val="accent2">
+                    <a:lumMod val="40000"/>
+                    <a:lumOff val="60000"/>
+                  </a:schemeClr>
+                </a:solidFill>
+              </a:defRPr>
             </a:lvl1pPr>
             <a:lvl2pPr marL="457200" indent="0">
               <a:buNone/>
@@ -2510,7 +2478,7 @@
       </p:sp>
       <p:sp>
         <p:nvSpPr>
-          <p:cNvPr id="5" name="Segnaposto data 4"/>
+          <p:cNvPr id="5" name="Date Placeholder 4"/>
           <p:cNvSpPr>
             <a:spLocks noGrp="1"/>
           </p:cNvSpPr>
@@ -2525,7 +2493,7 @@
           <a:p>
             <a:fld id="{B7C51DD3-9558-6845-996D-01ADEA6C61DB}" type="datetimeFigureOut">
               <a:rPr lang="it-IT" smtClean="0"/>
-              <a:t>14/02/15</a:t>
+              <a:t>18/02/15</a:t>
             </a:fld>
             <a:endParaRPr lang="it-IT"/>
           </a:p>
@@ -2533,7 +2501,7 @@
       </p:sp>
       <p:sp>
         <p:nvSpPr>
-          <p:cNvPr id="6" name="Segnaposto piè di pagina 5"/>
+          <p:cNvPr id="6" name="Footer Placeholder 5"/>
           <p:cNvSpPr>
             <a:spLocks noGrp="1"/>
           </p:cNvSpPr>
@@ -2552,7 +2520,7 @@
       </p:sp>
       <p:sp>
         <p:nvSpPr>
-          <p:cNvPr id="7" name="Segnaposto numero diapositiva 6"/>
+          <p:cNvPr id="7" name="Slide Number Placeholder 6"/>
           <p:cNvSpPr>
             <a:spLocks noGrp="1"/>
           </p:cNvSpPr>
@@ -2574,11 +2542,6 @@
         </p:txBody>
       </p:sp>
     </p:spTree>
-    <p:extLst>
-      <p:ext uri="{BB962C8B-B14F-4D97-AF65-F5344CB8AC3E}">
-        <p14:creationId xmlns:p14="http://schemas.microsoft.com/office/powerpoint/2010/main" val="1054236219"/>
-      </p:ext>
-    </p:extLst>
   </p:cSld>
   <p:clrMapOvr>
     <a:masterClrMapping/>
@@ -2590,8 +2553,8 @@
 <p:sldMaster xmlns:a="http://schemas.openxmlformats.org/drawingml/2006/main" xmlns:r="http://schemas.openxmlformats.org/officeDocument/2006/relationships" xmlns:p="http://schemas.openxmlformats.org/presentationml/2006/main">
   <p:cSld>
     <p:bg>
-      <p:bgRef idx="1001">
-        <a:schemeClr val="bg1"/>
+      <p:bgRef idx="1002">
+        <a:schemeClr val="bg2"/>
       </p:bgRef>
     </p:bg>
     <p:spTree>
@@ -2610,7 +2573,7 @@
       </p:grpSpPr>
       <p:sp>
         <p:nvSpPr>
-          <p:cNvPr id="2" name="Segnaposto titolo 1"/>
+          <p:cNvPr id="2" name="Title Placeholder 1"/>
           <p:cNvSpPr>
             <a:spLocks noGrp="1"/>
           </p:cNvSpPr>
@@ -2620,7 +2583,7 @@
         </p:nvSpPr>
         <p:spPr>
           <a:xfrm>
-            <a:off x="457200" y="274638"/>
+            <a:off x="457200" y="457200"/>
             <a:ext cx="8229600" cy="1143000"/>
           </a:xfrm>
           <a:prstGeom prst="rect">
@@ -2628,7 +2591,7 @@
           </a:prstGeom>
         </p:spPr>
         <p:txBody>
-          <a:bodyPr vert="horz" lIns="91440" tIns="45720" rIns="91440" bIns="45720" rtlCol="0" anchor="ctr">
+          <a:bodyPr vert="horz" lIns="91440" tIns="45720" rIns="91440" bIns="45720" rtlCol="0" anchor="t">
             <a:normAutofit/>
           </a:bodyPr>
           <a:lstStyle/>
@@ -2637,13 +2600,13 @@
               <a:rPr lang="it-IT" smtClean="0"/>
               <a:t>Fare clic per modificare stile</a:t>
             </a:r>
-            <a:endParaRPr lang="it-IT"/>
-          </a:p>
-        </p:txBody>
-      </p:sp>
-      <p:sp>
-        <p:nvSpPr>
-          <p:cNvPr id="3" name="Segnaposto testo 2"/>
+            <a:endParaRPr lang="en-US" dirty="0"/>
+          </a:p>
+        </p:txBody>
+      </p:sp>
+      <p:sp>
+        <p:nvSpPr>
+          <p:cNvPr id="3" name="Text Placeholder 2"/>
           <p:cNvSpPr>
             <a:spLocks noGrp="1"/>
           </p:cNvSpPr>
@@ -2661,7 +2624,7 @@
           </a:prstGeom>
         </p:spPr>
         <p:txBody>
-          <a:bodyPr vert="horz" lIns="91440" tIns="45720" rIns="91440" bIns="45720" rtlCol="0">
+          <a:bodyPr vert="horz" lIns="91440" tIns="45720" rIns="91440" bIns="45720" rtlCol="0" anchor="ctr">
             <a:normAutofit/>
           </a:bodyPr>
           <a:lstStyle/>
@@ -2699,13 +2662,13 @@
               <a:rPr lang="it-IT" smtClean="0"/>
               <a:t>Quinto livello</a:t>
             </a:r>
-            <a:endParaRPr lang="it-IT"/>
-          </a:p>
-        </p:txBody>
-      </p:sp>
-      <p:sp>
-        <p:nvSpPr>
-          <p:cNvPr id="4" name="Segnaposto data 3"/>
+            <a:endParaRPr lang="en-US" dirty="0"/>
+          </a:p>
+        </p:txBody>
+      </p:sp>
+      <p:sp>
+        <p:nvSpPr>
+          <p:cNvPr id="4" name="Date Placeholder 3"/>
           <p:cNvSpPr>
             <a:spLocks noGrp="1"/>
           </p:cNvSpPr>
@@ -2738,7 +2701,7 @@
           <a:p>
             <a:fld id="{B7C51DD3-9558-6845-996D-01ADEA6C61DB}" type="datetimeFigureOut">
               <a:rPr lang="it-IT" smtClean="0"/>
-              <a:t>14/02/15</a:t>
+              <a:t>18/02/15</a:t>
             </a:fld>
             <a:endParaRPr lang="it-IT"/>
           </a:p>
@@ -2746,7 +2709,7 @@
       </p:sp>
       <p:sp>
         <p:nvSpPr>
-          <p:cNvPr id="5" name="Segnaposto piè di pagina 4"/>
+          <p:cNvPr id="5" name="Footer Placeholder 4"/>
           <p:cNvSpPr>
             <a:spLocks noGrp="1"/>
           </p:cNvSpPr>
@@ -2783,7 +2746,7 @@
       </p:sp>
       <p:sp>
         <p:nvSpPr>
-          <p:cNvPr id="6" name="Segnaposto numero diapositiva 5"/>
+          <p:cNvPr id="6" name="Slide Number Placeholder 5"/>
           <p:cNvSpPr>
             <a:spLocks noGrp="1"/>
           </p:cNvSpPr>
@@ -2823,34 +2786,29 @@
         </p:txBody>
       </p:sp>
     </p:spTree>
-    <p:extLst>
-      <p:ext uri="{BB962C8B-B14F-4D97-AF65-F5344CB8AC3E}">
-        <p14:creationId xmlns:p14="http://schemas.microsoft.com/office/powerpoint/2010/main" val="401042643"/>
-      </p:ext>
-    </p:extLst>
   </p:cSld>
-  <p:clrMap bg1="lt1" tx1="dk1" bg2="lt2" tx2="dk2" accent1="accent1" accent2="accent2" accent3="accent3" accent4="accent4" accent5="accent5" accent6="accent6" hlink="hlink" folHlink="folHlink"/>
+  <p:clrMap bg1="dk1" tx1="lt1" bg2="dk2" tx2="lt2" accent1="accent1" accent2="accent2" accent3="accent3" accent4="accent4" accent5="accent5" accent6="accent6" hlink="hlink" folHlink="folHlink"/>
   <p:sldLayoutIdLst>
-    <p:sldLayoutId id="2147483649" r:id="rId1"/>
-    <p:sldLayoutId id="2147483650" r:id="rId2"/>
-    <p:sldLayoutId id="2147483651" r:id="rId3"/>
-    <p:sldLayoutId id="2147483652" r:id="rId4"/>
-    <p:sldLayoutId id="2147483653" r:id="rId5"/>
-    <p:sldLayoutId id="2147483654" r:id="rId6"/>
-    <p:sldLayoutId id="2147483655" r:id="rId7"/>
-    <p:sldLayoutId id="2147483656" r:id="rId8"/>
-    <p:sldLayoutId id="2147483657" r:id="rId9"/>
-    <p:sldLayoutId id="2147483658" r:id="rId10"/>
-    <p:sldLayoutId id="2147483659" r:id="rId11"/>
+    <p:sldLayoutId id="2147483661" r:id="rId1"/>
+    <p:sldLayoutId id="2147483662" r:id="rId2"/>
+    <p:sldLayoutId id="2147483663" r:id="rId3"/>
+    <p:sldLayoutId id="2147483664" r:id="rId4"/>
+    <p:sldLayoutId id="2147483665" r:id="rId5"/>
+    <p:sldLayoutId id="2147483666" r:id="rId6"/>
+    <p:sldLayoutId id="2147483667" r:id="rId7"/>
+    <p:sldLayoutId id="2147483668" r:id="rId8"/>
+    <p:sldLayoutId id="2147483669" r:id="rId9"/>
+    <p:sldLayoutId id="2147483670" r:id="rId10"/>
+    <p:sldLayoutId id="2147483671" r:id="rId11"/>
   </p:sldLayoutIdLst>
   <p:txStyles>
     <p:titleStyle>
-      <a:lvl1pPr algn="ctr" defTabSz="457200" rtl="0" eaLnBrk="1" latinLnBrk="0" hangingPunct="1">
+      <a:lvl1pPr algn="ctr" defTabSz="914400" rtl="0" eaLnBrk="1" latinLnBrk="0" hangingPunct="1">
         <a:spcBef>
           <a:spcPct val="0"/>
         </a:spcBef>
         <a:buNone/>
-        <a:defRPr sz="4400" kern="1200">
+        <a:defRPr sz="5000" kern="1200">
           <a:solidFill>
             <a:schemeClr val="tx1"/>
           </a:solidFill>
@@ -2859,13 +2817,72 @@
           <a:cs typeface="+mj-cs"/>
         </a:defRPr>
       </a:lvl1pPr>
+      <a:lvl2pPr eaLnBrk="1" hangingPunct="1">
+        <a:defRPr>
+          <a:solidFill>
+            <a:schemeClr val="tx2"/>
+          </a:solidFill>
+        </a:defRPr>
+      </a:lvl2pPr>
+      <a:lvl3pPr eaLnBrk="1" hangingPunct="1">
+        <a:defRPr>
+          <a:solidFill>
+            <a:schemeClr val="tx2"/>
+          </a:solidFill>
+        </a:defRPr>
+      </a:lvl3pPr>
+      <a:lvl4pPr eaLnBrk="1" hangingPunct="1">
+        <a:defRPr>
+          <a:solidFill>
+            <a:schemeClr val="tx2"/>
+          </a:solidFill>
+        </a:defRPr>
+      </a:lvl4pPr>
+      <a:lvl5pPr eaLnBrk="1" hangingPunct="1">
+        <a:defRPr>
+          <a:solidFill>
+            <a:schemeClr val="tx2"/>
+          </a:solidFill>
+        </a:defRPr>
+      </a:lvl5pPr>
+      <a:lvl6pPr eaLnBrk="1" hangingPunct="1">
+        <a:defRPr>
+          <a:solidFill>
+            <a:schemeClr val="tx2"/>
+          </a:solidFill>
+        </a:defRPr>
+      </a:lvl6pPr>
+      <a:lvl7pPr eaLnBrk="1" hangingPunct="1">
+        <a:defRPr>
+          <a:solidFill>
+            <a:schemeClr val="tx2"/>
+          </a:solidFill>
+        </a:defRPr>
+      </a:lvl7pPr>
+      <a:lvl8pPr eaLnBrk="1" hangingPunct="1">
+        <a:defRPr>
+          <a:solidFill>
+            <a:schemeClr val="tx2"/>
+          </a:solidFill>
+        </a:defRPr>
+      </a:lvl8pPr>
+      <a:lvl9pPr eaLnBrk="1" hangingPunct="1">
+        <a:defRPr>
+          <a:solidFill>
+            <a:schemeClr val="tx2"/>
+          </a:solidFill>
+        </a:defRPr>
+      </a:lvl9pPr>
     </p:titleStyle>
     <p:bodyStyle>
-      <a:lvl1pPr marL="342900" indent="-342900" algn="l" defTabSz="457200" rtl="0" eaLnBrk="1" latinLnBrk="0" hangingPunct="1">
+      <a:lvl1pPr marL="342900" indent="-342900" algn="l" defTabSz="914400" rtl="0" eaLnBrk="1" latinLnBrk="0" hangingPunct="1">
+        <a:lnSpc>
+          <a:spcPct val="150000"/>
+        </a:lnSpc>
         <a:spcBef>
           <a:spcPct val="20000"/>
         </a:spcBef>
-        <a:buFont typeface="Arial"/>
+        <a:buFont typeface="Arial" pitchFamily="34" charset="0"/>
         <a:buChar char="•"/>
         <a:defRPr sz="3200" kern="1200">
           <a:solidFill>
@@ -2876,11 +2893,14 @@
           <a:cs typeface="+mn-cs"/>
         </a:defRPr>
       </a:lvl1pPr>
-      <a:lvl2pPr marL="742950" indent="-285750" algn="l" defTabSz="457200" rtl="0" eaLnBrk="1" latinLnBrk="0" hangingPunct="1">
+      <a:lvl2pPr marL="742950" indent="-285750" algn="l" defTabSz="914400" rtl="0" eaLnBrk="1" latinLnBrk="0" hangingPunct="1">
+        <a:lnSpc>
+          <a:spcPct val="150000"/>
+        </a:lnSpc>
         <a:spcBef>
           <a:spcPct val="20000"/>
         </a:spcBef>
-        <a:buFont typeface="Arial"/>
+        <a:buFont typeface="Arial" pitchFamily="34" charset="0"/>
         <a:buChar char="–"/>
         <a:defRPr sz="2800" kern="1200">
           <a:solidFill>
@@ -2891,11 +2911,14 @@
           <a:cs typeface="+mn-cs"/>
         </a:defRPr>
       </a:lvl2pPr>
-      <a:lvl3pPr marL="1143000" indent="-228600" algn="l" defTabSz="457200" rtl="0" eaLnBrk="1" latinLnBrk="0" hangingPunct="1">
+      <a:lvl3pPr marL="1143000" indent="-228600" algn="l" defTabSz="914400" rtl="0" eaLnBrk="1" latinLnBrk="0" hangingPunct="1">
+        <a:lnSpc>
+          <a:spcPct val="150000"/>
+        </a:lnSpc>
         <a:spcBef>
           <a:spcPct val="20000"/>
         </a:spcBef>
-        <a:buFont typeface="Arial"/>
+        <a:buFont typeface="Arial" pitchFamily="34" charset="0"/>
         <a:buChar char="•"/>
         <a:defRPr sz="2400" kern="1200">
           <a:solidFill>
@@ -2906,11 +2929,14 @@
           <a:cs typeface="+mn-cs"/>
         </a:defRPr>
       </a:lvl3pPr>
-      <a:lvl4pPr marL="1600200" indent="-228600" algn="l" defTabSz="457200" rtl="0" eaLnBrk="1" latinLnBrk="0" hangingPunct="1">
+      <a:lvl4pPr marL="1600200" indent="-228600" algn="l" defTabSz="914400" rtl="0" eaLnBrk="1" latinLnBrk="0" hangingPunct="1">
+        <a:lnSpc>
+          <a:spcPct val="150000"/>
+        </a:lnSpc>
         <a:spcBef>
           <a:spcPct val="20000"/>
         </a:spcBef>
-        <a:buFont typeface="Arial"/>
+        <a:buFont typeface="Arial" pitchFamily="34" charset="0"/>
         <a:buChar char="–"/>
         <a:defRPr sz="2000" kern="1200">
           <a:solidFill>
@@ -2921,11 +2947,14 @@
           <a:cs typeface="+mn-cs"/>
         </a:defRPr>
       </a:lvl4pPr>
-      <a:lvl5pPr marL="2057400" indent="-228600" algn="l" defTabSz="457200" rtl="0" eaLnBrk="1" latinLnBrk="0" hangingPunct="1">
+      <a:lvl5pPr marL="2057400" indent="-228600" algn="l" defTabSz="914400" rtl="0" eaLnBrk="1" latinLnBrk="0" hangingPunct="1">
+        <a:lnSpc>
+          <a:spcPct val="150000"/>
+        </a:lnSpc>
         <a:spcBef>
           <a:spcPct val="20000"/>
         </a:spcBef>
-        <a:buFont typeface="Arial"/>
+        <a:buFont typeface="Arial" pitchFamily="34" charset="0"/>
         <a:buChar char="»"/>
         <a:defRPr sz="2000" kern="1200">
           <a:solidFill>
@@ -2936,11 +2965,11 @@
           <a:cs typeface="+mn-cs"/>
         </a:defRPr>
       </a:lvl5pPr>
-      <a:lvl6pPr marL="2514600" indent="-228600" algn="l" defTabSz="457200" rtl="0" eaLnBrk="1" latinLnBrk="0" hangingPunct="1">
+      <a:lvl6pPr marL="2514600" indent="-228600" algn="l" defTabSz="914400" rtl="0" eaLnBrk="1" latinLnBrk="0" hangingPunct="1">
         <a:spcBef>
           <a:spcPct val="20000"/>
         </a:spcBef>
-        <a:buFont typeface="Arial"/>
+        <a:buFont typeface="Arial" pitchFamily="34" charset="0"/>
         <a:buChar char="•"/>
         <a:defRPr sz="2000" kern="1200">
           <a:solidFill>
@@ -2951,11 +2980,11 @@
           <a:cs typeface="+mn-cs"/>
         </a:defRPr>
       </a:lvl6pPr>
-      <a:lvl7pPr marL="2971800" indent="-228600" algn="l" defTabSz="457200" rtl="0" eaLnBrk="1" latinLnBrk="0" hangingPunct="1">
+      <a:lvl7pPr marL="2971800" indent="-228600" algn="l" defTabSz="914400" rtl="0" eaLnBrk="1" latinLnBrk="0" hangingPunct="1">
         <a:spcBef>
           <a:spcPct val="20000"/>
         </a:spcBef>
-        <a:buFont typeface="Arial"/>
+        <a:buFont typeface="Arial" pitchFamily="34" charset="0"/>
         <a:buChar char="•"/>
         <a:defRPr sz="2000" kern="1200">
           <a:solidFill>
@@ -2966,11 +2995,11 @@
           <a:cs typeface="+mn-cs"/>
         </a:defRPr>
       </a:lvl7pPr>
-      <a:lvl8pPr marL="3429000" indent="-228600" algn="l" defTabSz="457200" rtl="0" eaLnBrk="1" latinLnBrk="0" hangingPunct="1">
+      <a:lvl8pPr marL="3429000" indent="-228600" algn="l" defTabSz="914400" rtl="0" eaLnBrk="1" latinLnBrk="0" hangingPunct="1">
         <a:spcBef>
           <a:spcPct val="20000"/>
         </a:spcBef>
-        <a:buFont typeface="Arial"/>
+        <a:buFont typeface="Arial" pitchFamily="34" charset="0"/>
         <a:buChar char="•"/>
         <a:defRPr sz="2000" kern="1200">
           <a:solidFill>
@@ -2981,11 +3010,11 @@
           <a:cs typeface="+mn-cs"/>
         </a:defRPr>
       </a:lvl8pPr>
-      <a:lvl9pPr marL="3886200" indent="-228600" algn="l" defTabSz="457200" rtl="0" eaLnBrk="1" latinLnBrk="0" hangingPunct="1">
+      <a:lvl9pPr marL="3886200" indent="-228600" algn="l" defTabSz="914400" rtl="0" eaLnBrk="1" latinLnBrk="0" hangingPunct="1">
         <a:spcBef>
           <a:spcPct val="20000"/>
         </a:spcBef>
-        <a:buFont typeface="Arial"/>
+        <a:buFont typeface="Arial" pitchFamily="34" charset="0"/>
         <a:buChar char="•"/>
         <a:defRPr sz="2000" kern="1200">
           <a:solidFill>
@@ -2999,9 +3028,9 @@
     </p:bodyStyle>
     <p:otherStyle>
       <a:defPPr>
-        <a:defRPr lang="it-IT"/>
+        <a:defRPr lang="en-US"/>
       </a:defPPr>
-      <a:lvl1pPr marL="0" algn="l" defTabSz="457200" rtl="0" eaLnBrk="1" latinLnBrk="0" hangingPunct="1">
+      <a:lvl1pPr marL="0" algn="l" defTabSz="914400" rtl="0" eaLnBrk="1" latinLnBrk="0" hangingPunct="1">
         <a:defRPr sz="1800" kern="1200">
           <a:solidFill>
             <a:schemeClr val="tx1"/>
@@ -3011,7 +3040,7 @@
           <a:cs typeface="+mn-cs"/>
         </a:defRPr>
       </a:lvl1pPr>
-      <a:lvl2pPr marL="457200" algn="l" defTabSz="457200" rtl="0" eaLnBrk="1" latinLnBrk="0" hangingPunct="1">
+      <a:lvl2pPr marL="457200" algn="l" defTabSz="914400" rtl="0" eaLnBrk="1" latinLnBrk="0" hangingPunct="1">
         <a:defRPr sz="1800" kern="1200">
           <a:solidFill>
             <a:schemeClr val="tx1"/>
@@ -3021,7 +3050,7 @@
           <a:cs typeface="+mn-cs"/>
         </a:defRPr>
       </a:lvl2pPr>
-      <a:lvl3pPr marL="914400" algn="l" defTabSz="457200" rtl="0" eaLnBrk="1" latinLnBrk="0" hangingPunct="1">
+      <a:lvl3pPr marL="914400" algn="l" defTabSz="914400" rtl="0" eaLnBrk="1" latinLnBrk="0" hangingPunct="1">
         <a:defRPr sz="1800" kern="1200">
           <a:solidFill>
             <a:schemeClr val="tx1"/>
@@ -3031,7 +3060,7 @@
           <a:cs typeface="+mn-cs"/>
         </a:defRPr>
       </a:lvl3pPr>
-      <a:lvl4pPr marL="1371600" algn="l" defTabSz="457200" rtl="0" eaLnBrk="1" latinLnBrk="0" hangingPunct="1">
+      <a:lvl4pPr marL="1371600" algn="l" defTabSz="914400" rtl="0" eaLnBrk="1" latinLnBrk="0" hangingPunct="1">
         <a:defRPr sz="1800" kern="1200">
           <a:solidFill>
             <a:schemeClr val="tx1"/>
@@ -3041,7 +3070,7 @@
           <a:cs typeface="+mn-cs"/>
         </a:defRPr>
       </a:lvl4pPr>
-      <a:lvl5pPr marL="1828800" algn="l" defTabSz="457200" rtl="0" eaLnBrk="1" latinLnBrk="0" hangingPunct="1">
+      <a:lvl5pPr marL="1828800" algn="l" defTabSz="914400" rtl="0" eaLnBrk="1" latinLnBrk="0" hangingPunct="1">
         <a:defRPr sz="1800" kern="1200">
           <a:solidFill>
             <a:schemeClr val="tx1"/>
@@ -3051,7 +3080,7 @@
           <a:cs typeface="+mn-cs"/>
         </a:defRPr>
       </a:lvl5pPr>
-      <a:lvl6pPr marL="2286000" algn="l" defTabSz="457200" rtl="0" eaLnBrk="1" latinLnBrk="0" hangingPunct="1">
+      <a:lvl6pPr marL="2286000" algn="l" defTabSz="914400" rtl="0" eaLnBrk="1" latinLnBrk="0" hangingPunct="1">
         <a:defRPr sz="1800" kern="1200">
           <a:solidFill>
             <a:schemeClr val="tx1"/>
@@ -3061,7 +3090,7 @@
           <a:cs typeface="+mn-cs"/>
         </a:defRPr>
       </a:lvl6pPr>
-      <a:lvl7pPr marL="2743200" algn="l" defTabSz="457200" rtl="0" eaLnBrk="1" latinLnBrk="0" hangingPunct="1">
+      <a:lvl7pPr marL="2743200" algn="l" defTabSz="914400" rtl="0" eaLnBrk="1" latinLnBrk="0" hangingPunct="1">
         <a:defRPr sz="1800" kern="1200">
           <a:solidFill>
             <a:schemeClr val="tx1"/>
@@ -3071,7 +3100,7 @@
           <a:cs typeface="+mn-cs"/>
         </a:defRPr>
       </a:lvl7pPr>
-      <a:lvl8pPr marL="3200400" algn="l" defTabSz="457200" rtl="0" eaLnBrk="1" latinLnBrk="0" hangingPunct="1">
+      <a:lvl8pPr marL="3200400" algn="l" defTabSz="914400" rtl="0" eaLnBrk="1" latinLnBrk="0" hangingPunct="1">
         <a:defRPr sz="1800" kern="1200">
           <a:solidFill>
             <a:schemeClr val="tx1"/>
@@ -3081,7 +3110,7 @@
           <a:cs typeface="+mn-cs"/>
         </a:defRPr>
       </a:lvl8pPr>
-      <a:lvl9pPr marL="3657600" algn="l" defTabSz="457200" rtl="0" eaLnBrk="1" latinLnBrk="0" hangingPunct="1">
+      <a:lvl9pPr marL="3657600" algn="l" defTabSz="914400" rtl="0" eaLnBrk="1" latinLnBrk="0" hangingPunct="1">
         <a:defRPr sz="1800" kern="1200">
           <a:solidFill>
             <a:schemeClr val="tx1"/>
@@ -3229,7 +3258,11 @@
           <a:p>
             <a:r>
               <a:rPr lang="it-IT" dirty="0" smtClean="0"/>
-              <a:t>Drag single e multiple</a:t>
+              <a:t>Scala </a:t>
+            </a:r>
+            <a:r>
+              <a:rPr lang="it-IT" dirty="0" smtClean="0"/>
+              <a:t>effettuata (Massimino)</a:t>
             </a:r>
             <a:endParaRPr lang="it-IT" dirty="0"/>
           </a:p>
@@ -3247,17 +3280,43 @@
         </p:nvSpPr>
         <p:spPr/>
         <p:txBody>
-          <a:bodyPr/>
-          <a:lstStyle/>
-          <a:p>
-            <a:endParaRPr lang="it-IT"/>
+          <a:bodyPr>
+            <a:normAutofit/>
+          </a:bodyPr>
+          <a:lstStyle/>
+          <a:p>
+            <a:pPr marL="0" indent="0">
+              <a:buNone/>
+            </a:pPr>
+            <a:r>
+              <a:rPr lang="it-IT" dirty="0" smtClean="0"/>
+              <a:t>Bla bla bla (quando e come si verifica)</a:t>
+            </a:r>
+          </a:p>
+          <a:p>
+            <a:pPr marL="0" indent="0">
+              <a:buNone/>
+            </a:pPr>
+            <a:endParaRPr lang="it-IT" dirty="0"/>
+          </a:p>
+          <a:p>
+            <a:pPr marL="0" indent="0">
+              <a:buNone/>
+            </a:pPr>
+            <a:endParaRPr lang="it-IT" dirty="0" smtClean="0"/>
+          </a:p>
+          <a:p>
+            <a:pPr marL="0" indent="0">
+              <a:buNone/>
+            </a:pPr>
+            <a:endParaRPr lang="it-IT" i="1" dirty="0" smtClean="0"/>
           </a:p>
         </p:txBody>
       </p:sp>
     </p:spTree>
     <p:extLst>
       <p:ext uri="{BB962C8B-B14F-4D97-AF65-F5344CB8AC3E}">
-        <p14:creationId xmlns:p14="http://schemas.microsoft.com/office/powerpoint/2010/main" val="2321803055"/>
+        <p14:creationId xmlns:p14="http://schemas.microsoft.com/office/powerpoint/2010/main" val="1072104629"/>
       </p:ext>
     </p:extLst>
   </p:cSld>
@@ -3301,7 +3360,7 @@
           <a:p>
             <a:r>
               <a:rPr lang="it-IT" dirty="0" smtClean="0"/>
-              <a:t>Scala effettuata</a:t>
+              <a:t>Vittoria (massimino)</a:t>
             </a:r>
             <a:endParaRPr lang="it-IT" dirty="0"/>
           </a:p>
@@ -3319,17 +3378,88 @@
         </p:nvSpPr>
         <p:spPr/>
         <p:txBody>
-          <a:bodyPr/>
-          <a:lstStyle/>
-          <a:p>
-            <a:endParaRPr lang="it-IT"/>
+          <a:bodyPr>
+            <a:normAutofit fontScale="85000" lnSpcReduction="20000"/>
+          </a:bodyPr>
+          <a:lstStyle/>
+          <a:p>
+            <a:pPr marL="0" indent="0">
+              <a:buNone/>
+            </a:pPr>
+            <a:endParaRPr lang="it-IT" i="1" dirty="0" smtClean="0"/>
+          </a:p>
+          <a:p>
+            <a:pPr marL="0" indent="0">
+              <a:buNone/>
+            </a:pPr>
+            <a:endParaRPr lang="it-IT" i="1" dirty="0"/>
+          </a:p>
+          <a:p>
+            <a:pPr marL="0" indent="0">
+              <a:buNone/>
+            </a:pPr>
+            <a:r>
+              <a:rPr lang="it-IT" dirty="0"/>
+              <a:t>Bla bla bla (quando e come si verifica)</a:t>
+            </a:r>
+          </a:p>
+          <a:p>
+            <a:pPr marL="0" indent="0">
+              <a:buNone/>
+            </a:pPr>
+            <a:endParaRPr lang="it-IT" i="1" dirty="0" smtClean="0"/>
+          </a:p>
+          <a:p>
+            <a:pPr marL="0" indent="0">
+              <a:buNone/>
+            </a:pPr>
+            <a:endParaRPr lang="it-IT" i="1" dirty="0"/>
+          </a:p>
+          <a:p>
+            <a:pPr marL="0" indent="0">
+              <a:buNone/>
+            </a:pPr>
+            <a:r>
+              <a:rPr lang="it-IT" i="1" dirty="0" smtClean="0"/>
+              <a:t>Il </a:t>
+            </a:r>
+            <a:r>
+              <a:rPr lang="it-IT" i="1" dirty="0" err="1"/>
+              <a:t>tab</a:t>
+            </a:r>
+            <a:r>
+              <a:rPr lang="it-IT" i="1" dirty="0"/>
+              <a:t> vittoria presenta una animazione realizzata con l’ausilio di un </a:t>
+            </a:r>
+            <a:r>
+              <a:rPr lang="it-IT" i="1" dirty="0" err="1"/>
+              <a:t>plugin</a:t>
+            </a:r>
+            <a:r>
+              <a:rPr lang="it-IT" i="1" dirty="0"/>
+              <a:t> (</a:t>
+            </a:r>
+            <a:r>
+              <a:rPr lang="it-IT" i="1" dirty="0" err="1"/>
+              <a:t>flip.js</a:t>
+            </a:r>
+            <a:r>
+              <a:rPr lang="it-IT" i="1" dirty="0"/>
+              <a:t>)</a:t>
+            </a:r>
+          </a:p>
+          <a:p>
+            <a:pPr marL="0" indent="0">
+              <a:buNone/>
+            </a:pPr>
+            <a:endParaRPr lang="it-IT" dirty="0"/>
           </a:p>
         </p:txBody>
       </p:sp>
     </p:spTree>
     <p:extLst>
       <p:ext uri="{BB962C8B-B14F-4D97-AF65-F5344CB8AC3E}">
-        <p14:creationId xmlns:p14="http://schemas.microsoft.com/office/powerpoint/2010/main" val="1072104629"/>
+        <p14:creationId xmlns:p14="http://schemas.microsoft.com/office/powerpoint/2010/main" val="890880501"/>
       </p:ext>
     </p:extLst>
   </p:cSld>
@@ -3373,7 +3503,7 @@
           <a:p>
             <a:r>
               <a:rPr lang="it-IT" dirty="0" smtClean="0"/>
-              <a:t>Vittoria</a:t>
+              <a:t>Aiuti</a:t>
             </a:r>
             <a:endParaRPr lang="it-IT" dirty="0"/>
           </a:p>
@@ -3391,17 +3521,101 @@
         </p:nvSpPr>
         <p:spPr/>
         <p:txBody>
-          <a:bodyPr/>
-          <a:lstStyle/>
-          <a:p>
-            <a:endParaRPr lang="it-IT"/>
-          </a:p>
-        </p:txBody>
-      </p:sp>
+          <a:bodyPr>
+            <a:normAutofit fontScale="85000" lnSpcReduction="20000"/>
+          </a:bodyPr>
+          <a:lstStyle/>
+          <a:p>
+            <a:pPr marL="0" indent="0">
+              <a:buNone/>
+            </a:pPr>
+            <a:r>
+              <a:rPr lang="it-IT" dirty="0" smtClean="0"/>
+              <a:t>Abbiamo pensato tre tipologie di aiuti:</a:t>
+            </a:r>
+          </a:p>
+          <a:p>
+            <a:r>
+              <a:rPr lang="it-IT" dirty="0" smtClean="0"/>
+              <a:t>Annullamento mossa</a:t>
+            </a:r>
+          </a:p>
+          <a:p>
+            <a:r>
+              <a:rPr lang="it-IT" dirty="0" smtClean="0"/>
+              <a:t>Pausa del timer</a:t>
+            </a:r>
+          </a:p>
+          <a:p>
+            <a:r>
+              <a:rPr lang="it-IT" dirty="0" smtClean="0"/>
+              <a:t>Suggerimento mossa</a:t>
+            </a:r>
+          </a:p>
+          <a:p>
+            <a:endParaRPr lang="it-IT" dirty="0" smtClean="0"/>
+          </a:p>
+          <a:p>
+            <a:pPr marL="0" indent="0">
+              <a:buNone/>
+            </a:pPr>
+            <a:endParaRPr lang="it-IT" dirty="0"/>
+          </a:p>
+          <a:p>
+            <a:pPr marL="0" indent="0">
+              <a:buNone/>
+            </a:pPr>
+            <a:r>
+              <a:rPr lang="it-IT" i="1" dirty="0" smtClean="0"/>
+              <a:t>Ogni aiuto, tranne la pausa, influisce sul punteggio.</a:t>
+            </a:r>
+            <a:endParaRPr lang="it-IT" i="1" dirty="0"/>
+          </a:p>
+        </p:txBody>
+      </p:sp>
+      <p:pic>
+        <p:nvPicPr>
+          <p:cNvPr id="5" name="Immagine 4" descr="help.gif"/>
+          <p:cNvPicPr>
+            <a:picLocks noChangeAspect="1"/>
+          </p:cNvPicPr>
+          <p:nvPr/>
+        </p:nvPicPr>
+        <p:blipFill>
+          <a:blip r:embed="rId2">
+            <a:extLst>
+              <a:ext uri="{BEBA8EAE-BF5A-486C-A8C5-ECC9F3942E4B}">
+                <a14:imgProps xmlns:a14="http://schemas.microsoft.com/office/drawing/2010/main">
+                  <a14:imgLayer r:embed="rId3">
+                    <a14:imgEffect>
+                      <a14:saturation sat="0"/>
+                    </a14:imgEffect>
+                  </a14:imgLayer>
+                </a14:imgProps>
+              </a:ext>
+              <a:ext uri="{28A0092B-C50C-407E-A947-70E740481C1C}">
+                <a14:useLocalDpi xmlns:a14="http://schemas.microsoft.com/office/drawing/2010/main" val="0"/>
+              </a:ext>
+            </a:extLst>
+          </a:blip>
+          <a:stretch>
+            <a:fillRect/>
+          </a:stretch>
+        </p:blipFill>
+        <p:spPr>
+          <a:xfrm>
+            <a:off x="5905827" y="3042652"/>
+            <a:ext cx="2235558" cy="1422185"/>
+          </a:xfrm>
+          <a:prstGeom prst="rect">
+            <a:avLst/>
+          </a:prstGeom>
+        </p:spPr>
+      </p:pic>
     </p:spTree>
     <p:extLst>
       <p:ext uri="{BB962C8B-B14F-4D97-AF65-F5344CB8AC3E}">
-        <p14:creationId xmlns:p14="http://schemas.microsoft.com/office/powerpoint/2010/main" val="890880501"/>
+        <p14:creationId xmlns:p14="http://schemas.microsoft.com/office/powerpoint/2010/main" val="3708207315"/>
       </p:ext>
     </p:extLst>
   </p:cSld>
@@ -3445,35 +3659,85 @@
           <a:p>
             <a:r>
               <a:rPr lang="it-IT" dirty="0" smtClean="0"/>
+              <a:t>Altre funzioni</a:t>
+            </a:r>
+            <a:endParaRPr lang="it-IT" dirty="0"/>
+          </a:p>
+        </p:txBody>
+      </p:sp>
+      <p:sp>
+        <p:nvSpPr>
+          <p:cNvPr id="3" name="Segnaposto contenuto 2"/>
+          <p:cNvSpPr>
+            <a:spLocks noGrp="1"/>
+          </p:cNvSpPr>
+          <p:nvPr>
+            <p:ph idx="1"/>
+          </p:nvPr>
+        </p:nvSpPr>
+        <p:spPr/>
+        <p:txBody>
+          <a:bodyPr/>
+          <a:lstStyle/>
+          <a:p>
+            <a:r>
+              <a:rPr lang="it-IT" dirty="0" err="1" smtClean="0"/>
+              <a:t>Contamosse</a:t>
+            </a:r>
+            <a:r>
+              <a:rPr lang="it-IT" dirty="0" smtClean="0"/>
+              <a:t> </a:t>
+            </a:r>
+          </a:p>
+          <a:p>
+            <a:r>
+              <a:rPr lang="it-IT" dirty="0" smtClean="0"/>
+              <a:t>Punteggio dinamico</a:t>
+            </a:r>
+          </a:p>
+          <a:p>
+            <a:r>
+              <a:rPr lang="it-IT" dirty="0" smtClean="0"/>
               <a:t>Timer e pausa</a:t>
             </a:r>
-            <a:endParaRPr lang="it-IT" dirty="0"/>
-          </a:p>
-        </p:txBody>
-      </p:sp>
-      <p:sp>
-        <p:nvSpPr>
-          <p:cNvPr id="3" name="Segnaposto contenuto 2"/>
-          <p:cNvSpPr>
-            <a:spLocks noGrp="1"/>
-          </p:cNvSpPr>
-          <p:nvPr>
-            <p:ph idx="1"/>
-          </p:nvPr>
-        </p:nvSpPr>
-        <p:spPr/>
-        <p:txBody>
-          <a:bodyPr/>
-          <a:lstStyle/>
-          <a:p>
-            <a:endParaRPr lang="it-IT"/>
-          </a:p>
-        </p:txBody>
-      </p:sp>
+            <a:endParaRPr lang="it-IT" dirty="0" smtClean="0"/>
+          </a:p>
+        </p:txBody>
+      </p:sp>
+      <p:pic>
+        <p:nvPicPr>
+          <p:cNvPr id="4" name="Immagine 3" descr="18304.png"/>
+          <p:cNvPicPr>
+            <a:picLocks noChangeAspect="1"/>
+          </p:cNvPicPr>
+          <p:nvPr/>
+        </p:nvPicPr>
+        <p:blipFill>
+          <a:blip r:embed="rId2">
+            <a:extLst>
+              <a:ext uri="{28A0092B-C50C-407E-A947-70E740481C1C}">
+                <a14:useLocalDpi xmlns:a14="http://schemas.microsoft.com/office/drawing/2010/main" val="0"/>
+              </a:ext>
+            </a:extLst>
+          </a:blip>
+          <a:stretch>
+            <a:fillRect/>
+          </a:stretch>
+        </p:blipFill>
+        <p:spPr>
+          <a:xfrm>
+            <a:off x="5688425" y="3001315"/>
+            <a:ext cx="2048920" cy="2048920"/>
+          </a:xfrm>
+          <a:prstGeom prst="rect">
+            <a:avLst/>
+          </a:prstGeom>
+        </p:spPr>
+      </p:pic>
     </p:spTree>
     <p:extLst>
       <p:ext uri="{BB962C8B-B14F-4D97-AF65-F5344CB8AC3E}">
-        <p14:creationId xmlns:p14="http://schemas.microsoft.com/office/powerpoint/2010/main" val="825795427"/>
+        <p14:creationId xmlns:p14="http://schemas.microsoft.com/office/powerpoint/2010/main" val="1424648580"/>
       </p:ext>
     </p:extLst>
   </p:cSld>
@@ -3510,42 +3774,36 @@
             <p:ph type="title"/>
           </p:nvPr>
         </p:nvSpPr>
-        <p:spPr/>
-        <p:txBody>
-          <a:bodyPr/>
-          <a:lstStyle/>
-          <a:p>
-            <a:r>
-              <a:rPr lang="it-IT" dirty="0" smtClean="0"/>
-              <a:t>Aiuti</a:t>
+        <p:spPr>
+          <a:xfrm>
+            <a:off x="457200" y="3421195"/>
+            <a:ext cx="8229600" cy="1143000"/>
+          </a:xfrm>
+        </p:spPr>
+        <p:txBody>
+          <a:bodyPr/>
+          <a:lstStyle/>
+          <a:p>
+            <a:r>
+              <a:rPr lang="it-IT" dirty="0"/>
+              <a:t>L</a:t>
+            </a:r>
+            <a:r>
+              <a:rPr lang="it-IT" dirty="0" smtClean="0"/>
+              <a:t>avoro </a:t>
+            </a:r>
+            <a:r>
+              <a:rPr lang="it-IT" dirty="0" smtClean="0"/>
+              <a:t>di gruppo</a:t>
             </a:r>
             <a:endParaRPr lang="it-IT" dirty="0"/>
-          </a:p>
-        </p:txBody>
-      </p:sp>
-      <p:sp>
-        <p:nvSpPr>
-          <p:cNvPr id="3" name="Segnaposto contenuto 2"/>
-          <p:cNvSpPr>
-            <a:spLocks noGrp="1"/>
-          </p:cNvSpPr>
-          <p:nvPr>
-            <p:ph idx="1"/>
-          </p:nvPr>
-        </p:nvSpPr>
-        <p:spPr/>
-        <p:txBody>
-          <a:bodyPr/>
-          <a:lstStyle/>
-          <a:p>
-            <a:endParaRPr lang="it-IT"/>
           </a:p>
         </p:txBody>
       </p:sp>
     </p:spTree>
     <p:extLst>
       <p:ext uri="{BB962C8B-B14F-4D97-AF65-F5344CB8AC3E}">
-        <p14:creationId xmlns:p14="http://schemas.microsoft.com/office/powerpoint/2010/main" val="3708207315"/>
+        <p14:creationId xmlns:p14="http://schemas.microsoft.com/office/powerpoint/2010/main" val="1274476636"/>
       </p:ext>
     </p:extLst>
   </p:cSld>
@@ -3589,7 +3847,7 @@
           <a:p>
             <a:r>
               <a:rPr lang="it-IT" dirty="0" smtClean="0"/>
-              <a:t>Altre funzioni</a:t>
+              <a:t>Come abbiamo lavorato?</a:t>
             </a:r>
             <a:endParaRPr lang="it-IT" dirty="0"/>
           </a:p>
@@ -3597,7 +3855,7 @@
       </p:sp>
       <p:sp>
         <p:nvSpPr>
-          <p:cNvPr id="3" name="Segnaposto contenuto 2"/>
+          <p:cNvPr id="4" name="Segnaposto contenuto 2"/>
           <p:cNvSpPr>
             <a:spLocks noGrp="1"/>
           </p:cNvSpPr>
@@ -3605,38 +3863,146 @@
             <p:ph idx="1"/>
           </p:nvPr>
         </p:nvSpPr>
-        <p:spPr/>
-        <p:txBody>
-          <a:bodyPr/>
-          <a:lstStyle/>
+        <p:spPr>
+          <a:xfrm>
+            <a:off x="457200" y="1600200"/>
+            <a:ext cx="8229600" cy="4525963"/>
+          </a:xfrm>
+        </p:spPr>
+        <p:txBody>
+          <a:bodyPr>
+            <a:normAutofit fontScale="85000" lnSpcReduction="10000"/>
+          </a:bodyPr>
+          <a:lstStyle/>
+          <a:p>
+            <a:pPr marL="0" indent="0">
+              <a:buNone/>
+            </a:pPr>
+            <a:r>
+              <a:rPr lang="it-IT" dirty="0" smtClean="0"/>
+              <a:t>Per comunicare e scambiare il materiale aggiornato abbiamo utilizzato</a:t>
+            </a:r>
+          </a:p>
           <a:p>
             <a:r>
               <a:rPr lang="it-IT" dirty="0" err="1" smtClean="0"/>
-              <a:t>Contamosse</a:t>
-            </a:r>
-            <a:r>
-              <a:rPr lang="it-IT" dirty="0" smtClean="0"/>
-              <a:t> </a:t>
-            </a:r>
-          </a:p>
-          <a:p>
-            <a:r>
-              <a:rPr lang="it-IT" dirty="0" smtClean="0"/>
-              <a:t>Annulla mossa</a:t>
-            </a:r>
-          </a:p>
-          <a:p>
-            <a:r>
-              <a:rPr lang="it-IT" dirty="0" smtClean="0"/>
-              <a:t>Punteggio dinamico</a:t>
-            </a:r>
-          </a:p>
-        </p:txBody>
-      </p:sp>
+              <a:t>GitHub</a:t>
+            </a:r>
+            <a:endParaRPr lang="it-IT" dirty="0" smtClean="0"/>
+          </a:p>
+          <a:p>
+            <a:r>
+              <a:rPr lang="it-IT" dirty="0" smtClean="0"/>
+              <a:t>Google </a:t>
+            </a:r>
+            <a:r>
+              <a:rPr lang="it-IT" dirty="0" err="1" smtClean="0"/>
+              <a:t>Hangouts</a:t>
+            </a:r>
+            <a:endParaRPr lang="it-IT" dirty="0" smtClean="0"/>
+          </a:p>
+          <a:p>
+            <a:pPr marL="0" indent="0">
+              <a:buNone/>
+            </a:pPr>
+            <a:endParaRPr lang="it-IT" dirty="0"/>
+          </a:p>
+          <a:p>
+            <a:pPr marL="0" indent="0">
+              <a:buNone/>
+            </a:pPr>
+            <a:r>
+              <a:rPr lang="it-IT" i="1" dirty="0" smtClean="0"/>
+              <a:t>Abbiamo realizzato prima il layout html, in seguito i ragionamenti </a:t>
+            </a:r>
+            <a:r>
+              <a:rPr lang="it-IT" i="1" dirty="0" err="1"/>
+              <a:t>J</a:t>
+            </a:r>
+            <a:r>
+              <a:rPr lang="it-IT" i="1" dirty="0" err="1" smtClean="0"/>
+              <a:t>avascript</a:t>
+            </a:r>
+            <a:r>
+              <a:rPr lang="it-IT" i="1" dirty="0" smtClean="0"/>
+              <a:t>/</a:t>
+            </a:r>
+            <a:r>
+              <a:rPr lang="it-IT" i="1" dirty="0" err="1" smtClean="0"/>
+              <a:t>jQuery</a:t>
+            </a:r>
+            <a:r>
+              <a:rPr lang="it-IT" i="1" dirty="0" smtClean="0"/>
+              <a:t> ed infine la grafica in CSS.</a:t>
+            </a:r>
+            <a:endParaRPr lang="it-IT" i="1" dirty="0"/>
+          </a:p>
+        </p:txBody>
+      </p:sp>
+      <p:pic>
+        <p:nvPicPr>
+          <p:cNvPr id="7" name="Immagine 6" descr="GitHub_logo.png"/>
+          <p:cNvPicPr>
+            <a:picLocks noChangeAspect="1"/>
+          </p:cNvPicPr>
+          <p:nvPr/>
+        </p:nvPicPr>
+        <p:blipFill>
+          <a:blip r:embed="rId2">
+            <a:extLst>
+              <a:ext uri="{28A0092B-C50C-407E-A947-70E740481C1C}">
+                <a14:useLocalDpi xmlns:a14="http://schemas.microsoft.com/office/drawing/2010/main" val="0"/>
+              </a:ext>
+            </a:extLst>
+          </a:blip>
+          <a:stretch>
+            <a:fillRect/>
+          </a:stretch>
+        </p:blipFill>
+        <p:spPr>
+          <a:xfrm>
+            <a:off x="5466484" y="3133586"/>
+            <a:ext cx="1929852" cy="853959"/>
+          </a:xfrm>
+          <a:prstGeom prst="rect">
+            <a:avLst/>
+          </a:prstGeom>
+        </p:spPr>
+      </p:pic>
+      <p:pic>
+        <p:nvPicPr>
+          <p:cNvPr id="8" name="Immagine 7" descr="Hangouts-Logo.png"/>
+          <p:cNvPicPr>
+            <a:picLocks noChangeAspect="1"/>
+          </p:cNvPicPr>
+          <p:nvPr/>
+        </p:nvPicPr>
+        <p:blipFill>
+          <a:blip r:embed="rId3">
+            <a:extLst>
+              <a:ext uri="{28A0092B-C50C-407E-A947-70E740481C1C}">
+                <a14:useLocalDpi xmlns:a14="http://schemas.microsoft.com/office/drawing/2010/main" val="0"/>
+              </a:ext>
+            </a:extLst>
+          </a:blip>
+          <a:stretch>
+            <a:fillRect/>
+          </a:stretch>
+        </p:blipFill>
+        <p:spPr>
+          <a:xfrm>
+            <a:off x="7205367" y="3654632"/>
+            <a:ext cx="1202233" cy="1202233"/>
+          </a:xfrm>
+          <a:prstGeom prst="rect">
+            <a:avLst/>
+          </a:prstGeom>
+        </p:spPr>
+      </p:pic>
     </p:spTree>
     <p:extLst>
       <p:ext uri="{BB962C8B-B14F-4D97-AF65-F5344CB8AC3E}">
-        <p14:creationId xmlns:p14="http://schemas.microsoft.com/office/powerpoint/2010/main" val="1424648580"/>
+        <p14:creationId xmlns:p14="http://schemas.microsoft.com/office/powerpoint/2010/main" val="3381532276"/>
       </p:ext>
     </p:extLst>
   </p:cSld>
@@ -3673,168 +4039,311 @@
             <p:ph type="title"/>
           </p:nvPr>
         </p:nvSpPr>
+        <p:spPr/>
+        <p:txBody>
+          <a:bodyPr/>
+          <a:lstStyle/>
+          <a:p>
+            <a:r>
+              <a:rPr lang="it-IT" dirty="0" smtClean="0"/>
+              <a:t>Ruoli nel gruppo</a:t>
+            </a:r>
+            <a:endParaRPr lang="it-IT" dirty="0"/>
+          </a:p>
+        </p:txBody>
+      </p:sp>
+      <p:sp>
+        <p:nvSpPr>
+          <p:cNvPr id="3" name="Segnaposto contenuto 2"/>
+          <p:cNvSpPr>
+            <a:spLocks noGrp="1"/>
+          </p:cNvSpPr>
+          <p:nvPr>
+            <p:ph idx="1"/>
+          </p:nvPr>
+        </p:nvSpPr>
+        <p:spPr/>
+        <p:txBody>
+          <a:bodyPr>
+            <a:normAutofit fontScale="55000" lnSpcReduction="20000"/>
+          </a:bodyPr>
+          <a:lstStyle/>
+          <a:p>
+            <a:pPr marL="457200" lvl="1" indent="0">
+              <a:spcBef>
+                <a:spcPts val="600"/>
+              </a:spcBef>
+              <a:buNone/>
+              <a:defRPr sz="1800">
+                <a:solidFill>
+                  <a:srgbClr val="000000"/>
+                </a:solidFill>
+              </a:defRPr>
+            </a:pPr>
+            <a:endParaRPr lang="it-IT" sz="3800" dirty="0" smtClean="0">
+              <a:solidFill>
+                <a:srgbClr val="FFFFFF"/>
+              </a:solidFill>
+            </a:endParaRPr>
+          </a:p>
+          <a:p>
+            <a:pPr marL="457200" lvl="1" indent="0">
+              <a:spcBef>
+                <a:spcPts val="600"/>
+              </a:spcBef>
+              <a:buNone/>
+              <a:defRPr sz="1800">
+                <a:solidFill>
+                  <a:srgbClr val="000000"/>
+                </a:solidFill>
+              </a:defRPr>
+            </a:pPr>
+            <a:r>
+              <a:rPr lang="it-IT" sz="3800" dirty="0" smtClean="0">
+                <a:solidFill>
+                  <a:srgbClr val="FFFFFF"/>
+                </a:solidFill>
+              </a:rPr>
+              <a:t>Genta </a:t>
+            </a:r>
+            <a:r>
+              <a:rPr lang="it-IT" sz="3800" dirty="0">
+                <a:solidFill>
+                  <a:srgbClr val="FFFFFF"/>
+                </a:solidFill>
+              </a:rPr>
+              <a:t>e Massimino: </a:t>
+            </a:r>
+          </a:p>
+          <a:p>
+            <a:pPr lvl="1">
+              <a:spcBef>
+                <a:spcPts val="600"/>
+              </a:spcBef>
+              <a:buFont typeface="Arial"/>
+              <a:buChar char="•"/>
+              <a:defRPr sz="1800">
+                <a:solidFill>
+                  <a:srgbClr val="000000"/>
+                </a:solidFill>
+              </a:defRPr>
+            </a:pPr>
+            <a:r>
+              <a:rPr lang="it-IT" sz="3800" dirty="0">
+                <a:solidFill>
+                  <a:srgbClr val="FFFFFF"/>
+                </a:solidFill>
+              </a:rPr>
+              <a:t>sviluppo codice</a:t>
+            </a:r>
+          </a:p>
+          <a:p>
+            <a:pPr lvl="1">
+              <a:spcBef>
+                <a:spcPts val="600"/>
+              </a:spcBef>
+              <a:buFont typeface="Arial"/>
+              <a:buChar char="•"/>
+              <a:defRPr sz="1800">
+                <a:solidFill>
+                  <a:srgbClr val="000000"/>
+                </a:solidFill>
+              </a:defRPr>
+            </a:pPr>
+            <a:r>
+              <a:rPr lang="it-IT" sz="3800" dirty="0">
+                <a:solidFill>
+                  <a:srgbClr val="FFFFFF"/>
+                </a:solidFill>
+              </a:rPr>
+              <a:t>implementazione grafica</a:t>
+            </a:r>
+          </a:p>
+          <a:p>
+            <a:pPr lvl="1">
+              <a:spcBef>
+                <a:spcPts val="600"/>
+              </a:spcBef>
+              <a:buFont typeface="Arial"/>
+              <a:buChar char="•"/>
+              <a:defRPr sz="1800">
+                <a:solidFill>
+                  <a:srgbClr val="000000"/>
+                </a:solidFill>
+              </a:defRPr>
+            </a:pPr>
+            <a:r>
+              <a:rPr lang="it-IT" sz="3800" dirty="0">
+                <a:solidFill>
+                  <a:srgbClr val="FFFFFF"/>
+                </a:solidFill>
+              </a:rPr>
+              <a:t>documentazione</a:t>
+            </a:r>
+            <a:endParaRPr lang="it-IT" dirty="0"/>
+          </a:p>
+          <a:p>
+            <a:pPr marL="457200" lvl="1" indent="0">
+              <a:spcBef>
+                <a:spcPts val="600"/>
+              </a:spcBef>
+              <a:buNone/>
+              <a:defRPr sz="1800">
+                <a:solidFill>
+                  <a:srgbClr val="000000"/>
+                </a:solidFill>
+              </a:defRPr>
+            </a:pPr>
+            <a:endParaRPr lang="it-IT" sz="3800" dirty="0">
+              <a:solidFill>
+                <a:srgbClr val="FFFFFF"/>
+              </a:solidFill>
+            </a:endParaRPr>
+          </a:p>
+          <a:p>
+            <a:pPr marL="457200" lvl="1" indent="0">
+              <a:spcBef>
+                <a:spcPts val="600"/>
+              </a:spcBef>
+              <a:buNone/>
+              <a:defRPr sz="1800">
+                <a:solidFill>
+                  <a:srgbClr val="000000"/>
+                </a:solidFill>
+              </a:defRPr>
+            </a:pPr>
+            <a:r>
+              <a:rPr lang="it-IT" sz="3800" dirty="0" err="1">
+                <a:solidFill>
+                  <a:srgbClr val="FFFFFF"/>
+                </a:solidFill>
+              </a:rPr>
+              <a:t>Levrone</a:t>
+            </a:r>
+            <a:r>
+              <a:rPr lang="it-IT" sz="3800" dirty="0">
+                <a:solidFill>
+                  <a:srgbClr val="FFFFFF"/>
+                </a:solidFill>
+              </a:rPr>
+              <a:t> e </a:t>
+            </a:r>
+            <a:r>
+              <a:rPr lang="it-IT" sz="3800" dirty="0" err="1">
+                <a:solidFill>
+                  <a:srgbClr val="FFFFFF"/>
+                </a:solidFill>
+              </a:rPr>
+              <a:t>Nikolov</a:t>
+            </a:r>
+            <a:r>
+              <a:rPr lang="it-IT" sz="3800" dirty="0">
+                <a:solidFill>
+                  <a:srgbClr val="FFFFFF"/>
+                </a:solidFill>
+              </a:rPr>
+              <a:t>: </a:t>
+            </a:r>
+          </a:p>
+          <a:p>
+            <a:pPr lvl="1">
+              <a:spcBef>
+                <a:spcPts val="600"/>
+              </a:spcBef>
+              <a:buFont typeface="Arial"/>
+              <a:buChar char="•"/>
+              <a:defRPr sz="1800">
+                <a:solidFill>
+                  <a:srgbClr val="000000"/>
+                </a:solidFill>
+              </a:defRPr>
+            </a:pPr>
+            <a:r>
+              <a:rPr lang="it-IT" sz="3800" dirty="0" err="1">
+                <a:solidFill>
+                  <a:srgbClr val="FFFFFF"/>
+                </a:solidFill>
+              </a:rPr>
+              <a:t>debugger</a:t>
+            </a:r>
+            <a:r>
+              <a:rPr lang="it-IT" sz="3800" dirty="0">
+                <a:solidFill>
+                  <a:srgbClr val="FFFFFF"/>
+                </a:solidFill>
+              </a:rPr>
+              <a:t> </a:t>
+            </a:r>
+          </a:p>
+          <a:p>
+            <a:pPr lvl="1">
+              <a:spcBef>
+                <a:spcPts val="600"/>
+              </a:spcBef>
+              <a:buFont typeface="Arial"/>
+              <a:buChar char="•"/>
+              <a:defRPr sz="1800">
+                <a:solidFill>
+                  <a:srgbClr val="000000"/>
+                </a:solidFill>
+              </a:defRPr>
+            </a:pPr>
+            <a:r>
+              <a:rPr lang="it-IT" sz="3800" dirty="0">
+                <a:solidFill>
+                  <a:srgbClr val="FFFFFF"/>
+                </a:solidFill>
+              </a:rPr>
+              <a:t>ottimizzazione codice e grafica</a:t>
+            </a:r>
+          </a:p>
+          <a:p>
+            <a:pPr marL="0" indent="0">
+              <a:buNone/>
+            </a:pPr>
+            <a:endParaRPr lang="it-IT" dirty="0"/>
+          </a:p>
+        </p:txBody>
+      </p:sp>
+      <p:pic>
+        <p:nvPicPr>
+          <p:cNvPr id="4" name="Immagine 3" descr="ppp_prd_060_3d_people-teamwork.png"/>
+          <p:cNvPicPr>
+            <a:picLocks noChangeAspect="1"/>
+          </p:cNvPicPr>
+          <p:nvPr/>
+        </p:nvPicPr>
+        <p:blipFill>
+          <a:blip r:embed="rId2">
+            <a:extLst>
+              <a:ext uri="{BEBA8EAE-BF5A-486C-A8C5-ECC9F3942E4B}">
+                <a14:imgProps xmlns:a14="http://schemas.microsoft.com/office/drawing/2010/main">
+                  <a14:imgLayer r:embed="rId3">
+                    <a14:imgEffect>
+                      <a14:saturation sat="0"/>
+                    </a14:imgEffect>
+                  </a14:imgLayer>
+                </a14:imgProps>
+              </a:ext>
+              <a:ext uri="{28A0092B-C50C-407E-A947-70E740481C1C}">
+                <a14:useLocalDpi xmlns:a14="http://schemas.microsoft.com/office/drawing/2010/main" val="0"/>
+              </a:ext>
+            </a:extLst>
+          </a:blip>
+          <a:stretch>
+            <a:fillRect/>
+          </a:stretch>
+        </p:blipFill>
         <p:spPr>
           <a:xfrm>
-            <a:off x="457200" y="2849695"/>
-            <a:ext cx="8229600" cy="1143000"/>
+            <a:off x="5571850" y="2296316"/>
+            <a:ext cx="3456265" cy="2592199"/>
           </a:xfrm>
+          <a:prstGeom prst="rect">
+            <a:avLst/>
+          </a:prstGeom>
         </p:spPr>
-        <p:txBody>
-          <a:bodyPr/>
-          <a:lstStyle/>
-          <a:p>
-            <a:r>
-              <a:rPr lang="it-IT" dirty="0" smtClean="0"/>
-              <a:t>Parte 4: lavoro di gruppo</a:t>
-            </a:r>
-            <a:endParaRPr lang="it-IT" dirty="0"/>
-          </a:p>
-        </p:txBody>
-      </p:sp>
-    </p:spTree>
-    <p:extLst>
-      <p:ext uri="{BB962C8B-B14F-4D97-AF65-F5344CB8AC3E}">
-        <p14:creationId xmlns:p14="http://schemas.microsoft.com/office/powerpoint/2010/main" val="1274476636"/>
-      </p:ext>
-    </p:extLst>
-  </p:cSld>
-  <p:clrMapOvr>
-    <a:masterClrMapping/>
-  </p:clrMapOvr>
-</p:sld>
-</file>
-
-<file path=ppt/slides/slide17.xml><?xml version="1.0" encoding="utf-8"?>
-<p:sld xmlns:a="http://schemas.openxmlformats.org/drawingml/2006/main" xmlns:r="http://schemas.openxmlformats.org/officeDocument/2006/relationships" xmlns:p="http://schemas.openxmlformats.org/presentationml/2006/main">
-  <p:cSld>
-    <p:spTree>
-      <p:nvGrpSpPr>
-        <p:cNvPr id="1" name=""/>
-        <p:cNvGrpSpPr/>
-        <p:nvPr/>
-      </p:nvGrpSpPr>
-      <p:grpSpPr>
-        <a:xfrm>
-          <a:off x="0" y="0"/>
-          <a:ext cx="0" cy="0"/>
-          <a:chOff x="0" y="0"/>
-          <a:chExt cx="0" cy="0"/>
-        </a:xfrm>
-      </p:grpSpPr>
-      <p:sp>
-        <p:nvSpPr>
-          <p:cNvPr id="2" name="Titolo 1"/>
-          <p:cNvSpPr>
-            <a:spLocks noGrp="1"/>
-          </p:cNvSpPr>
-          <p:nvPr>
-            <p:ph type="title"/>
-          </p:nvPr>
-        </p:nvSpPr>
-        <p:spPr/>
-        <p:txBody>
-          <a:bodyPr/>
-          <a:lstStyle/>
-          <a:p>
-            <a:r>
-              <a:rPr lang="it-IT" dirty="0" smtClean="0"/>
-              <a:t>Come abbiamo lavorato?</a:t>
-            </a:r>
-            <a:endParaRPr lang="it-IT" dirty="0"/>
-          </a:p>
-        </p:txBody>
-      </p:sp>
-      <p:sp>
-        <p:nvSpPr>
-          <p:cNvPr id="3" name="Segnaposto contenuto 2"/>
-          <p:cNvSpPr>
-            <a:spLocks noGrp="1"/>
-          </p:cNvSpPr>
-          <p:nvPr>
-            <p:ph idx="1"/>
-          </p:nvPr>
-        </p:nvSpPr>
-        <p:spPr/>
-        <p:txBody>
-          <a:bodyPr/>
-          <a:lstStyle/>
-          <a:p>
-            <a:endParaRPr lang="it-IT"/>
-          </a:p>
-        </p:txBody>
-      </p:sp>
-    </p:spTree>
-    <p:extLst>
-      <p:ext uri="{BB962C8B-B14F-4D97-AF65-F5344CB8AC3E}">
-        <p14:creationId xmlns:p14="http://schemas.microsoft.com/office/powerpoint/2010/main" val="3381532276"/>
-      </p:ext>
-    </p:extLst>
-  </p:cSld>
-  <p:clrMapOvr>
-    <a:masterClrMapping/>
-  </p:clrMapOvr>
-</p:sld>
-</file>
-
-<file path=ppt/slides/slide18.xml><?xml version="1.0" encoding="utf-8"?>
-<p:sld xmlns:a="http://schemas.openxmlformats.org/drawingml/2006/main" xmlns:r="http://schemas.openxmlformats.org/officeDocument/2006/relationships" xmlns:p="http://schemas.openxmlformats.org/presentationml/2006/main">
-  <p:cSld>
-    <p:spTree>
-      <p:nvGrpSpPr>
-        <p:cNvPr id="1" name=""/>
-        <p:cNvGrpSpPr/>
-        <p:nvPr/>
-      </p:nvGrpSpPr>
-      <p:grpSpPr>
-        <a:xfrm>
-          <a:off x="0" y="0"/>
-          <a:ext cx="0" cy="0"/>
-          <a:chOff x="0" y="0"/>
-          <a:chExt cx="0" cy="0"/>
-        </a:xfrm>
-      </p:grpSpPr>
-      <p:sp>
-        <p:nvSpPr>
-          <p:cNvPr id="2" name="Titolo 1"/>
-          <p:cNvSpPr>
-            <a:spLocks noGrp="1"/>
-          </p:cNvSpPr>
-          <p:nvPr>
-            <p:ph type="title"/>
-          </p:nvPr>
-        </p:nvSpPr>
-        <p:spPr/>
-        <p:txBody>
-          <a:bodyPr/>
-          <a:lstStyle/>
-          <a:p>
-            <a:r>
-              <a:rPr lang="it-IT" dirty="0" smtClean="0"/>
-              <a:t>Ruoli nel gruppo</a:t>
-            </a:r>
-            <a:endParaRPr lang="it-IT" dirty="0"/>
-          </a:p>
-        </p:txBody>
-      </p:sp>
-      <p:sp>
-        <p:nvSpPr>
-          <p:cNvPr id="3" name="Segnaposto contenuto 2"/>
-          <p:cNvSpPr>
-            <a:spLocks noGrp="1"/>
-          </p:cNvSpPr>
-          <p:nvPr>
-            <p:ph idx="1"/>
-          </p:nvPr>
-        </p:nvSpPr>
-        <p:spPr/>
-        <p:txBody>
-          <a:bodyPr/>
-          <a:lstStyle/>
-          <a:p>
-            <a:endParaRPr lang="it-IT"/>
-          </a:p>
-        </p:txBody>
-      </p:sp>
+      </p:pic>
     </p:spTree>
     <p:extLst>
       <p:ext uri="{BB962C8B-B14F-4D97-AF65-F5344CB8AC3E}">
@@ -3848,7 +4357,7 @@
 </p:sld>
 </file>
 
-<file path=ppt/slides/slide19.xml><?xml version="1.0" encoding="utf-8"?>
+<file path=ppt/slides/slide17.xml><?xml version="1.0" encoding="utf-8"?>
 <p:sld xmlns:a="http://schemas.openxmlformats.org/drawingml/2006/main" xmlns:r="http://schemas.openxmlformats.org/officeDocument/2006/relationships" xmlns:p="http://schemas.openxmlformats.org/presentationml/2006/main">
   <p:cSld>
     <p:spTree>
@@ -3935,7 +4444,7 @@
         </p:nvSpPr>
         <p:spPr>
           <a:xfrm>
-            <a:off x="457200" y="2520464"/>
+            <a:off x="457200" y="3091964"/>
             <a:ext cx="8229600" cy="1143000"/>
           </a:xfrm>
         </p:spPr>
@@ -3944,8 +4453,12 @@
           <a:lstStyle/>
           <a:p>
             <a:r>
-              <a:rPr lang="it-IT" dirty="0" smtClean="0"/>
-              <a:t>Parte 1: layout </a:t>
+              <a:rPr lang="it-IT" dirty="0"/>
+              <a:t>L</a:t>
+            </a:r>
+            <a:r>
+              <a:rPr lang="it-IT" dirty="0" smtClean="0"/>
+              <a:t>ayout </a:t>
             </a:r>
             <a:endParaRPr lang="it-IT" dirty="0"/>
           </a:p>
@@ -4020,10 +4533,126 @@
         </p:nvSpPr>
         <p:spPr/>
         <p:txBody>
-          <a:bodyPr/>
-          <a:lstStyle/>
-          <a:p>
-            <a:endParaRPr lang="it-IT" dirty="0"/>
+          <a:bodyPr>
+            <a:normAutofit fontScale="70000" lnSpcReduction="20000"/>
+          </a:bodyPr>
+          <a:lstStyle/>
+          <a:p>
+            <a:pPr marL="0" indent="0">
+              <a:buNone/>
+            </a:pPr>
+            <a:r>
+              <a:rPr lang="it-IT" dirty="0" smtClean="0"/>
+              <a:t>Il progetto è suddiviso in 5 </a:t>
+            </a:r>
+            <a:r>
+              <a:rPr lang="it-IT" dirty="0" err="1" smtClean="0"/>
+              <a:t>tab</a:t>
+            </a:r>
+            <a:r>
+              <a:rPr lang="it-IT" dirty="0" smtClean="0"/>
+              <a:t> principali:</a:t>
+            </a:r>
+          </a:p>
+          <a:p>
+            <a:r>
+              <a:rPr lang="it-IT" dirty="0" smtClean="0"/>
+              <a:t>Schermata iniziale</a:t>
+            </a:r>
+          </a:p>
+          <a:p>
+            <a:r>
+              <a:rPr lang="it-IT" dirty="0" smtClean="0"/>
+              <a:t>Gioco</a:t>
+            </a:r>
+          </a:p>
+          <a:p>
+            <a:r>
+              <a:rPr lang="it-IT" dirty="0" smtClean="0"/>
+              <a:t>Statistiche</a:t>
+            </a:r>
+          </a:p>
+          <a:p>
+            <a:r>
+              <a:rPr lang="it-IT" dirty="0" smtClean="0"/>
+              <a:t>Informazioni</a:t>
+            </a:r>
+          </a:p>
+          <a:p>
+            <a:r>
+              <a:rPr lang="it-IT" dirty="0" smtClean="0"/>
+              <a:t>Schermata vittoria</a:t>
+            </a:r>
+          </a:p>
+          <a:p>
+            <a:pPr marL="0" indent="0">
+              <a:buNone/>
+            </a:pPr>
+            <a:endParaRPr lang="it-IT" dirty="0" smtClean="0"/>
+          </a:p>
+          <a:p>
+            <a:pPr marL="0" indent="0">
+              <a:buNone/>
+            </a:pPr>
+            <a:r>
+              <a:rPr lang="it-IT" i="1" dirty="0" smtClean="0"/>
+              <a:t>I </a:t>
+            </a:r>
+            <a:r>
+              <a:rPr lang="it-IT" i="1" dirty="0" err="1" smtClean="0"/>
+              <a:t>Tab</a:t>
+            </a:r>
+            <a:r>
+              <a:rPr lang="it-IT" i="1" dirty="0" smtClean="0"/>
+              <a:t> consentono una visualizzazione più pulita ed ordinata del progetto.</a:t>
+            </a:r>
+            <a:endParaRPr lang="it-IT" i="1" dirty="0"/>
+          </a:p>
+        </p:txBody>
+      </p:sp>
+      <p:sp>
+        <p:nvSpPr>
+          <p:cNvPr id="4" name="Documento multiplo 3"/>
+          <p:cNvSpPr/>
+          <p:nvPr/>
+        </p:nvSpPr>
+        <p:spPr>
+          <a:xfrm>
+            <a:off x="6773115" y="2727915"/>
+            <a:ext cx="1446343" cy="1399231"/>
+          </a:xfrm>
+          <a:prstGeom prst="flowChartMultidocument">
+            <a:avLst/>
+          </a:prstGeom>
+          <a:solidFill>
+            <a:srgbClr val="3366FF"/>
+          </a:solidFill>
+          <a:ln>
+            <a:solidFill>
+              <a:schemeClr val="bg1"/>
+            </a:solidFill>
+          </a:ln>
+        </p:spPr>
+        <p:style>
+          <a:lnRef idx="1">
+            <a:schemeClr val="accent1"/>
+          </a:lnRef>
+          <a:fillRef idx="3">
+            <a:schemeClr val="accent1"/>
+          </a:fillRef>
+          <a:effectRef idx="2">
+            <a:schemeClr val="accent1"/>
+          </a:effectRef>
+          <a:fontRef idx="minor">
+            <a:schemeClr val="lt1"/>
+          </a:fontRef>
+        </p:style>
+        <p:txBody>
+          <a:bodyPr rtlCol="0" anchor="ctr"/>
+          <a:lstStyle/>
+          <a:p>
+            <a:pPr algn="ctr"/>
+            <a:endParaRPr lang="it-IT"/>
           </a:p>
         </p:txBody>
       </p:sp>
@@ -4090,12 +4719,70 @@
             <p:ph idx="1"/>
           </p:nvPr>
         </p:nvSpPr>
-        <p:spPr/>
-        <p:txBody>
-          <a:bodyPr/>
-          <a:lstStyle/>
-          <a:p>
-            <a:endParaRPr lang="it-IT"/>
+        <p:spPr>
+          <a:xfrm>
+            <a:off x="457200" y="1847123"/>
+            <a:ext cx="8229600" cy="4525963"/>
+          </a:xfrm>
+        </p:spPr>
+        <p:txBody>
+          <a:bodyPr>
+            <a:normAutofit fontScale="85000" lnSpcReduction="20000"/>
+          </a:bodyPr>
+          <a:lstStyle/>
+          <a:p>
+            <a:pPr marL="0" indent="0">
+              <a:buNone/>
+            </a:pPr>
+            <a:endParaRPr lang="it-IT" dirty="0" smtClean="0"/>
+          </a:p>
+          <a:p>
+            <a:pPr marL="0" indent="0">
+              <a:buNone/>
+            </a:pPr>
+            <a:r>
+              <a:rPr lang="it-IT" dirty="0" smtClean="0"/>
+              <a:t>La schermata di gioco è ordinata mediante la seguente disposizione:</a:t>
+            </a:r>
+          </a:p>
+          <a:p>
+            <a:r>
+              <a:rPr lang="it-IT" dirty="0" smtClean="0"/>
+              <a:t>Menù selezione </a:t>
+            </a:r>
+            <a:r>
+              <a:rPr lang="it-IT" dirty="0" err="1" smtClean="0"/>
+              <a:t>tab</a:t>
+            </a:r>
+            <a:endParaRPr lang="it-IT" dirty="0" smtClean="0"/>
+          </a:p>
+          <a:p>
+            <a:r>
+              <a:rPr lang="it-IT" dirty="0" smtClean="0"/>
+              <a:t>Menù interazione con la partita</a:t>
+            </a:r>
+            <a:endParaRPr lang="it-IT" dirty="0" smtClean="0"/>
+          </a:p>
+          <a:p>
+            <a:r>
+              <a:rPr lang="it-IT" dirty="0" smtClean="0"/>
+              <a:t>Riga dei mazzi completati</a:t>
+            </a:r>
+          </a:p>
+          <a:p>
+            <a:r>
+              <a:rPr lang="it-IT" dirty="0" smtClean="0"/>
+              <a:t>Riga dei mazzi in uso</a:t>
+            </a:r>
+          </a:p>
+          <a:p>
+            <a:pPr marL="0" indent="0">
+              <a:buNone/>
+            </a:pPr>
+            <a:endParaRPr lang="it-IT" dirty="0" smtClean="0"/>
+          </a:p>
+          <a:p>
+            <a:endParaRPr lang="it-IT" dirty="0"/>
           </a:p>
         </p:txBody>
       </p:sp>
@@ -4139,28 +4826,177 @@
             <p:ph type="title"/>
           </p:nvPr>
         </p:nvSpPr>
+        <p:spPr/>
+        <p:txBody>
+          <a:bodyPr/>
+          <a:lstStyle/>
+          <a:p>
+            <a:r>
+              <a:rPr lang="it-IT" dirty="0" smtClean="0"/>
+              <a:t>Stile</a:t>
+            </a:r>
+            <a:endParaRPr lang="it-IT" dirty="0"/>
+          </a:p>
+        </p:txBody>
+      </p:sp>
+      <p:sp>
+        <p:nvSpPr>
+          <p:cNvPr id="3" name="Segnaposto contenuto 2"/>
+          <p:cNvSpPr>
+            <a:spLocks noGrp="1"/>
+          </p:cNvSpPr>
+          <p:nvPr>
+            <p:ph idx="1"/>
+          </p:nvPr>
+        </p:nvSpPr>
+        <p:spPr/>
+        <p:txBody>
+          <a:bodyPr>
+            <a:normAutofit fontScale="77500" lnSpcReduction="20000"/>
+          </a:bodyPr>
+          <a:lstStyle/>
+          <a:p>
+            <a:pPr marL="0" indent="0">
+              <a:buNone/>
+            </a:pPr>
+            <a:r>
+              <a:rPr lang="it-IT" dirty="0" smtClean="0"/>
+              <a:t>Nella realizzazione della grafica ci siamo posti come obiettivi:</a:t>
+            </a:r>
+          </a:p>
+          <a:p>
+            <a:r>
+              <a:rPr lang="it-IT" dirty="0" smtClean="0"/>
+              <a:t>Semplicità</a:t>
+            </a:r>
+          </a:p>
+          <a:p>
+            <a:r>
+              <a:rPr lang="it-IT" dirty="0" smtClean="0"/>
+              <a:t>Chiarezza</a:t>
+            </a:r>
+          </a:p>
+          <a:p>
+            <a:r>
+              <a:rPr lang="it-IT" dirty="0" smtClean="0"/>
+              <a:t>Continuità (di colori, font e stili)</a:t>
+            </a:r>
+            <a:endParaRPr lang="it-IT" dirty="0" smtClean="0"/>
+          </a:p>
+          <a:p>
+            <a:pPr marL="0" indent="0">
+              <a:buNone/>
+            </a:pPr>
+            <a:endParaRPr lang="it-IT" dirty="0" smtClean="0"/>
+          </a:p>
+          <a:p>
+            <a:pPr marL="0" indent="0">
+              <a:buNone/>
+            </a:pPr>
+            <a:endParaRPr lang="it-IT" dirty="0" smtClean="0"/>
+          </a:p>
+          <a:p>
+            <a:pPr marL="0" indent="0">
+              <a:buNone/>
+            </a:pPr>
+            <a:r>
+              <a:rPr lang="it-IT" i="1" dirty="0" smtClean="0"/>
+              <a:t>La grafica è interamente realizzata in CSS (ad eccezione delle foto delle carte).</a:t>
+            </a:r>
+            <a:endParaRPr lang="it-IT" i="1" dirty="0"/>
+          </a:p>
+        </p:txBody>
+      </p:sp>
+      <p:pic>
+        <p:nvPicPr>
+          <p:cNvPr id="5" name="Immagine 4"/>
+          <p:cNvPicPr>
+            <a:picLocks noChangeAspect="1"/>
+          </p:cNvPicPr>
+          <p:nvPr/>
+        </p:nvPicPr>
+        <p:blipFill>
+          <a:blip r:embed="rId2">
+            <a:extLst>
+              <a:ext uri="{BEBA8EAE-BF5A-486C-A8C5-ECC9F3942E4B}">
+                <a14:imgProps xmlns:a14="http://schemas.microsoft.com/office/drawing/2010/main">
+                  <a14:imgLayer r:embed="rId3">
+                    <a14:imgEffect>
+                      <a14:backgroundRemoval t="0" b="98846" l="0" r="100000"/>
+                    </a14:imgEffect>
+                  </a14:imgLayer>
+                </a14:imgProps>
+              </a:ext>
+            </a:extLst>
+          </a:blip>
+          <a:stretch>
+            <a:fillRect/>
+          </a:stretch>
+        </p:blipFill>
         <p:spPr>
           <a:xfrm>
-            <a:off x="457200" y="2720355"/>
-            <a:ext cx="8229600" cy="1143000"/>
+            <a:off x="7136086" y="3167263"/>
+            <a:ext cx="1189201" cy="1189201"/>
           </a:xfrm>
+          <a:prstGeom prst="rect">
+            <a:avLst/>
+          </a:prstGeom>
         </p:spPr>
-        <p:txBody>
-          <a:bodyPr/>
-          <a:lstStyle/>
-          <a:p>
-            <a:r>
-              <a:rPr lang="it-IT" dirty="0" smtClean="0"/>
-              <a:t>Parte 2: Stili grafici</a:t>
-            </a:r>
-            <a:endParaRPr lang="it-IT" dirty="0"/>
+      </p:pic>
+      <p:sp>
+        <p:nvSpPr>
+          <p:cNvPr id="6" name="Per 5"/>
+          <p:cNvSpPr/>
+          <p:nvPr/>
+        </p:nvSpPr>
+        <p:spPr>
+          <a:xfrm>
+            <a:off x="7136086" y="3362860"/>
+            <a:ext cx="1330308" cy="993604"/>
+          </a:xfrm>
+          <a:prstGeom prst="mathMultiply">
+            <a:avLst/>
+          </a:prstGeom>
+          <a:solidFill>
+            <a:srgbClr val="FF0000">
+              <a:alpha val="67000"/>
+            </a:srgbClr>
+          </a:solidFill>
+          <a:ln>
+            <a:solidFill>
+              <a:srgbClr val="800000"/>
+            </a:solidFill>
+          </a:ln>
+        </p:spPr>
+        <p:style>
+          <a:lnRef idx="2">
+            <a:schemeClr val="accent6">
+              <a:shade val="50000"/>
+            </a:schemeClr>
+          </a:lnRef>
+          <a:fillRef idx="1">
+            <a:schemeClr val="accent6"/>
+          </a:fillRef>
+          <a:effectRef idx="0">
+            <a:schemeClr val="accent6"/>
+          </a:effectRef>
+          <a:fontRef idx="minor">
+            <a:schemeClr val="lt1"/>
+          </a:fontRef>
+        </p:style>
+        <p:txBody>
+          <a:bodyPr rtlCol="0" anchor="ctr"/>
+          <a:lstStyle/>
+          <a:p>
+            <a:pPr algn="ctr"/>
+            <a:endParaRPr lang="it-IT"/>
           </a:p>
         </p:txBody>
       </p:sp>
     </p:spTree>
     <p:extLst>
       <p:ext uri="{BB962C8B-B14F-4D97-AF65-F5344CB8AC3E}">
-        <p14:creationId xmlns:p14="http://schemas.microsoft.com/office/powerpoint/2010/main" val="955400570"/>
+        <p14:creationId xmlns:p14="http://schemas.microsoft.com/office/powerpoint/2010/main" val="3131054483"/>
       </p:ext>
     </p:extLst>
   </p:cSld>
@@ -4197,46 +5033,28 @@
             <p:ph type="title"/>
           </p:nvPr>
         </p:nvSpPr>
-        <p:spPr/>
-        <p:txBody>
-          <a:bodyPr/>
-          <a:lstStyle/>
-          <a:p>
-            <a:r>
-              <a:rPr lang="it-IT" dirty="0" err="1" smtClean="0"/>
-              <a:t>Material</a:t>
-            </a:r>
-            <a:r>
-              <a:rPr lang="it-IT" dirty="0" smtClean="0"/>
-              <a:t> design</a:t>
+        <p:spPr>
+          <a:xfrm>
+            <a:off x="457200" y="3209547"/>
+            <a:ext cx="8229600" cy="1143000"/>
+          </a:xfrm>
+        </p:spPr>
+        <p:txBody>
+          <a:bodyPr/>
+          <a:lstStyle/>
+          <a:p>
+            <a:r>
+              <a:rPr lang="it-IT" dirty="0" smtClean="0"/>
+              <a:t>Ragionamenti</a:t>
             </a:r>
             <a:endParaRPr lang="it-IT" dirty="0"/>
-          </a:p>
-        </p:txBody>
-      </p:sp>
-      <p:sp>
-        <p:nvSpPr>
-          <p:cNvPr id="3" name="Segnaposto contenuto 2"/>
-          <p:cNvSpPr>
-            <a:spLocks noGrp="1"/>
-          </p:cNvSpPr>
-          <p:nvPr>
-            <p:ph idx="1"/>
-          </p:nvPr>
-        </p:nvSpPr>
-        <p:spPr/>
-        <p:txBody>
-          <a:bodyPr/>
-          <a:lstStyle/>
-          <a:p>
-            <a:endParaRPr lang="it-IT"/>
           </a:p>
         </p:txBody>
       </p:sp>
     </p:spTree>
     <p:extLst>
       <p:ext uri="{BB962C8B-B14F-4D97-AF65-F5344CB8AC3E}">
-        <p14:creationId xmlns:p14="http://schemas.microsoft.com/office/powerpoint/2010/main" val="3131054483"/>
+        <p14:creationId xmlns:p14="http://schemas.microsoft.com/office/powerpoint/2010/main" val="2809702627"/>
       </p:ext>
     </p:extLst>
   </p:cSld>
@@ -4273,24 +5091,75 @@
             <p:ph type="title"/>
           </p:nvPr>
         </p:nvSpPr>
-        <p:spPr>
-          <a:xfrm>
-            <a:off x="457200" y="2638047"/>
-            <a:ext cx="8229600" cy="1143000"/>
-          </a:xfrm>
-        </p:spPr>
-        <p:txBody>
-          <a:bodyPr/>
-          <a:lstStyle/>
-          <a:p>
-            <a:r>
-              <a:rPr lang="it-IT" dirty="0" smtClean="0"/>
-              <a:t>Parte 3: </a:t>
-            </a:r>
-            <a:r>
-              <a:rPr lang="it-IT" dirty="0" err="1" smtClean="0"/>
-              <a:t>javascript</a:t>
-            </a:r>
+        <p:spPr/>
+        <p:txBody>
+          <a:bodyPr/>
+          <a:lstStyle/>
+          <a:p>
+            <a:r>
+              <a:rPr lang="it-IT" dirty="0" smtClean="0"/>
+              <a:t>Carte (da rifare)</a:t>
+            </a:r>
+            <a:endParaRPr lang="it-IT" dirty="0"/>
+          </a:p>
+        </p:txBody>
+      </p:sp>
+      <p:sp>
+        <p:nvSpPr>
+          <p:cNvPr id="3" name="Segnaposto contenuto 2"/>
+          <p:cNvSpPr>
+            <a:spLocks noGrp="1"/>
+          </p:cNvSpPr>
+          <p:nvPr>
+            <p:ph idx="1"/>
+          </p:nvPr>
+        </p:nvSpPr>
+        <p:spPr/>
+        <p:txBody>
+          <a:bodyPr>
+            <a:normAutofit fontScale="92500" lnSpcReduction="10000"/>
+          </a:bodyPr>
+          <a:lstStyle/>
+          <a:p>
+            <a:pPr marL="0" indent="0">
+              <a:buNone/>
+            </a:pPr>
+            <a:endParaRPr lang="it-IT" dirty="0" smtClean="0"/>
+          </a:p>
+          <a:p>
+            <a:pPr marL="0" indent="0">
+              <a:buNone/>
+            </a:pPr>
+            <a:r>
+              <a:rPr lang="it-IT" dirty="0" smtClean="0"/>
+              <a:t>Ogni div carta è caratterizzato da:</a:t>
+            </a:r>
+          </a:p>
+          <a:p>
+            <a:r>
+              <a:rPr lang="it-IT" dirty="0" smtClean="0"/>
+              <a:t>Dipendenza da una colonna madre</a:t>
+            </a:r>
+          </a:p>
+          <a:p>
+            <a:r>
+              <a:rPr lang="it-IT" dirty="0" smtClean="0"/>
+              <a:t>Valore casuale (da 0 a 12, ogni carta può uscire 8 volte)</a:t>
+            </a:r>
+          </a:p>
+          <a:p>
+            <a:r>
+              <a:rPr lang="it-IT" dirty="0" smtClean="0"/>
+              <a:t>Classe generica</a:t>
+            </a:r>
+          </a:p>
+          <a:p>
+            <a:endParaRPr lang="it-IT" dirty="0" smtClean="0"/>
+          </a:p>
+          <a:p>
+            <a:pPr marL="0" indent="0">
+              <a:buNone/>
+            </a:pPr>
             <a:endParaRPr lang="it-IT" dirty="0"/>
           </a:p>
         </p:txBody>
@@ -4298,7 +5167,7 @@
     </p:spTree>
     <p:extLst>
       <p:ext uri="{BB962C8B-B14F-4D97-AF65-F5344CB8AC3E}">
-        <p14:creationId xmlns:p14="http://schemas.microsoft.com/office/powerpoint/2010/main" val="2809702627"/>
+        <p14:creationId xmlns:p14="http://schemas.microsoft.com/office/powerpoint/2010/main" val="2136291821"/>
       </p:ext>
     </p:extLst>
   </p:cSld>
@@ -4342,7 +5211,11 @@
           <a:p>
             <a:r>
               <a:rPr lang="it-IT" dirty="0" smtClean="0"/>
-              <a:t>Distribuzione iniziale</a:t>
+              <a:t>Distribuzione </a:t>
+            </a:r>
+            <a:r>
+              <a:rPr lang="it-IT" dirty="0" smtClean="0"/>
+              <a:t>carte</a:t>
             </a:r>
             <a:endParaRPr lang="it-IT" dirty="0"/>
           </a:p>
@@ -4360,10 +5233,73 @@
         </p:nvSpPr>
         <p:spPr/>
         <p:txBody>
-          <a:bodyPr/>
-          <a:lstStyle/>
-          <a:p>
-            <a:endParaRPr lang="it-IT"/>
+          <a:bodyPr>
+            <a:normAutofit fontScale="77500" lnSpcReduction="20000"/>
+          </a:bodyPr>
+          <a:lstStyle/>
+          <a:p>
+            <a:pPr marL="0" indent="0">
+              <a:buNone/>
+            </a:pPr>
+            <a:r>
+              <a:rPr lang="it-IT" dirty="0" smtClean="0"/>
+              <a:t>Iniziata la partita vengono distribuite le prime 54 carte coperte , l’ultima carta di ogni colonna viene poi:</a:t>
+            </a:r>
+          </a:p>
+          <a:p>
+            <a:r>
+              <a:rPr lang="it-IT" dirty="0" smtClean="0"/>
+              <a:t>Rivelata </a:t>
+            </a:r>
+          </a:p>
+          <a:p>
+            <a:r>
+              <a:rPr lang="it-IT" dirty="0"/>
+              <a:t>R</a:t>
+            </a:r>
+            <a:r>
+              <a:rPr lang="it-IT" dirty="0" smtClean="0"/>
+              <a:t>esa ‘</a:t>
+            </a:r>
+            <a:r>
+              <a:rPr lang="it-IT" dirty="0" err="1" smtClean="0"/>
+              <a:t>draggabile</a:t>
+            </a:r>
+            <a:r>
+              <a:rPr lang="it-IT" dirty="0" smtClean="0"/>
+              <a:t>’</a:t>
+            </a:r>
+          </a:p>
+          <a:p>
+            <a:pPr marL="0" indent="0">
+              <a:buNone/>
+            </a:pPr>
+            <a:endParaRPr lang="it-IT" dirty="0" smtClean="0"/>
+          </a:p>
+          <a:p>
+            <a:pPr marL="0" indent="0">
+              <a:buNone/>
+            </a:pPr>
+            <a:endParaRPr lang="it-IT" dirty="0"/>
+          </a:p>
+          <a:p>
+            <a:pPr marL="0" indent="0">
+              <a:buNone/>
+            </a:pPr>
+            <a:r>
+              <a:rPr lang="it-IT" i="1" dirty="0" smtClean="0"/>
+              <a:t>Ad ogni click su il mazzo inferior</a:t>
+            </a:r>
+            <a:r>
+              <a:rPr lang="it-IT" i="1" dirty="0" smtClean="0"/>
+              <a:t>e vengono appese 10 nuove carte all’ultima carta di ogni colonna.</a:t>
+            </a:r>
+          </a:p>
+          <a:p>
+            <a:pPr marL="0" indent="0">
+              <a:buNone/>
+            </a:pPr>
+            <a:endParaRPr lang="it-IT" dirty="0"/>
           </a:p>
         </p:txBody>
       </p:sp>
@@ -4414,7 +5350,7 @@
           <a:p>
             <a:r>
               <a:rPr lang="it-IT" dirty="0" smtClean="0"/>
-              <a:t>Distribuzione carte</a:t>
+              <a:t>Spostamento carte</a:t>
             </a:r>
             <a:endParaRPr lang="it-IT" dirty="0"/>
           </a:p>
@@ -4432,17 +5368,108 @@
         </p:nvSpPr>
         <p:spPr/>
         <p:txBody>
-          <a:bodyPr/>
-          <a:lstStyle/>
-          <a:p>
-            <a:endParaRPr lang="it-IT"/>
+          <a:bodyPr>
+            <a:normAutofit fontScale="70000" lnSpcReduction="20000"/>
+          </a:bodyPr>
+          <a:lstStyle/>
+          <a:p>
+            <a:pPr marL="0" indent="0" algn="ctr">
+              <a:buNone/>
+            </a:pPr>
+            <a:r>
+              <a:rPr lang="it-IT" dirty="0" smtClean="0"/>
+              <a:t>Singolo (massimino)</a:t>
+            </a:r>
+          </a:p>
+          <a:p>
+            <a:pPr marL="0" indent="0" algn="ctr">
+              <a:buNone/>
+            </a:pPr>
+            <a:r>
+              <a:rPr lang="it-IT" dirty="0" smtClean="0"/>
+              <a:t>USA PURE UN’ALTRA SLIDE SE NON CI STA</a:t>
+            </a:r>
+            <a:endParaRPr lang="it-IT" dirty="0" smtClean="0"/>
+          </a:p>
+          <a:p>
+            <a:pPr marL="0" indent="0" algn="ctr">
+              <a:buNone/>
+            </a:pPr>
+            <a:r>
+              <a:rPr lang="it-IT" dirty="0" smtClean="0"/>
+              <a:t>Multiplo: (</a:t>
+            </a:r>
+            <a:r>
+              <a:rPr lang="it-IT" smtClean="0"/>
+              <a:t>da migliorare)</a:t>
+            </a:r>
+            <a:endParaRPr lang="it-IT" dirty="0" smtClean="0"/>
+          </a:p>
+          <a:p>
+            <a:pPr marL="0" indent="0">
+              <a:buNone/>
+            </a:pPr>
+            <a:r>
+              <a:rPr lang="it-IT" dirty="0" smtClean="0"/>
+              <a:t>Ad ogni spostamento:</a:t>
+            </a:r>
+          </a:p>
+          <a:p>
+            <a:r>
+              <a:rPr lang="it-IT" dirty="0" smtClean="0"/>
+              <a:t> Tutte la carte vengono rese non </a:t>
+            </a:r>
+            <a:r>
+              <a:rPr lang="it-IT" dirty="0" err="1" smtClean="0"/>
+              <a:t>draggabil</a:t>
+            </a:r>
+            <a:endParaRPr lang="it-IT" dirty="0" smtClean="0"/>
+          </a:p>
+          <a:p>
+            <a:r>
+              <a:rPr lang="it-IT" dirty="0"/>
+              <a:t>O</a:t>
+            </a:r>
+            <a:r>
+              <a:rPr lang="it-IT" dirty="0" smtClean="0"/>
+              <a:t>gni colonna viene passata dall’ultima riga alla prima</a:t>
+            </a:r>
+          </a:p>
+          <a:p>
+            <a:r>
+              <a:rPr lang="it-IT" dirty="0" smtClean="0"/>
+              <a:t>Ogni cella viene resa </a:t>
+            </a:r>
+            <a:r>
+              <a:rPr lang="it-IT" dirty="0" err="1" smtClean="0"/>
+              <a:t>draggabile</a:t>
+            </a:r>
+            <a:r>
+              <a:rPr lang="it-IT" dirty="0" smtClean="0"/>
+              <a:t> fino a che:</a:t>
+            </a:r>
+          </a:p>
+          <a:p>
+            <a:pPr lvl="1"/>
+            <a:r>
+              <a:rPr lang="it-IT" dirty="0" smtClean="0"/>
+              <a:t> non si interrompe la scala </a:t>
+            </a:r>
+          </a:p>
+          <a:p>
+            <a:pPr lvl="1"/>
+            <a:r>
+              <a:rPr lang="it-IT" dirty="0" smtClean="0"/>
+              <a:t>si incontra una carta coperta</a:t>
+            </a:r>
+            <a:endParaRPr lang="it-IT" dirty="0"/>
           </a:p>
         </p:txBody>
       </p:sp>
     </p:spTree>
     <p:extLst>
       <p:ext uri="{BB962C8B-B14F-4D97-AF65-F5344CB8AC3E}">
-        <p14:creationId xmlns:p14="http://schemas.microsoft.com/office/powerpoint/2010/main" val="1370898487"/>
+        <p14:creationId xmlns:p14="http://schemas.microsoft.com/office/powerpoint/2010/main" val="2321803055"/>
       </p:ext>
     </p:extLst>
   </p:cSld>
@@ -4453,9 +5480,9 @@
 </file>
 
 <file path=ppt/theme/theme1.xml><?xml version="1.0" encoding="utf-8"?>
-<a:theme xmlns:a="http://schemas.openxmlformats.org/drawingml/2006/main" name="Tema di Office">
+<a:theme xmlns:a="http://schemas.openxmlformats.org/drawingml/2006/main" name="Crepuscolo">
   <a:themeElements>
-    <a:clrScheme name="Office">
+    <a:clrScheme name="Crepuscolo">
       <a:dk1>
         <a:sysClr val="windowText" lastClr="000000"/>
       </a:dk1>
@@ -4463,52 +5490,52 @@
         <a:sysClr val="window" lastClr="FFFFFF"/>
       </a:lt1>
       <a:dk2>
-        <a:srgbClr val="1F497D"/>
+        <a:srgbClr val="24213E"/>
       </a:dk2>
       <a:lt2>
-        <a:srgbClr val="EEECE1"/>
+        <a:srgbClr val="E9EAF0"/>
       </a:lt2>
       <a:accent1>
-        <a:srgbClr val="4F81BD"/>
+        <a:srgbClr val="E8BC4A"/>
       </a:accent1>
       <a:accent2>
-        <a:srgbClr val="C0504D"/>
+        <a:srgbClr val="83C1C6"/>
       </a:accent2>
       <a:accent3>
-        <a:srgbClr val="9BBB59"/>
+        <a:srgbClr val="E78D35"/>
       </a:accent3>
       <a:accent4>
-        <a:srgbClr val="8064A2"/>
+        <a:srgbClr val="909CE1"/>
       </a:accent4>
       <a:accent5>
-        <a:srgbClr val="4BACC6"/>
+        <a:srgbClr val="839C41"/>
       </a:accent5>
       <a:accent6>
-        <a:srgbClr val="F79646"/>
+        <a:srgbClr val="CC5439"/>
       </a:accent6>
       <a:hlink>
-        <a:srgbClr val="0000FF"/>
+        <a:srgbClr val="1C6CF1"/>
       </a:hlink>
       <a:folHlink>
-        <a:srgbClr val="800080"/>
+        <a:srgbClr val="C649E0"/>
       </a:folHlink>
     </a:clrScheme>
-    <a:fontScheme name="Office">
+    <a:fontScheme name="Crepuscolo">
       <a:majorFont>
-        <a:latin typeface="Calibri"/>
+        <a:latin typeface="Corbel"/>
         <a:ea typeface=""/>
         <a:cs typeface=""/>
-        <a:font script="Jpan" typeface="ＭＳ Ｐゴシック"/>
-        <a:font script="Hang" typeface="맑은 고딕"/>
-        <a:font script="Hans" typeface="宋体"/>
+        <a:font script="Jpan" typeface="ヒラギノ角ゴ Pro W3"/>
+        <a:font script="Hang" typeface="HY엽서L"/>
+        <a:font script="Hans" typeface="华文楷体"/>
         <a:font script="Hant" typeface="新細明體"/>
-        <a:font script="Arab" typeface="Times New Roman"/>
-        <a:font script="Hebr" typeface="Times New Roman"/>
-        <a:font script="Thai" typeface="Angsana New"/>
+        <a:font script="Arab" typeface="Tahoma"/>
+        <a:font script="Hebr" typeface="Miriam"/>
+        <a:font script="Thai" typeface="DilleniaUPC"/>
         <a:font script="Ethi" typeface="Nyala"/>
         <a:font script="Beng" typeface="Vrinda"/>
         <a:font script="Gujr" typeface="Shruti"/>
-        <a:font script="Khmr" typeface="MoolBoran"/>
+        <a:font script="Khmr" typeface="DaunPenh"/>
         <a:font script="Knda" typeface="Tunga"/>
         <a:font script="Guru" typeface="Raavi"/>
         <a:font script="Cans" typeface="Euphemia"/>
@@ -4525,21 +5552,21 @@
         <a:font script="Laoo" typeface="DokChampa"/>
         <a:font script="Sinh" typeface="Iskoola Pota"/>
         <a:font script="Mong" typeface="Mongolian Baiti"/>
-        <a:font script="Viet" typeface="Times New Roman"/>
+        <a:font script="Viet" typeface="Arial"/>
         <a:font script="Uigh" typeface="Microsoft Uighur"/>
         <a:font script="Geor" typeface="Sylfaen"/>
       </a:majorFont>
       <a:minorFont>
-        <a:latin typeface="Calibri"/>
+        <a:latin typeface="Corbel"/>
         <a:ea typeface=""/>
         <a:cs typeface=""/>
-        <a:font script="Jpan" typeface="ＭＳ Ｐゴシック"/>
-        <a:font script="Hang" typeface="맑은 고딕"/>
-        <a:font script="Hans" typeface="宋体"/>
+        <a:font script="Jpan" typeface="ヒラギノ角ゴ Pro W3"/>
+        <a:font script="Hang" typeface="HY엽서L"/>
+        <a:font script="Hans" typeface="华文楷体"/>
         <a:font script="Hant" typeface="新細明體"/>
-        <a:font script="Arab" typeface="Arial"/>
-        <a:font script="Hebr" typeface="Arial"/>
-        <a:font script="Thai" typeface="Cordia New"/>
+        <a:font script="Arab" typeface="Tahoma"/>
+        <a:font script="Hebr" typeface="Miriam"/>
+        <a:font script="Thai" typeface="DilleniaUPC"/>
         <a:font script="Ethi" typeface="Nyala"/>
         <a:font script="Beng" typeface="Vrinda"/>
         <a:font script="Gujr" typeface="Shruti"/>
@@ -4565,7 +5592,7 @@
         <a:font script="Geor" typeface="Sylfaen"/>
       </a:minorFont>
     </a:fontScheme>
-    <a:fmtScheme name="Office">
+    <a:fmtScheme name="Crepuscolo">
       <a:fillStyleLst>
         <a:solidFill>
           <a:schemeClr val="phClr"/>
@@ -4597,16 +5624,20 @@
           <a:gsLst>
             <a:gs pos="0">
               <a:schemeClr val="phClr">
-                <a:tint val="100000"/>
-                <a:shade val="100000"/>
+                <a:shade val="51000"/>
+                <a:satMod val="130000"/>
+              </a:schemeClr>
+            </a:gs>
+            <a:gs pos="80000">
+              <a:schemeClr val="phClr">
+                <a:shade val="93000"/>
                 <a:satMod val="130000"/>
               </a:schemeClr>
             </a:gs>
             <a:gs pos="100000">
               <a:schemeClr val="phClr">
-                <a:tint val="50000"/>
-                <a:shade val="100000"/>
-                <a:satMod val="350000"/>
+                <a:shade val="94000"/>
+                <a:satMod val="135000"/>
               </a:schemeClr>
             </a:gs>
           </a:gsLst>
@@ -4664,7 +5695,7 @@
             </a:outerShdw>
           </a:effectLst>
           <a:scene3d>
-            <a:camera prst="orthographicFront">
+            <a:camera prst="orthographicFront" fov="600000">
               <a:rot lat="0" lon="0" rev="0"/>
             </a:camera>
             <a:lightRig rig="threePt" dir="t">
@@ -4683,41 +5714,51 @@
         <a:gradFill rotWithShape="1">
           <a:gsLst>
             <a:gs pos="0">
-              <a:schemeClr val="phClr">
-                <a:tint val="40000"/>
-                <a:satMod val="350000"/>
+              <a:schemeClr val="bg1">
+                <a:shade val="100000"/>
+                <a:satMod val="300000"/>
               </a:schemeClr>
             </a:gs>
-            <a:gs pos="40000">
+            <a:gs pos="31000">
+              <a:schemeClr val="bg1">
+                <a:tint val="100000"/>
+                <a:satMod val="300000"/>
+              </a:schemeClr>
+            </a:gs>
+            <a:gs pos="62000">
               <a:schemeClr val="phClr">
-                <a:tint val="45000"/>
-                <a:shade val="99000"/>
-                <a:satMod val="350000"/>
+                <a:tint val="100000"/>
+                <a:shade val="100000"/>
+                <a:satMod val="100000"/>
               </a:schemeClr>
             </a:gs>
             <a:gs pos="100000">
               <a:schemeClr val="phClr">
-                <a:shade val="20000"/>
-                <a:satMod val="255000"/>
+                <a:shade val="100000"/>
+                <a:hueMod val="93000"/>
+                <a:satMod val="50000"/>
+                <a:lumMod val="200000"/>
               </a:schemeClr>
             </a:gs>
           </a:gsLst>
-          <a:path path="circle">
-            <a:fillToRect l="50000" t="-80000" r="50000" b="180000"/>
-          </a:path>
+          <a:lin ang="5400000" scaled="0"/>
         </a:gradFill>
         <a:gradFill rotWithShape="1">
           <a:gsLst>
             <a:gs pos="0">
               <a:schemeClr val="phClr">
-                <a:tint val="80000"/>
-                <a:satMod val="300000"/>
+                <a:tint val="100000"/>
+                <a:satMod val="100000"/>
               </a:schemeClr>
             </a:gs>
             <a:gs pos="100000">
               <a:schemeClr val="phClr">
-                <a:shade val="30000"/>
-                <a:satMod val="200000"/>
+                <a:tint val="100000"/>
+                <a:shade val="100000"/>
+                <a:alpha val="100000"/>
+                <a:hueMod val="100000"/>
+                <a:satMod val="150000"/>
+                <a:lumMod val="50000"/>
               </a:schemeClr>
             </a:gs>
           </a:gsLst>
@@ -4728,46 +5769,7 @@
       </a:bgFillStyleLst>
     </a:fmtScheme>
   </a:themeElements>
-  <a:objectDefaults>
-    <a:spDef>
-      <a:spPr/>
-      <a:bodyPr/>
-      <a:lstStyle/>
-      <a:style>
-        <a:lnRef idx="1">
-          <a:schemeClr val="accent1"/>
-        </a:lnRef>
-        <a:fillRef idx="3">
-          <a:schemeClr val="accent1"/>
-        </a:fillRef>
-        <a:effectRef idx="2">
-          <a:schemeClr val="accent1"/>
-        </a:effectRef>
-        <a:fontRef idx="minor">
-          <a:schemeClr val="lt1"/>
-        </a:fontRef>
-      </a:style>
-    </a:spDef>
-    <a:lnDef>
-      <a:spPr/>
-      <a:bodyPr/>
-      <a:lstStyle/>
-      <a:style>
-        <a:lnRef idx="2">
-          <a:schemeClr val="accent1"/>
-        </a:lnRef>
-        <a:fillRef idx="0">
-          <a:schemeClr val="accent1"/>
-        </a:fillRef>
-        <a:effectRef idx="1">
-          <a:schemeClr val="accent1"/>
-        </a:effectRef>
-        <a:fontRef idx="minor">
-          <a:schemeClr val="tx1"/>
-        </a:fontRef>
-      </a:style>
-    </a:lnDef>
-  </a:objectDefaults>
+  <a:objectDefaults/>
   <a:extraClrSchemeLst/>
 </a:theme>
 </file>
--- a/Presentazione_Spider.pptx
+++ b/Presentazione_Spider.pptx
@@ -3258,11 +3258,7 @@
           <a:p>
             <a:r>
               <a:rPr lang="it-IT" dirty="0" smtClean="0"/>
-              <a:t>Scala </a:t>
-            </a:r>
-            <a:r>
-              <a:rPr lang="it-IT" dirty="0" smtClean="0"/>
-              <a:t>effettuata (Massimino)</a:t>
+              <a:t>Scala effettuata (Massimino)</a:t>
             </a:r>
             <a:endParaRPr lang="it-IT" dirty="0"/>
           </a:p>
@@ -3700,7 +3696,6 @@
               <a:rPr lang="it-IT" dirty="0" smtClean="0"/>
               <a:t>Timer e pausa</a:t>
             </a:r>
-            <a:endParaRPr lang="it-IT" dirty="0" smtClean="0"/>
           </a:p>
         </p:txBody>
       </p:sp>
@@ -3790,11 +3785,7 @@
             </a:r>
             <a:r>
               <a:rPr lang="it-IT" dirty="0" smtClean="0"/>
-              <a:t>avoro </a:t>
-            </a:r>
-            <a:r>
-              <a:rPr lang="it-IT" dirty="0" smtClean="0"/>
-              <a:t>di gruppo</a:t>
+              <a:t>avoro di gruppo</a:t>
             </a:r>
             <a:endParaRPr lang="it-IT" dirty="0"/>
           </a:p>
@@ -4761,7 +4752,6 @@
               <a:rPr lang="it-IT" dirty="0" smtClean="0"/>
               <a:t>Menù interazione con la partita</a:t>
             </a:r>
-            <a:endParaRPr lang="it-IT" dirty="0" smtClean="0"/>
           </a:p>
           <a:p>
             <a:r>
@@ -4881,7 +4871,6 @@
               <a:rPr lang="it-IT" dirty="0" smtClean="0"/>
               <a:t>Continuità (di colori, font e stili)</a:t>
             </a:r>
-            <a:endParaRPr lang="it-IT" dirty="0" smtClean="0"/>
           </a:p>
           <a:p>
             <a:pPr marL="0" indent="0">
@@ -5098,7 +5087,7 @@
           <a:p>
             <a:r>
               <a:rPr lang="it-IT" dirty="0" smtClean="0"/>
-              <a:t>Carte (da rifare)</a:t>
+              <a:t>Logica generale carte</a:t>
             </a:r>
             <a:endParaRPr lang="it-IT" dirty="0"/>
           </a:p>
@@ -5117,7 +5106,7 @@
         <p:spPr/>
         <p:txBody>
           <a:bodyPr>
-            <a:normAutofit fontScale="92500" lnSpcReduction="10000"/>
+            <a:normAutofit fontScale="77500" lnSpcReduction="20000"/>
           </a:bodyPr>
           <a:lstStyle/>
           <a:p>
@@ -5132,19 +5121,42 @@
             </a:pPr>
             <a:r>
               <a:rPr lang="it-IT" dirty="0" smtClean="0"/>
-              <a:t>Ogni div carta è caratterizzato da:</a:t>
-            </a:r>
-          </a:p>
-          <a:p>
-            <a:r>
-              <a:rPr lang="it-IT" dirty="0" smtClean="0"/>
-              <a:t>Dipendenza da una colonna madre</a:t>
-            </a:r>
-          </a:p>
-          <a:p>
-            <a:r>
-              <a:rPr lang="it-IT" dirty="0" smtClean="0"/>
-              <a:t>Valore casuale (da 0 a 12, ogni carta può uscire 8 volte)</a:t>
+              <a:t>Vi sono 10 div madre che ospitano un numero variabile di </a:t>
+            </a:r>
+            <a:r>
+              <a:rPr lang="it-IT" dirty="0" smtClean="0"/>
+              <a:t>div figli (annidati fra loro).</a:t>
+            </a:r>
+          </a:p>
+          <a:p>
+            <a:pPr marL="0" indent="0">
+              <a:buNone/>
+            </a:pPr>
+            <a:endParaRPr lang="it-IT" dirty="0" smtClean="0"/>
+          </a:p>
+          <a:p>
+            <a:pPr marL="0" indent="0">
+              <a:buNone/>
+            </a:pPr>
+            <a:r>
+              <a:rPr lang="it-IT" dirty="0" smtClean="0"/>
+              <a:t>Ogni div figlio è dotato </a:t>
+            </a:r>
+            <a:r>
+              <a:rPr lang="it-IT" dirty="0" smtClean="0"/>
+              <a:t>di:</a:t>
+            </a:r>
+          </a:p>
+          <a:p>
+            <a:r>
+              <a:rPr lang="it-IT" dirty="0" smtClean="0"/>
+              <a:t>Id (dipendente da div padre)</a:t>
+            </a:r>
+          </a:p>
+          <a:p>
+            <a:r>
+              <a:rPr lang="it-IT" dirty="0" smtClean="0"/>
+              <a:t>Valore (Identifica valore carta, generato ‘casualmente’)</a:t>
             </a:r>
           </a:p>
           <a:p>
@@ -5152,6 +5164,9 @@
               <a:rPr lang="it-IT" dirty="0" smtClean="0"/>
               <a:t>Classe generica</a:t>
             </a:r>
+          </a:p>
+          <a:p>
+            <a:endParaRPr lang="it-IT" dirty="0" smtClean="0"/>
           </a:p>
           <a:p>
             <a:endParaRPr lang="it-IT" dirty="0" smtClean="0"/>
@@ -5161,6 +5176,261 @@
               <a:buNone/>
             </a:pPr>
             <a:endParaRPr lang="it-IT" dirty="0"/>
+          </a:p>
+        </p:txBody>
+      </p:sp>
+      <p:sp>
+        <p:nvSpPr>
+          <p:cNvPr id="10" name="Rettangolo 9"/>
+          <p:cNvSpPr/>
+          <p:nvPr/>
+        </p:nvSpPr>
+        <p:spPr>
+          <a:xfrm>
+            <a:off x="5295696" y="2282541"/>
+            <a:ext cx="664037" cy="821715"/>
+          </a:xfrm>
+          <a:prstGeom prst="rect">
+            <a:avLst/>
+          </a:prstGeom>
+        </p:spPr>
+        <p:style>
+          <a:lnRef idx="1">
+            <a:schemeClr val="accent1"/>
+          </a:lnRef>
+          <a:fillRef idx="3">
+            <a:schemeClr val="accent1"/>
+          </a:fillRef>
+          <a:effectRef idx="2">
+            <a:schemeClr val="accent1"/>
+          </a:effectRef>
+          <a:fontRef idx="minor">
+            <a:schemeClr val="lt1"/>
+          </a:fontRef>
+        </p:style>
+        <p:txBody>
+          <a:bodyPr rtlCol="0" anchor="ctr"/>
+          <a:lstStyle/>
+          <a:p>
+            <a:pPr algn="ctr"/>
+            <a:r>
+              <a:rPr lang="it-IT" sz="1000" dirty="0" smtClean="0"/>
+              <a:t>MADRE</a:t>
+            </a:r>
+          </a:p>
+          <a:p>
+            <a:pPr algn="ctr"/>
+            <a:r>
+              <a:rPr lang="it-IT" sz="1000" dirty="0"/>
+              <a:t>1</a:t>
+            </a:r>
+          </a:p>
+        </p:txBody>
+      </p:sp>
+      <p:sp>
+        <p:nvSpPr>
+          <p:cNvPr id="11" name="Rettangolo 10"/>
+          <p:cNvSpPr/>
+          <p:nvPr/>
+        </p:nvSpPr>
+        <p:spPr>
+          <a:xfrm>
+            <a:off x="6112133" y="2282541"/>
+            <a:ext cx="664037" cy="821715"/>
+          </a:xfrm>
+          <a:prstGeom prst="rect">
+            <a:avLst/>
+          </a:prstGeom>
+        </p:spPr>
+        <p:style>
+          <a:lnRef idx="1">
+            <a:schemeClr val="accent1"/>
+          </a:lnRef>
+          <a:fillRef idx="3">
+            <a:schemeClr val="accent1"/>
+          </a:fillRef>
+          <a:effectRef idx="2">
+            <a:schemeClr val="accent1"/>
+          </a:effectRef>
+          <a:fontRef idx="minor">
+            <a:schemeClr val="lt1"/>
+          </a:fontRef>
+        </p:style>
+        <p:txBody>
+          <a:bodyPr rtlCol="0" anchor="ctr"/>
+          <a:lstStyle/>
+          <a:p>
+            <a:pPr algn="ctr"/>
+            <a:endParaRPr lang="it-IT" sz="1000" dirty="0"/>
+          </a:p>
+        </p:txBody>
+      </p:sp>
+      <p:sp>
+        <p:nvSpPr>
+          <p:cNvPr id="12" name="Rettangolo 11"/>
+          <p:cNvSpPr/>
+          <p:nvPr/>
+        </p:nvSpPr>
+        <p:spPr>
+          <a:xfrm>
+            <a:off x="7385096" y="2282541"/>
+            <a:ext cx="664037" cy="821715"/>
+          </a:xfrm>
+          <a:prstGeom prst="rect">
+            <a:avLst/>
+          </a:prstGeom>
+        </p:spPr>
+        <p:style>
+          <a:lnRef idx="1">
+            <a:schemeClr val="accent1"/>
+          </a:lnRef>
+          <a:fillRef idx="3">
+            <a:schemeClr val="accent1"/>
+          </a:fillRef>
+          <a:effectRef idx="2">
+            <a:schemeClr val="accent1"/>
+          </a:effectRef>
+          <a:fontRef idx="minor">
+            <a:schemeClr val="lt1"/>
+          </a:fontRef>
+        </p:style>
+        <p:txBody>
+          <a:bodyPr rtlCol="0" anchor="ctr"/>
+          <a:lstStyle/>
+          <a:p>
+            <a:pPr algn="ctr"/>
+            <a:r>
+              <a:rPr lang="it-IT" sz="1000" dirty="0" smtClean="0"/>
+              <a:t>MADRE</a:t>
+            </a:r>
+          </a:p>
+          <a:p>
+            <a:pPr algn="ctr"/>
+            <a:r>
+              <a:rPr lang="it-IT" sz="1000" dirty="0" smtClean="0"/>
+              <a:t>10</a:t>
+            </a:r>
+            <a:endParaRPr lang="it-IT" sz="1000" dirty="0"/>
+          </a:p>
+        </p:txBody>
+      </p:sp>
+      <p:sp>
+        <p:nvSpPr>
+          <p:cNvPr id="13" name="CasellaDiTesto 12"/>
+          <p:cNvSpPr txBox="1"/>
+          <p:nvPr/>
+        </p:nvSpPr>
+        <p:spPr>
+          <a:xfrm>
+            <a:off x="6922587" y="2656049"/>
+            <a:ext cx="398423" cy="369332"/>
+          </a:xfrm>
+          <a:prstGeom prst="rect">
+            <a:avLst/>
+          </a:prstGeom>
+          <a:noFill/>
+        </p:spPr>
+        <p:txBody>
+          <a:bodyPr wrap="square" rtlCol="0">
+            <a:spAutoFit/>
+          </a:bodyPr>
+          <a:lstStyle/>
+          <a:p>
+            <a:r>
+              <a:rPr lang="it-IT" dirty="0" smtClean="0"/>
+              <a:t>…</a:t>
+            </a:r>
+            <a:endParaRPr lang="it-IT" dirty="0"/>
+          </a:p>
+        </p:txBody>
+      </p:sp>
+      <p:sp>
+        <p:nvSpPr>
+          <p:cNvPr id="14" name="Rettangolo 13"/>
+          <p:cNvSpPr/>
+          <p:nvPr/>
+        </p:nvSpPr>
+        <p:spPr>
+          <a:xfrm>
+            <a:off x="6112133" y="2469293"/>
+            <a:ext cx="664037" cy="821715"/>
+          </a:xfrm>
+          <a:prstGeom prst="rect">
+            <a:avLst/>
+          </a:prstGeom>
+          <a:solidFill>
+            <a:srgbClr val="3366FF"/>
+          </a:solidFill>
+        </p:spPr>
+        <p:style>
+          <a:lnRef idx="1">
+            <a:schemeClr val="accent1"/>
+          </a:lnRef>
+          <a:fillRef idx="3">
+            <a:schemeClr val="accent1"/>
+          </a:fillRef>
+          <a:effectRef idx="2">
+            <a:schemeClr val="accent1"/>
+          </a:effectRef>
+          <a:fontRef idx="minor">
+            <a:schemeClr val="lt1"/>
+          </a:fontRef>
+        </p:style>
+        <p:txBody>
+          <a:bodyPr rtlCol="0" anchor="ctr"/>
+          <a:lstStyle/>
+          <a:p>
+            <a:pPr algn="ctr"/>
+            <a:r>
+              <a:rPr lang="it-IT" sz="1000" dirty="0" smtClean="0"/>
+              <a:t>FIGLIO 1</a:t>
+            </a:r>
+            <a:endParaRPr lang="it-IT" sz="1000" dirty="0"/>
+          </a:p>
+        </p:txBody>
+      </p:sp>
+      <p:sp>
+        <p:nvSpPr>
+          <p:cNvPr id="15" name="Rettangolo 14"/>
+          <p:cNvSpPr/>
+          <p:nvPr/>
+        </p:nvSpPr>
+        <p:spPr>
+          <a:xfrm>
+            <a:off x="6115123" y="2972106"/>
+            <a:ext cx="664037" cy="821715"/>
+          </a:xfrm>
+          <a:prstGeom prst="rect">
+            <a:avLst/>
+          </a:prstGeom>
+          <a:solidFill>
+            <a:srgbClr val="3366FF"/>
+          </a:solidFill>
+        </p:spPr>
+        <p:style>
+          <a:lnRef idx="1">
+            <a:schemeClr val="accent1"/>
+          </a:lnRef>
+          <a:fillRef idx="3">
+            <a:schemeClr val="accent1"/>
+          </a:fillRef>
+          <a:effectRef idx="2">
+            <a:schemeClr val="accent1"/>
+          </a:effectRef>
+          <a:fontRef idx="minor">
+            <a:schemeClr val="lt1"/>
+          </a:fontRef>
+        </p:style>
+        <p:txBody>
+          <a:bodyPr rtlCol="0" anchor="ctr"/>
+          <a:lstStyle/>
+          <a:p>
+            <a:pPr algn="ctr"/>
+            <a:r>
+              <a:rPr lang="it-IT" sz="1000" dirty="0" smtClean="0"/>
+              <a:t>FIGLIO 2</a:t>
+            </a:r>
+            <a:endParaRPr lang="it-IT" sz="1000" dirty="0"/>
           </a:p>
         </p:txBody>
       </p:sp>
@@ -5211,11 +5481,7 @@
           <a:p>
             <a:r>
               <a:rPr lang="it-IT" dirty="0" smtClean="0"/>
-              <a:t>Distribuzione </a:t>
-            </a:r>
-            <a:r>
-              <a:rPr lang="it-IT" dirty="0" smtClean="0"/>
-              <a:t>carte</a:t>
+              <a:t>Distribuzione carte</a:t>
             </a:r>
             <a:endParaRPr lang="it-IT" dirty="0"/>
           </a:p>
@@ -5234,7 +5500,7 @@
         <p:spPr/>
         <p:txBody>
           <a:bodyPr>
-            <a:normAutofit fontScale="77500" lnSpcReduction="20000"/>
+            <a:normAutofit fontScale="62500" lnSpcReduction="20000"/>
           </a:bodyPr>
           <a:lstStyle/>
           <a:p>
@@ -5286,13 +5552,25 @@
             <a:pPr marL="0" indent="0">
               <a:buNone/>
             </a:pPr>
+            <a:endParaRPr lang="it-IT" i="1" dirty="0" smtClean="0"/>
+          </a:p>
+          <a:p>
+            <a:pPr marL="0" indent="0">
+              <a:buNone/>
+            </a:pPr>
+            <a:endParaRPr lang="it-IT" i="1" dirty="0"/>
+          </a:p>
+          <a:p>
+            <a:pPr marL="0" indent="0">
+              <a:buNone/>
+            </a:pPr>
             <a:r>
               <a:rPr lang="it-IT" i="1" dirty="0" smtClean="0"/>
-              <a:t>Ad ogni click su il mazzo inferior</a:t>
+              <a:t>Ad </a:t>
             </a:r>
             <a:r>
               <a:rPr lang="it-IT" i="1" dirty="0" smtClean="0"/>
-              <a:t>e vengono appese 10 nuove carte all’ultima carta di ogni colonna.</a:t>
+              <a:t>ogni click su il mazzo inferiore vengono appese 10 nuove carte all’ultima carta di ogni colonna.</a:t>
             </a:r>
           </a:p>
           <a:p>
@@ -5300,6 +5578,370 @@
               <a:buNone/>
             </a:pPr>
             <a:endParaRPr lang="it-IT" dirty="0"/>
+          </a:p>
+        </p:txBody>
+      </p:sp>
+      <p:sp>
+        <p:nvSpPr>
+          <p:cNvPr id="4" name="Rettangolo 3"/>
+          <p:cNvSpPr/>
+          <p:nvPr/>
+        </p:nvSpPr>
+        <p:spPr>
+          <a:xfrm>
+            <a:off x="7520221" y="4191576"/>
+            <a:ext cx="506329" cy="647412"/>
+          </a:xfrm>
+          <a:prstGeom prst="rect">
+            <a:avLst/>
+          </a:prstGeom>
+          <a:solidFill>
+            <a:schemeClr val="accent3"/>
+          </a:solidFill>
+        </p:spPr>
+        <p:style>
+          <a:lnRef idx="1">
+            <a:schemeClr val="accent1"/>
+          </a:lnRef>
+          <a:fillRef idx="3">
+            <a:schemeClr val="accent1"/>
+          </a:fillRef>
+          <a:effectRef idx="2">
+            <a:schemeClr val="accent1"/>
+          </a:effectRef>
+          <a:fontRef idx="minor">
+            <a:schemeClr val="lt1"/>
+          </a:fontRef>
+        </p:style>
+        <p:txBody>
+          <a:bodyPr rtlCol="0" anchor="ctr"/>
+          <a:lstStyle/>
+          <a:p>
+            <a:pPr algn="ctr"/>
+            <a:endParaRPr lang="it-IT"/>
+          </a:p>
+        </p:txBody>
+      </p:sp>
+      <p:cxnSp>
+        <p:nvCxnSpPr>
+          <p:cNvPr id="6" name="Connettore 2 5"/>
+          <p:cNvCxnSpPr/>
+          <p:nvPr/>
+        </p:nvCxnSpPr>
+        <p:spPr>
+          <a:xfrm flipH="1" flipV="1">
+            <a:off x="6838424" y="3779566"/>
+            <a:ext cx="925503" cy="824023"/>
+          </a:xfrm>
+          <a:prstGeom prst="straightConnector1">
+            <a:avLst/>
+          </a:prstGeom>
+          <a:ln>
+            <a:solidFill>
+              <a:srgbClr val="008000"/>
+            </a:solidFill>
+            <a:tailEnd type="arrow"/>
+          </a:ln>
+        </p:spPr>
+        <p:style>
+          <a:lnRef idx="2">
+            <a:schemeClr val="accent1"/>
+          </a:lnRef>
+          <a:fillRef idx="0">
+            <a:schemeClr val="accent1"/>
+          </a:fillRef>
+          <a:effectRef idx="1">
+            <a:schemeClr val="accent1"/>
+          </a:effectRef>
+          <a:fontRef idx="minor">
+            <a:schemeClr val="tx1"/>
+          </a:fontRef>
+        </p:style>
+      </p:cxnSp>
+      <p:cxnSp>
+        <p:nvCxnSpPr>
+          <p:cNvPr id="7" name="Connettore 2 6"/>
+          <p:cNvCxnSpPr/>
+          <p:nvPr/>
+        </p:nvCxnSpPr>
+        <p:spPr>
+          <a:xfrm flipV="1">
+            <a:off x="7763927" y="3779566"/>
+            <a:ext cx="0" cy="840623"/>
+          </a:xfrm>
+          <a:prstGeom prst="straightConnector1">
+            <a:avLst/>
+          </a:prstGeom>
+          <a:ln>
+            <a:solidFill>
+              <a:srgbClr val="008000"/>
+            </a:solidFill>
+            <a:tailEnd type="arrow"/>
+          </a:ln>
+        </p:spPr>
+        <p:style>
+          <a:lnRef idx="2">
+            <a:schemeClr val="accent1"/>
+          </a:lnRef>
+          <a:fillRef idx="0">
+            <a:schemeClr val="accent1"/>
+          </a:fillRef>
+          <a:effectRef idx="1">
+            <a:schemeClr val="accent1"/>
+          </a:effectRef>
+          <a:fontRef idx="minor">
+            <a:schemeClr val="tx1"/>
+          </a:fontRef>
+        </p:style>
+      </p:cxnSp>
+      <p:cxnSp>
+        <p:nvCxnSpPr>
+          <p:cNvPr id="9" name="Connettore 2 8"/>
+          <p:cNvCxnSpPr/>
+          <p:nvPr/>
+        </p:nvCxnSpPr>
+        <p:spPr>
+          <a:xfrm flipV="1">
+            <a:off x="7763927" y="3779566"/>
+            <a:ext cx="638976" cy="840623"/>
+          </a:xfrm>
+          <a:prstGeom prst="straightConnector1">
+            <a:avLst/>
+          </a:prstGeom>
+          <a:ln>
+            <a:solidFill>
+              <a:srgbClr val="008000"/>
+            </a:solidFill>
+            <a:prstDash val="dash"/>
+            <a:tailEnd type="arrow"/>
+          </a:ln>
+        </p:spPr>
+        <p:style>
+          <a:lnRef idx="2">
+            <a:schemeClr val="accent1"/>
+          </a:lnRef>
+          <a:fillRef idx="0">
+            <a:schemeClr val="accent1"/>
+          </a:fillRef>
+          <a:effectRef idx="1">
+            <a:schemeClr val="accent1"/>
+          </a:effectRef>
+          <a:fontRef idx="minor">
+            <a:schemeClr val="tx1"/>
+          </a:fontRef>
+        </p:style>
+      </p:cxnSp>
+      <p:sp>
+        <p:nvSpPr>
+          <p:cNvPr id="14" name="Rettangolo 13"/>
+          <p:cNvSpPr/>
+          <p:nvPr/>
+        </p:nvSpPr>
+        <p:spPr>
+          <a:xfrm>
+            <a:off x="6332095" y="2606248"/>
+            <a:ext cx="506329" cy="713813"/>
+          </a:xfrm>
+          <a:prstGeom prst="rect">
+            <a:avLst/>
+          </a:prstGeom>
+        </p:spPr>
+        <p:style>
+          <a:lnRef idx="1">
+            <a:schemeClr val="accent1"/>
+          </a:lnRef>
+          <a:fillRef idx="3">
+            <a:schemeClr val="accent1"/>
+          </a:fillRef>
+          <a:effectRef idx="2">
+            <a:schemeClr val="accent1"/>
+          </a:effectRef>
+          <a:fontRef idx="minor">
+            <a:schemeClr val="lt1"/>
+          </a:fontRef>
+        </p:style>
+        <p:txBody>
+          <a:bodyPr rtlCol="0" anchor="ctr"/>
+          <a:lstStyle/>
+          <a:p>
+            <a:pPr algn="ctr"/>
+            <a:endParaRPr lang="it-IT"/>
+          </a:p>
+        </p:txBody>
+      </p:sp>
+      <p:sp>
+        <p:nvSpPr>
+          <p:cNvPr id="15" name="Rettangolo 14"/>
+          <p:cNvSpPr/>
+          <p:nvPr/>
+        </p:nvSpPr>
+        <p:spPr>
+          <a:xfrm>
+            <a:off x="7478718" y="2634146"/>
+            <a:ext cx="506329" cy="713813"/>
+          </a:xfrm>
+          <a:prstGeom prst="rect">
+            <a:avLst/>
+          </a:prstGeom>
+        </p:spPr>
+        <p:style>
+          <a:lnRef idx="1">
+            <a:schemeClr val="accent1"/>
+          </a:lnRef>
+          <a:fillRef idx="3">
+            <a:schemeClr val="accent1"/>
+          </a:fillRef>
+          <a:effectRef idx="2">
+            <a:schemeClr val="accent1"/>
+          </a:effectRef>
+          <a:fontRef idx="minor">
+            <a:schemeClr val="lt1"/>
+          </a:fontRef>
+        </p:style>
+        <p:txBody>
+          <a:bodyPr rtlCol="0" anchor="ctr"/>
+          <a:lstStyle/>
+          <a:p>
+            <a:pPr algn="ctr"/>
+            <a:endParaRPr lang="it-IT"/>
+          </a:p>
+        </p:txBody>
+      </p:sp>
+      <p:sp>
+        <p:nvSpPr>
+          <p:cNvPr id="16" name="Rettangolo 15"/>
+          <p:cNvSpPr/>
+          <p:nvPr/>
+        </p:nvSpPr>
+        <p:spPr>
+          <a:xfrm>
+            <a:off x="8402903" y="2634743"/>
+            <a:ext cx="506329" cy="713813"/>
+          </a:xfrm>
+          <a:prstGeom prst="rect">
+            <a:avLst/>
+          </a:prstGeom>
+        </p:spPr>
+        <p:style>
+          <a:lnRef idx="1">
+            <a:schemeClr val="accent1"/>
+          </a:lnRef>
+          <a:fillRef idx="3">
+            <a:schemeClr val="accent1"/>
+          </a:fillRef>
+          <a:effectRef idx="2">
+            <a:schemeClr val="accent1"/>
+          </a:effectRef>
+          <a:fontRef idx="minor">
+            <a:schemeClr val="lt1"/>
+          </a:fontRef>
+        </p:style>
+        <p:txBody>
+          <a:bodyPr rtlCol="0" anchor="ctr"/>
+          <a:lstStyle/>
+          <a:p>
+            <a:pPr algn="ctr"/>
+            <a:endParaRPr lang="it-IT"/>
+          </a:p>
+        </p:txBody>
+      </p:sp>
+      <p:sp>
+        <p:nvSpPr>
+          <p:cNvPr id="17" name="Rettangolo 16"/>
+          <p:cNvSpPr/>
+          <p:nvPr/>
+        </p:nvSpPr>
+        <p:spPr>
+          <a:xfrm>
+            <a:off x="6332095" y="3065753"/>
+            <a:ext cx="506329" cy="713813"/>
+          </a:xfrm>
+          <a:prstGeom prst="rect">
+            <a:avLst/>
+          </a:prstGeom>
+          <a:solidFill>
+            <a:srgbClr val="3366FF"/>
+          </a:solidFill>
+          <a:ln>
+            <a:solidFill>
+              <a:srgbClr val="3366FF"/>
+            </a:solidFill>
+          </a:ln>
+        </p:spPr>
+        <p:style>
+          <a:lnRef idx="1">
+            <a:schemeClr val="accent1"/>
+          </a:lnRef>
+          <a:fillRef idx="3">
+            <a:schemeClr val="accent1"/>
+          </a:fillRef>
+          <a:effectRef idx="2">
+            <a:schemeClr val="accent1"/>
+          </a:effectRef>
+          <a:fontRef idx="minor">
+            <a:schemeClr val="lt1"/>
+          </a:fontRef>
+        </p:style>
+        <p:txBody>
+          <a:bodyPr rtlCol="0" anchor="ctr"/>
+          <a:lstStyle/>
+          <a:p>
+            <a:pPr algn="ctr"/>
+            <a:r>
+              <a:rPr lang="it-IT" sz="1200" dirty="0" smtClean="0"/>
+              <a:t>NEW</a:t>
+            </a:r>
+            <a:endParaRPr lang="it-IT" sz="1200" dirty="0"/>
+          </a:p>
+        </p:txBody>
+      </p:sp>
+      <p:sp>
+        <p:nvSpPr>
+          <p:cNvPr id="18" name="Rettangolo 17"/>
+          <p:cNvSpPr/>
+          <p:nvPr/>
+        </p:nvSpPr>
+        <p:spPr>
+          <a:xfrm>
+            <a:off x="7478718" y="2991052"/>
+            <a:ext cx="506329" cy="713813"/>
+          </a:xfrm>
+          <a:prstGeom prst="rect">
+            <a:avLst/>
+          </a:prstGeom>
+          <a:solidFill>
+            <a:srgbClr val="3366FF"/>
+          </a:solidFill>
+          <a:ln>
+            <a:solidFill>
+              <a:srgbClr val="3366FF"/>
+            </a:solidFill>
+          </a:ln>
+        </p:spPr>
+        <p:style>
+          <a:lnRef idx="1">
+            <a:schemeClr val="accent1"/>
+          </a:lnRef>
+          <a:fillRef idx="3">
+            <a:schemeClr val="accent1"/>
+          </a:fillRef>
+          <a:effectRef idx="2">
+            <a:schemeClr val="accent1"/>
+          </a:effectRef>
+          <a:fontRef idx="minor">
+            <a:schemeClr val="lt1"/>
+          </a:fontRef>
+        </p:style>
+        <p:txBody>
+          <a:bodyPr rtlCol="0" anchor="ctr"/>
+          <a:lstStyle/>
+          <a:p>
+            <a:pPr algn="ctr"/>
+            <a:r>
+              <a:rPr lang="it-IT" sz="1200" dirty="0" smtClean="0"/>
+              <a:t>NEW</a:t>
+            </a:r>
+            <a:endParaRPr lang="it-IT" sz="1200" dirty="0"/>
           </a:p>
         </p:txBody>
       </p:sp>
@@ -5389,7 +6031,6 @@
               <a:rPr lang="it-IT" dirty="0" smtClean="0"/>
               <a:t>USA PURE UN’ALTRA SLIDE SE NON CI STA</a:t>
             </a:r>
-            <a:endParaRPr lang="it-IT" dirty="0" smtClean="0"/>
           </a:p>
           <a:p>
             <a:pPr marL="0" indent="0" algn="ctr">

--- a/Presentazione_Spider.pptx
+++ b/Presentazione_Spider.pptx
@@ -13,15 +13,18 @@
     <p:sldId id="262" r:id="rId7"/>
     <p:sldId id="275" r:id="rId8"/>
     <p:sldId id="263" r:id="rId9"/>
-    <p:sldId id="265" r:id="rId10"/>
-    <p:sldId id="268" r:id="rId11"/>
-    <p:sldId id="269" r:id="rId12"/>
-    <p:sldId id="267" r:id="rId13"/>
-    <p:sldId id="270" r:id="rId14"/>
-    <p:sldId id="271" r:id="rId15"/>
-    <p:sldId id="273" r:id="rId16"/>
-    <p:sldId id="274" r:id="rId17"/>
-    <p:sldId id="272" r:id="rId18"/>
+    <p:sldId id="280" r:id="rId10"/>
+    <p:sldId id="265" r:id="rId11"/>
+    <p:sldId id="278" r:id="rId12"/>
+    <p:sldId id="279" r:id="rId13"/>
+    <p:sldId id="276" r:id="rId14"/>
+    <p:sldId id="267" r:id="rId15"/>
+    <p:sldId id="270" r:id="rId16"/>
+    <p:sldId id="277" r:id="rId17"/>
+    <p:sldId id="271" r:id="rId18"/>
+    <p:sldId id="273" r:id="rId19"/>
+    <p:sldId id="274" r:id="rId20"/>
+    <p:sldId id="272" r:id="rId21"/>
   </p:sldIdLst>
   <p:sldSz cx="9144000" cy="6858000" type="screen4x3"/>
   <p:notesSz cx="6858000" cy="9144000"/>
@@ -3182,25 +3185,25 @@
           <a:p>
             <a:r>
               <a:rPr lang="it-IT" dirty="0" smtClean="0"/>
-              <a:t>Gruppo: </a:t>
-            </a:r>
-            <a:r>
-              <a:rPr lang="it-IT" dirty="0" err="1" smtClean="0"/>
-              <a:t>Genta</a:t>
-            </a:r>
-            <a:r>
-              <a:rPr lang="it-IT" dirty="0" smtClean="0"/>
-              <a:t>, Massimino, </a:t>
+              <a:t>Gruppo: Genta, Massimino, </a:t>
             </a:r>
             <a:r>
               <a:rPr lang="it-IT" dirty="0" err="1" smtClean="0"/>
               <a:t>Nikolov</a:t>
             </a:r>
             <a:r>
-              <a:rPr lang="it-IT" smtClean="0"/>
+              <a:rPr lang="it-IT" dirty="0" smtClean="0"/>
+              <a:t>, </a:t>
+            </a:r>
+            <a:r>
+              <a:rPr lang="it-IT" dirty="0" err="1" smtClean="0"/>
+              <a:t>Levrone</a:t>
+            </a:r>
+            <a:r>
+              <a:rPr lang="it-IT" dirty="0" smtClean="0"/>
               <a:t>.</a:t>
             </a:r>
-            <a:endParaRPr lang="it-IT"/>
+            <a:endParaRPr lang="it-IT" dirty="0"/>
           </a:p>
         </p:txBody>
       </p:sp>
@@ -3258,7 +3261,11 @@
           <a:p>
             <a:r>
               <a:rPr lang="it-IT" dirty="0" smtClean="0"/>
-              <a:t>Scala effettuata (Massimino)</a:t>
+              <a:t>Spostamento </a:t>
+            </a:r>
+            <a:r>
+              <a:rPr lang="it-IT" dirty="0" smtClean="0"/>
+              <a:t>multiplo</a:t>
             </a:r>
             <a:endParaRPr lang="it-IT" dirty="0"/>
           </a:p>
@@ -3277,7 +3284,7 @@
         <p:spPr/>
         <p:txBody>
           <a:bodyPr>
-            <a:normAutofit/>
+            <a:normAutofit fontScale="85000" lnSpcReduction="10000"/>
           </a:bodyPr>
           <a:lstStyle/>
           <a:p>
@@ -3286,33 +3293,69 @@
             </a:pPr>
             <a:r>
               <a:rPr lang="it-IT" dirty="0" smtClean="0"/>
-              <a:t>Bla bla bla (quando e come si verifica)</a:t>
-            </a:r>
-          </a:p>
-          <a:p>
-            <a:pPr marL="0" indent="0">
-              <a:buNone/>
-            </a:pPr>
+              <a:t>Ad </a:t>
+            </a:r>
+            <a:r>
+              <a:rPr lang="it-IT" dirty="0" smtClean="0"/>
+              <a:t>ogni spostamento:</a:t>
+            </a:r>
+          </a:p>
+          <a:p>
+            <a:r>
+              <a:rPr lang="it-IT" dirty="0" smtClean="0"/>
+              <a:t> Tutte la carte vengono rese non </a:t>
+            </a:r>
+            <a:r>
+              <a:rPr lang="it-IT" dirty="0" err="1" smtClean="0"/>
+              <a:t>draggabil</a:t>
+            </a:r>
+            <a:endParaRPr lang="it-IT" dirty="0" smtClean="0"/>
+          </a:p>
+          <a:p>
+            <a:r>
+              <a:rPr lang="it-IT" dirty="0"/>
+              <a:t>O</a:t>
+            </a:r>
+            <a:r>
+              <a:rPr lang="it-IT" dirty="0" smtClean="0"/>
+              <a:t>gni colonna viene passata dall’ultima riga alla prima</a:t>
+            </a:r>
+          </a:p>
+          <a:p>
+            <a:r>
+              <a:rPr lang="it-IT" dirty="0" smtClean="0"/>
+              <a:t>Ogni cella viene resa </a:t>
+            </a:r>
+            <a:r>
+              <a:rPr lang="it-IT" dirty="0" err="1" smtClean="0"/>
+              <a:t>draggabile</a:t>
+            </a:r>
+            <a:r>
+              <a:rPr lang="it-IT" dirty="0" smtClean="0"/>
+              <a:t> fino a che:</a:t>
+            </a:r>
+          </a:p>
+          <a:p>
+            <a:pPr lvl="1"/>
+            <a:r>
+              <a:rPr lang="it-IT" dirty="0" smtClean="0"/>
+              <a:t> non si interrompe la scala </a:t>
+            </a:r>
+          </a:p>
+          <a:p>
+            <a:pPr lvl="1"/>
+            <a:r>
+              <a:rPr lang="it-IT" dirty="0" smtClean="0"/>
+              <a:t>si incontra una carta coperta</a:t>
+            </a:r>
             <a:endParaRPr lang="it-IT" dirty="0"/>
-          </a:p>
-          <a:p>
-            <a:pPr marL="0" indent="0">
-              <a:buNone/>
-            </a:pPr>
-            <a:endParaRPr lang="it-IT" dirty="0" smtClean="0"/>
-          </a:p>
-          <a:p>
-            <a:pPr marL="0" indent="0">
-              <a:buNone/>
-            </a:pPr>
-            <a:endParaRPr lang="it-IT" i="1" dirty="0" smtClean="0"/>
           </a:p>
         </p:txBody>
       </p:sp>
     </p:spTree>
     <p:extLst>
       <p:ext uri="{BB962C8B-B14F-4D97-AF65-F5344CB8AC3E}">
-        <p14:creationId xmlns:p14="http://schemas.microsoft.com/office/powerpoint/2010/main" val="1072104629"/>
+        <p14:creationId xmlns:p14="http://schemas.microsoft.com/office/powerpoint/2010/main" val="2321803055"/>
       </p:ext>
     </p:extLst>
   </p:cSld>
@@ -3356,7 +3399,7 @@
           <a:p>
             <a:r>
               <a:rPr lang="it-IT" dirty="0" smtClean="0"/>
-              <a:t>Vittoria (massimino)</a:t>
+              <a:t>Scala effettuata </a:t>
             </a:r>
             <a:endParaRPr lang="it-IT" dirty="0"/>
           </a:p>
@@ -3372,90 +3415,537 @@
             <p:ph idx="1"/>
           </p:nvPr>
         </p:nvSpPr>
-        <p:spPr/>
+        <p:spPr>
+          <a:xfrm>
+            <a:off x="457200" y="1829058"/>
+            <a:ext cx="8229600" cy="4525963"/>
+          </a:xfrm>
+        </p:spPr>
         <p:txBody>
           <a:bodyPr>
-            <a:normAutofit fontScale="85000" lnSpcReduction="20000"/>
+            <a:normAutofit/>
           </a:bodyPr>
           <a:lstStyle/>
+          <a:p>
+            <a:pPr marL="0" indent="0">
+              <a:buNone/>
+            </a:pPr>
+            <a:endParaRPr lang="it-IT" sz="2400" dirty="0" smtClean="0"/>
+          </a:p>
+          <a:p>
+            <a:pPr marL="0" indent="0"/>
+            <a:endParaRPr lang="it-IT" sz="2400" dirty="0" smtClean="0"/>
+          </a:p>
+          <a:p>
+            <a:pPr marL="0" indent="0"/>
+            <a:r>
+              <a:rPr lang="it-IT" sz="2400" dirty="0" smtClean="0"/>
+              <a:t>Integrato </a:t>
+            </a:r>
+            <a:r>
+              <a:rPr lang="it-IT" sz="2400" dirty="0"/>
+              <a:t>con lo spostamento delle </a:t>
+            </a:r>
+            <a:r>
+              <a:rPr lang="it-IT" sz="2400" dirty="0" smtClean="0"/>
+              <a:t>carte</a:t>
+            </a:r>
+            <a:endParaRPr lang="it-IT" sz="2400" dirty="0"/>
+          </a:p>
+          <a:p>
+            <a:pPr marL="0" indent="0"/>
+            <a:r>
+              <a:rPr lang="it-IT" sz="2400" dirty="0" smtClean="0"/>
+              <a:t>Al </a:t>
+            </a:r>
+            <a:r>
+              <a:rPr lang="it-IT" sz="2400" dirty="0" smtClean="0"/>
+              <a:t>controllo </a:t>
+            </a:r>
+            <a:r>
+              <a:rPr lang="it-IT" sz="2400" dirty="0" smtClean="0"/>
+              <a:t>della  presenza </a:t>
+            </a:r>
+            <a:r>
+              <a:rPr lang="it-IT" sz="2400" dirty="0" smtClean="0"/>
+              <a:t>di una </a:t>
+            </a:r>
+            <a:r>
+              <a:rPr lang="it-IT" sz="2400" dirty="0" smtClean="0"/>
+              <a:t>scala (multi-drag), se essa è completa (formata da 13 carte):</a:t>
+            </a:r>
+          </a:p>
+          <a:p>
+            <a:pPr marL="400050" lvl="1" indent="0"/>
+            <a:r>
+              <a:rPr lang="it-IT" sz="2000" dirty="0" smtClean="0"/>
+              <a:t> La scala viene </a:t>
+            </a:r>
+            <a:r>
+              <a:rPr lang="it-IT" sz="2000" dirty="0" smtClean="0"/>
+              <a:t>spostata </a:t>
+            </a:r>
+            <a:r>
+              <a:rPr lang="it-IT" sz="2000" dirty="0" smtClean="0"/>
+              <a:t>nella riga delle </a:t>
+            </a:r>
+            <a:r>
+              <a:rPr lang="it-IT" sz="2000" dirty="0" smtClean="0"/>
+              <a:t>scale </a:t>
+            </a:r>
+            <a:r>
+              <a:rPr lang="it-IT" sz="2000" dirty="0" smtClean="0"/>
+              <a:t>effettuate</a:t>
+            </a:r>
+          </a:p>
+          <a:p>
+            <a:pPr marL="400050" lvl="1" indent="0"/>
+            <a:r>
+              <a:rPr lang="it-IT" sz="2000" dirty="0" smtClean="0"/>
+              <a:t> Viene rimossa dalle righe di gioco effettive</a:t>
+            </a:r>
+            <a:endParaRPr lang="it-IT" sz="2000" dirty="0" smtClean="0"/>
+          </a:p>
+          <a:p>
+            <a:pPr marL="0" indent="0">
+              <a:buNone/>
+            </a:pPr>
+            <a:endParaRPr lang="it-IT" sz="2800" dirty="0" smtClean="0"/>
+          </a:p>
+          <a:p>
+            <a:pPr marL="0" indent="0">
+              <a:buNone/>
+            </a:pPr>
+            <a:endParaRPr lang="it-IT" dirty="0"/>
+          </a:p>
+          <a:p>
+            <a:pPr marL="0" indent="0">
+              <a:buNone/>
+            </a:pPr>
+            <a:endParaRPr lang="it-IT" dirty="0" smtClean="0"/>
+          </a:p>
           <a:p>
             <a:pPr marL="0" indent="0">
               <a:buNone/>
             </a:pPr>
             <a:endParaRPr lang="it-IT" i="1" dirty="0" smtClean="0"/>
           </a:p>
-          <a:p>
-            <a:pPr marL="0" indent="0">
-              <a:buNone/>
-            </a:pPr>
-            <a:endParaRPr lang="it-IT" i="1" dirty="0"/>
-          </a:p>
-          <a:p>
-            <a:pPr marL="0" indent="0">
-              <a:buNone/>
-            </a:pPr>
-            <a:r>
-              <a:rPr lang="it-IT" dirty="0"/>
-              <a:t>Bla bla bla (quando e come si verifica)</a:t>
-            </a:r>
-          </a:p>
-          <a:p>
-            <a:pPr marL="0" indent="0">
-              <a:buNone/>
-            </a:pPr>
-            <a:endParaRPr lang="it-IT" i="1" dirty="0" smtClean="0"/>
-          </a:p>
-          <a:p>
-            <a:pPr marL="0" indent="0">
-              <a:buNone/>
-            </a:pPr>
-            <a:endParaRPr lang="it-IT" i="1" dirty="0"/>
-          </a:p>
-          <a:p>
-            <a:pPr marL="0" indent="0">
-              <a:buNone/>
-            </a:pPr>
-            <a:r>
-              <a:rPr lang="it-IT" i="1" dirty="0" smtClean="0"/>
-              <a:t>Il </a:t>
-            </a:r>
-            <a:r>
-              <a:rPr lang="it-IT" i="1" dirty="0" err="1"/>
-              <a:t>tab</a:t>
-            </a:r>
-            <a:r>
-              <a:rPr lang="it-IT" i="1" dirty="0"/>
-              <a:t> vittoria presenta una animazione realizzata con l’ausilio di un </a:t>
-            </a:r>
-            <a:r>
-              <a:rPr lang="it-IT" i="1" dirty="0" err="1"/>
-              <a:t>plugin</a:t>
-            </a:r>
-            <a:r>
-              <a:rPr lang="it-IT" i="1" dirty="0"/>
-              <a:t> (</a:t>
-            </a:r>
-            <a:r>
-              <a:rPr lang="it-IT" i="1" dirty="0" err="1"/>
-              <a:t>flip.js</a:t>
-            </a:r>
-            <a:r>
-              <a:rPr lang="it-IT" i="1" dirty="0"/>
-              <a:t>)</a:t>
-            </a:r>
-          </a:p>
-          <a:p>
-            <a:pPr marL="0" indent="0">
-              <a:buNone/>
-            </a:pPr>
+        </p:txBody>
+      </p:sp>
+      <p:sp>
+        <p:nvSpPr>
+          <p:cNvPr id="4" name="Rettangolo 3"/>
+          <p:cNvSpPr/>
+          <p:nvPr/>
+        </p:nvSpPr>
+        <p:spPr>
+          <a:xfrm>
+            <a:off x="1287535" y="5181703"/>
+            <a:ext cx="617404" cy="713813"/>
+          </a:xfrm>
+          <a:prstGeom prst="rect">
+            <a:avLst/>
+          </a:prstGeom>
+        </p:spPr>
+        <p:style>
+          <a:lnRef idx="1">
+            <a:schemeClr val="accent1"/>
+          </a:lnRef>
+          <a:fillRef idx="3">
+            <a:schemeClr val="accent1"/>
+          </a:fillRef>
+          <a:effectRef idx="2">
+            <a:schemeClr val="accent1"/>
+          </a:effectRef>
+          <a:fontRef idx="minor">
+            <a:schemeClr val="lt1"/>
+          </a:fontRef>
+        </p:style>
+        <p:txBody>
+          <a:bodyPr rtlCol="0" anchor="ctr"/>
+          <a:lstStyle/>
+          <a:p>
+            <a:pPr algn="ctr"/>
+            <a:endParaRPr lang="it-IT"/>
+          </a:p>
+        </p:txBody>
+      </p:sp>
+      <p:sp>
+        <p:nvSpPr>
+          <p:cNvPr id="5" name="Rettangolo 4"/>
+          <p:cNvSpPr/>
+          <p:nvPr/>
+        </p:nvSpPr>
+        <p:spPr>
+          <a:xfrm>
+            <a:off x="1287535" y="5406043"/>
+            <a:ext cx="617404" cy="713813"/>
+          </a:xfrm>
+          <a:prstGeom prst="rect">
+            <a:avLst/>
+          </a:prstGeom>
+          <a:solidFill>
+            <a:srgbClr val="3366FF"/>
+          </a:solidFill>
+          <a:ln>
+            <a:solidFill>
+              <a:schemeClr val="bg1"/>
+            </a:solidFill>
+          </a:ln>
+        </p:spPr>
+        <p:style>
+          <a:lnRef idx="1">
+            <a:schemeClr val="accent1"/>
+          </a:lnRef>
+          <a:fillRef idx="3">
+            <a:schemeClr val="accent1"/>
+          </a:fillRef>
+          <a:effectRef idx="2">
+            <a:schemeClr val="accent1"/>
+          </a:effectRef>
+          <a:fontRef idx="minor">
+            <a:schemeClr val="lt1"/>
+          </a:fontRef>
+        </p:style>
+        <p:txBody>
+          <a:bodyPr rtlCol="0" anchor="ctr"/>
+          <a:lstStyle/>
+          <a:p>
+            <a:pPr algn="ctr"/>
+            <a:endParaRPr lang="it-IT" sz="1200" dirty="0"/>
+          </a:p>
+        </p:txBody>
+      </p:sp>
+      <p:sp>
+        <p:nvSpPr>
+          <p:cNvPr id="6" name="Rettangolo 5"/>
+          <p:cNvSpPr/>
+          <p:nvPr/>
+        </p:nvSpPr>
+        <p:spPr>
+          <a:xfrm>
+            <a:off x="1287535" y="5610108"/>
+            <a:ext cx="617404" cy="713813"/>
+          </a:xfrm>
+          <a:prstGeom prst="rect">
+            <a:avLst/>
+          </a:prstGeom>
+          <a:solidFill>
+            <a:srgbClr val="3366FF"/>
+          </a:solidFill>
+          <a:ln>
+            <a:solidFill>
+              <a:schemeClr val="bg1"/>
+            </a:solidFill>
+          </a:ln>
+        </p:spPr>
+        <p:style>
+          <a:lnRef idx="1">
+            <a:schemeClr val="accent1"/>
+          </a:lnRef>
+          <a:fillRef idx="3">
+            <a:schemeClr val="accent1"/>
+          </a:fillRef>
+          <a:effectRef idx="2">
+            <a:schemeClr val="accent1"/>
+          </a:effectRef>
+          <a:fontRef idx="minor">
+            <a:schemeClr val="lt1"/>
+          </a:fontRef>
+        </p:style>
+        <p:txBody>
+          <a:bodyPr rtlCol="0" anchor="ctr"/>
+          <a:lstStyle/>
+          <a:p>
+            <a:pPr algn="ctr"/>
+            <a:endParaRPr lang="it-IT" sz="1200" dirty="0"/>
+          </a:p>
+        </p:txBody>
+      </p:sp>
+      <p:sp>
+        <p:nvSpPr>
+          <p:cNvPr id="7" name="Rettangolo 6"/>
+          <p:cNvSpPr/>
+          <p:nvPr/>
+        </p:nvSpPr>
+        <p:spPr>
+          <a:xfrm>
+            <a:off x="1287535" y="5954178"/>
+            <a:ext cx="617404" cy="713813"/>
+          </a:xfrm>
+          <a:prstGeom prst="rect">
+            <a:avLst/>
+          </a:prstGeom>
+          <a:solidFill>
+            <a:srgbClr val="3366FF"/>
+          </a:solidFill>
+          <a:ln>
+            <a:solidFill>
+              <a:schemeClr val="bg1"/>
+            </a:solidFill>
+          </a:ln>
+        </p:spPr>
+        <p:style>
+          <a:lnRef idx="1">
+            <a:schemeClr val="accent1"/>
+          </a:lnRef>
+          <a:fillRef idx="3">
+            <a:schemeClr val="accent1"/>
+          </a:fillRef>
+          <a:effectRef idx="2">
+            <a:schemeClr val="accent1"/>
+          </a:effectRef>
+          <a:fontRef idx="minor">
+            <a:schemeClr val="lt1"/>
+          </a:fontRef>
+        </p:style>
+        <p:txBody>
+          <a:bodyPr rtlCol="0" anchor="ctr"/>
+          <a:lstStyle/>
+          <a:p>
+            <a:pPr algn="ctr"/>
+            <a:endParaRPr lang="it-IT" sz="1200" dirty="0"/>
+          </a:p>
+        </p:txBody>
+      </p:sp>
+      <p:sp>
+        <p:nvSpPr>
+          <p:cNvPr id="8" name="Ovale 7"/>
+          <p:cNvSpPr/>
+          <p:nvPr/>
+        </p:nvSpPr>
+        <p:spPr>
+          <a:xfrm>
+            <a:off x="870157" y="5406043"/>
+            <a:ext cx="1481619" cy="1096270"/>
+          </a:xfrm>
+          <a:prstGeom prst="ellipse">
+            <a:avLst/>
+          </a:prstGeom>
+          <a:noFill/>
+          <a:ln w="38100" cmpd="sng">
+            <a:solidFill>
+              <a:srgbClr val="008000"/>
+            </a:solidFill>
+          </a:ln>
+        </p:spPr>
+        <p:style>
+          <a:lnRef idx="1">
+            <a:schemeClr val="accent1"/>
+          </a:lnRef>
+          <a:fillRef idx="3">
+            <a:schemeClr val="accent1"/>
+          </a:fillRef>
+          <a:effectRef idx="2">
+            <a:schemeClr val="accent1"/>
+          </a:effectRef>
+          <a:fontRef idx="minor">
+            <a:schemeClr val="lt1"/>
+          </a:fontRef>
+        </p:style>
+        <p:txBody>
+          <a:bodyPr rtlCol="0" anchor="ctr"/>
+          <a:lstStyle/>
+          <a:p>
+            <a:pPr algn="ctr"/>
+            <a:endParaRPr lang="it-IT"/>
+          </a:p>
+        </p:txBody>
+      </p:sp>
+      <p:sp>
+        <p:nvSpPr>
+          <p:cNvPr id="12" name="Rettangolo 11"/>
+          <p:cNvSpPr/>
+          <p:nvPr/>
+        </p:nvSpPr>
+        <p:spPr>
+          <a:xfrm>
+            <a:off x="4297343" y="5597271"/>
+            <a:ext cx="617404" cy="713813"/>
+          </a:xfrm>
+          <a:prstGeom prst="rect">
+            <a:avLst/>
+          </a:prstGeom>
+          <a:pattFill prst="ltDnDiag">
+            <a:fgClr>
+              <a:prstClr val="black"/>
+            </a:fgClr>
+            <a:bgClr>
+              <a:prstClr val="white"/>
+            </a:bgClr>
+          </a:pattFill>
+        </p:spPr>
+        <p:style>
+          <a:lnRef idx="1">
+            <a:schemeClr val="accent1"/>
+          </a:lnRef>
+          <a:fillRef idx="3">
+            <a:schemeClr val="accent1"/>
+          </a:fillRef>
+          <a:effectRef idx="2">
+            <a:schemeClr val="accent1"/>
+          </a:effectRef>
+          <a:fontRef idx="minor">
+            <a:schemeClr val="lt1"/>
+          </a:fontRef>
+        </p:style>
+        <p:txBody>
+          <a:bodyPr rtlCol="0" anchor="ctr"/>
+          <a:lstStyle/>
+          <a:p>
+            <a:pPr algn="ctr"/>
+            <a:endParaRPr lang="it-IT"/>
+          </a:p>
+        </p:txBody>
+      </p:sp>
+      <p:sp>
+        <p:nvSpPr>
+          <p:cNvPr id="13" name="CasellaDiTesto 12"/>
+          <p:cNvSpPr txBox="1"/>
+          <p:nvPr/>
+        </p:nvSpPr>
+        <p:spPr>
+          <a:xfrm>
+            <a:off x="4209679" y="5162819"/>
+            <a:ext cx="2642332" cy="369332"/>
+          </a:xfrm>
+          <a:prstGeom prst="rect">
+            <a:avLst/>
+          </a:prstGeom>
+          <a:noFill/>
+        </p:spPr>
+        <p:txBody>
+          <a:bodyPr wrap="none" rtlCol="0">
+            <a:spAutoFit/>
+          </a:bodyPr>
+          <a:lstStyle/>
+          <a:p>
+            <a:r>
+              <a:rPr lang="it-IT" dirty="0" smtClean="0"/>
+              <a:t>Riga delle scale effettuate</a:t>
+            </a:r>
             <a:endParaRPr lang="it-IT" dirty="0"/>
           </a:p>
         </p:txBody>
       </p:sp>
+      <p:sp>
+        <p:nvSpPr>
+          <p:cNvPr id="14" name="Rettangolo 13"/>
+          <p:cNvSpPr/>
+          <p:nvPr/>
+        </p:nvSpPr>
+        <p:spPr>
+          <a:xfrm>
+            <a:off x="5225829" y="5597271"/>
+            <a:ext cx="617404" cy="713813"/>
+          </a:xfrm>
+          <a:prstGeom prst="rect">
+            <a:avLst/>
+          </a:prstGeom>
+        </p:spPr>
+        <p:style>
+          <a:lnRef idx="1">
+            <a:schemeClr val="accent1"/>
+          </a:lnRef>
+          <a:fillRef idx="3">
+            <a:schemeClr val="accent1"/>
+          </a:fillRef>
+          <a:effectRef idx="2">
+            <a:schemeClr val="accent1"/>
+          </a:effectRef>
+          <a:fontRef idx="minor">
+            <a:schemeClr val="lt1"/>
+          </a:fontRef>
+        </p:style>
+        <p:txBody>
+          <a:bodyPr rtlCol="0" anchor="ctr"/>
+          <a:lstStyle/>
+          <a:p>
+            <a:pPr algn="ctr"/>
+            <a:endParaRPr lang="it-IT"/>
+          </a:p>
+        </p:txBody>
+      </p:sp>
+      <p:sp>
+        <p:nvSpPr>
+          <p:cNvPr id="15" name="Rettangolo 14"/>
+          <p:cNvSpPr/>
+          <p:nvPr/>
+        </p:nvSpPr>
+        <p:spPr>
+          <a:xfrm>
+            <a:off x="6139605" y="5597271"/>
+            <a:ext cx="617404" cy="713813"/>
+          </a:xfrm>
+          <a:prstGeom prst="rect">
+            <a:avLst/>
+          </a:prstGeom>
+        </p:spPr>
+        <p:style>
+          <a:lnRef idx="1">
+            <a:schemeClr val="accent1"/>
+          </a:lnRef>
+          <a:fillRef idx="3">
+            <a:schemeClr val="accent1"/>
+          </a:fillRef>
+          <a:effectRef idx="2">
+            <a:schemeClr val="accent1"/>
+          </a:effectRef>
+          <a:fontRef idx="minor">
+            <a:schemeClr val="lt1"/>
+          </a:fontRef>
+        </p:style>
+        <p:txBody>
+          <a:bodyPr rtlCol="0" anchor="ctr"/>
+          <a:lstStyle/>
+          <a:p>
+            <a:pPr algn="ctr"/>
+            <a:endParaRPr lang="it-IT"/>
+          </a:p>
+        </p:txBody>
+      </p:sp>
+      <p:cxnSp>
+        <p:nvCxnSpPr>
+          <p:cNvPr id="10" name="Connettore 2 9"/>
+          <p:cNvCxnSpPr>
+            <a:stCxn id="8" idx="6"/>
+          </p:cNvCxnSpPr>
+          <p:nvPr/>
+        </p:nvCxnSpPr>
+        <p:spPr>
+          <a:xfrm>
+            <a:off x="2351776" y="5954178"/>
+            <a:ext cx="2057804" cy="0"/>
+          </a:xfrm>
+          <a:prstGeom prst="straightConnector1">
+            <a:avLst/>
+          </a:prstGeom>
+          <a:ln>
+            <a:solidFill>
+              <a:srgbClr val="008000"/>
+            </a:solidFill>
+            <a:tailEnd type="arrow"/>
+          </a:ln>
+        </p:spPr>
+        <p:style>
+          <a:lnRef idx="2">
+            <a:schemeClr val="accent1"/>
+          </a:lnRef>
+          <a:fillRef idx="0">
+            <a:schemeClr val="accent1"/>
+          </a:fillRef>
+          <a:effectRef idx="1">
+            <a:schemeClr val="accent1"/>
+          </a:effectRef>
+          <a:fontRef idx="minor">
+            <a:schemeClr val="tx1"/>
+          </a:fontRef>
+        </p:style>
+      </p:cxnSp>
     </p:spTree>
     <p:extLst>
       <p:ext uri="{BB962C8B-B14F-4D97-AF65-F5344CB8AC3E}">
-        <p14:creationId xmlns:p14="http://schemas.microsoft.com/office/powerpoint/2010/main" val="890880501"/>
+        <p14:creationId xmlns:p14="http://schemas.microsoft.com/office/powerpoint/2010/main" val="182969687"/>
       </p:ext>
     </p:extLst>
   </p:cSld>
@@ -3499,7 +3989,7 @@
           <a:p>
             <a:r>
               <a:rPr lang="it-IT" dirty="0" smtClean="0"/>
-              <a:t>Aiuti</a:t>
+              <a:t>Vittoria e sconfitta</a:t>
             </a:r>
             <a:endParaRPr lang="it-IT" dirty="0"/>
           </a:p>
@@ -3518,38 +4008,150 @@
         <p:spPr/>
         <p:txBody>
           <a:bodyPr>
-            <a:normAutofit fontScale="85000" lnSpcReduction="20000"/>
+            <a:normAutofit fontScale="47500" lnSpcReduction="20000"/>
           </a:bodyPr>
           <a:lstStyle/>
           <a:p>
             <a:pPr marL="0" indent="0">
               <a:buNone/>
             </a:pPr>
-            <a:r>
-              <a:rPr lang="it-IT" dirty="0" smtClean="0"/>
-              <a:t>Abbiamo pensato tre tipologie di aiuti:</a:t>
-            </a:r>
-          </a:p>
-          <a:p>
-            <a:r>
-              <a:rPr lang="it-IT" dirty="0" smtClean="0"/>
-              <a:t>Annullamento mossa</a:t>
-            </a:r>
-          </a:p>
-          <a:p>
-            <a:r>
-              <a:rPr lang="it-IT" dirty="0" smtClean="0"/>
-              <a:t>Pausa del timer</a:t>
-            </a:r>
-          </a:p>
-          <a:p>
-            <a:r>
-              <a:rPr lang="it-IT" dirty="0" smtClean="0"/>
-              <a:t>Suggerimento mossa</a:t>
-            </a:r>
-          </a:p>
-          <a:p>
-            <a:endParaRPr lang="it-IT" dirty="0" smtClean="0"/>
+            <a:endParaRPr lang="it-IT" i="1" dirty="0" smtClean="0"/>
+          </a:p>
+          <a:p>
+            <a:pPr marL="0" indent="0"/>
+            <a:r>
+              <a:rPr lang="it-IT" sz="4500" dirty="0" smtClean="0"/>
+              <a:t>      Controllo integrato </a:t>
+            </a:r>
+            <a:r>
+              <a:rPr lang="it-IT" sz="4500" dirty="0" smtClean="0"/>
+              <a:t>con il controllo delle </a:t>
+            </a:r>
+            <a:r>
+              <a:rPr lang="it-IT" sz="4500" dirty="0" smtClean="0"/>
+              <a:t>scale</a:t>
+            </a:r>
+            <a:endParaRPr lang="it-IT" sz="4500" dirty="0" smtClean="0"/>
+          </a:p>
+          <a:p>
+            <a:pPr marL="0" indent="0"/>
+            <a:r>
+              <a:rPr lang="it-IT" sz="4500" dirty="0" smtClean="0"/>
+              <a:t>      Viene </a:t>
+            </a:r>
+            <a:r>
+              <a:rPr lang="it-IT" sz="4500" dirty="0" smtClean="0"/>
+              <a:t>utilizzata </a:t>
+            </a:r>
+            <a:r>
+              <a:rPr lang="it-IT" sz="4500" dirty="0" smtClean="0"/>
+              <a:t>variabile contatore </a:t>
+            </a:r>
+            <a:r>
+              <a:rPr lang="it-IT" sz="4500" dirty="0" smtClean="0"/>
+              <a:t>che </a:t>
+            </a:r>
+            <a:r>
+              <a:rPr lang="it-IT" sz="4500" dirty="0" smtClean="0"/>
+              <a:t>incrementa </a:t>
+            </a:r>
+            <a:r>
+              <a:rPr lang="it-IT" sz="4500" dirty="0" smtClean="0"/>
+              <a:t>ogni volta che una </a:t>
+            </a:r>
+            <a:r>
+              <a:rPr lang="it-IT" sz="4500" dirty="0" smtClean="0"/>
+              <a:t>     scala </a:t>
+            </a:r>
+            <a:r>
+              <a:rPr lang="it-IT" sz="4500" dirty="0" smtClean="0"/>
+              <a:t>viene effettuata, </a:t>
+            </a:r>
+            <a:r>
+              <a:rPr lang="it-IT" sz="4500" dirty="0" smtClean="0"/>
+              <a:t>quando </a:t>
+            </a:r>
+            <a:r>
+              <a:rPr lang="it-IT" sz="4500" dirty="0" smtClean="0"/>
+              <a:t>il suo valore </a:t>
+            </a:r>
+            <a:r>
+              <a:rPr lang="it-IT" sz="4500" dirty="0" smtClean="0"/>
+              <a:t>sarà uguale a  </a:t>
+            </a:r>
+            <a:r>
+              <a:rPr lang="it-IT" sz="4500" dirty="0" smtClean="0"/>
+              <a:t>otto </a:t>
+            </a:r>
+            <a:r>
+              <a:rPr lang="it-IT" sz="4500" dirty="0" smtClean="0"/>
+              <a:t>si </a:t>
+            </a:r>
+            <a:r>
+              <a:rPr lang="it-IT" sz="4500" dirty="0" smtClean="0"/>
+              <a:t>raggiungerà la </a:t>
+            </a:r>
+            <a:r>
+              <a:rPr lang="it-IT" sz="4500" dirty="0" smtClean="0"/>
+              <a:t>vittoria</a:t>
+            </a:r>
+          </a:p>
+          <a:p>
+            <a:r>
+              <a:rPr lang="it-IT" sz="4500" dirty="0" smtClean="0"/>
+              <a:t>La partita è considerata persa se, allo scadere del timer, non sono state completate le otto scale.</a:t>
+            </a:r>
+            <a:endParaRPr lang="it-IT" sz="4500" dirty="0"/>
+          </a:p>
+          <a:p>
+            <a:pPr marL="0" indent="0">
+              <a:buNone/>
+            </a:pPr>
+            <a:endParaRPr lang="it-IT" i="1" dirty="0" smtClean="0"/>
+          </a:p>
+          <a:p>
+            <a:pPr marL="0" indent="0">
+              <a:buNone/>
+            </a:pPr>
+            <a:endParaRPr lang="it-IT" i="1" dirty="0"/>
+          </a:p>
+          <a:p>
+            <a:pPr marL="0" indent="0">
+              <a:buNone/>
+            </a:pPr>
+            <a:r>
+              <a:rPr lang="it-IT" i="1" dirty="0" smtClean="0"/>
+              <a:t>Il </a:t>
+            </a:r>
+            <a:r>
+              <a:rPr lang="it-IT" i="1" dirty="0" err="1"/>
+              <a:t>tab</a:t>
+            </a:r>
+            <a:r>
+              <a:rPr lang="it-IT" i="1" dirty="0"/>
+              <a:t> vittoria presenta una </a:t>
+            </a:r>
+            <a:r>
+              <a:rPr lang="it-IT" i="1" dirty="0" smtClean="0"/>
+              <a:t>animazione di </a:t>
+            </a:r>
+            <a:r>
+              <a:rPr lang="it-IT" i="1" dirty="0" err="1" smtClean="0"/>
+              <a:t>flip</a:t>
+            </a:r>
+            <a:r>
+              <a:rPr lang="it-IT" i="1" dirty="0" smtClean="0"/>
+              <a:t> </a:t>
+            </a:r>
+            <a:r>
+              <a:rPr lang="it-IT" i="1" dirty="0"/>
+              <a:t>realizzata con l’ausilio di un </a:t>
+            </a:r>
+            <a:r>
+              <a:rPr lang="it-IT" i="1" dirty="0" err="1" smtClean="0"/>
+              <a:t>plugin</a:t>
+            </a:r>
+            <a:endParaRPr lang="it-IT" i="1" dirty="0"/>
           </a:p>
           <a:p>
             <a:pPr marL="0" indent="0">
@@ -3557,21 +4159,11 @@
             </a:pPr>
             <a:endParaRPr lang="it-IT" dirty="0"/>
           </a:p>
-          <a:p>
-            <a:pPr marL="0" indent="0">
-              <a:buNone/>
-            </a:pPr>
-            <a:r>
-              <a:rPr lang="it-IT" i="1" dirty="0" smtClean="0"/>
-              <a:t>Ogni aiuto, tranne la pausa, influisce sul punteggio.</a:t>
-            </a:r>
-            <a:endParaRPr lang="it-IT" i="1" dirty="0"/>
-          </a:p>
         </p:txBody>
       </p:sp>
       <p:pic>
         <p:nvPicPr>
-          <p:cNvPr id="5" name="Immagine 4" descr="help.gif"/>
+          <p:cNvPr id="4" name="Immagine 3" descr="045362-green-jelly-icon-sports-hobbies-ribbon1.png"/>
           <p:cNvPicPr>
             <a:picLocks noChangeAspect="1"/>
           </p:cNvPicPr>
@@ -3600,14 +4192,193 @@
         </p:blipFill>
         <p:spPr>
           <a:xfrm>
-            <a:off x="5905827" y="3042652"/>
-            <a:ext cx="2235558" cy="1422185"/>
+            <a:off x="6714444" y="4049901"/>
+            <a:ext cx="2808099" cy="2808099"/>
           </a:xfrm>
           <a:prstGeom prst="rect">
             <a:avLst/>
           </a:prstGeom>
         </p:spPr>
       </p:pic>
+    </p:spTree>
+    <p:extLst>
+      <p:ext uri="{BB962C8B-B14F-4D97-AF65-F5344CB8AC3E}">
+        <p14:creationId xmlns:p14="http://schemas.microsoft.com/office/powerpoint/2010/main" val="760541336"/>
+      </p:ext>
+    </p:extLst>
+  </p:cSld>
+  <p:clrMapOvr>
+    <a:masterClrMapping/>
+  </p:clrMapOvr>
+</p:sld>
+</file>
+
+<file path=ppt/slides/slide13.xml><?xml version="1.0" encoding="utf-8"?>
+<p:sld xmlns:a="http://schemas.openxmlformats.org/drawingml/2006/main" xmlns:r="http://schemas.openxmlformats.org/officeDocument/2006/relationships" xmlns:p="http://schemas.openxmlformats.org/presentationml/2006/main">
+  <p:cSld>
+    <p:spTree>
+      <p:nvGrpSpPr>
+        <p:cNvPr id="1" name=""/>
+        <p:cNvGrpSpPr/>
+        <p:nvPr/>
+      </p:nvGrpSpPr>
+      <p:grpSpPr>
+        <a:xfrm>
+          <a:off x="0" y="0"/>
+          <a:ext cx="0" cy="0"/>
+          <a:chOff x="0" y="0"/>
+          <a:chExt cx="0" cy="0"/>
+        </a:xfrm>
+      </p:grpSpPr>
+      <p:sp>
+        <p:nvSpPr>
+          <p:cNvPr id="2" name="Titolo 1"/>
+          <p:cNvSpPr>
+            <a:spLocks noGrp="1"/>
+          </p:cNvSpPr>
+          <p:nvPr>
+            <p:ph type="title"/>
+          </p:nvPr>
+        </p:nvSpPr>
+        <p:spPr>
+          <a:xfrm>
+            <a:off x="457200" y="3361488"/>
+            <a:ext cx="8229600" cy="1143000"/>
+          </a:xfrm>
+        </p:spPr>
+        <p:txBody>
+          <a:bodyPr/>
+          <a:lstStyle/>
+          <a:p>
+            <a:r>
+              <a:rPr lang="it-IT" dirty="0" smtClean="0"/>
+              <a:t>Varie</a:t>
+            </a:r>
+            <a:endParaRPr lang="it-IT" dirty="0"/>
+          </a:p>
+        </p:txBody>
+      </p:sp>
+    </p:spTree>
+    <p:extLst>
+      <p:ext uri="{BB962C8B-B14F-4D97-AF65-F5344CB8AC3E}">
+        <p14:creationId xmlns:p14="http://schemas.microsoft.com/office/powerpoint/2010/main" val="3439240807"/>
+      </p:ext>
+    </p:extLst>
+  </p:cSld>
+  <p:clrMapOvr>
+    <a:masterClrMapping/>
+  </p:clrMapOvr>
+</p:sld>
+</file>
+
+<file path=ppt/slides/slide14.xml><?xml version="1.0" encoding="utf-8"?>
+<p:sld xmlns:a="http://schemas.openxmlformats.org/drawingml/2006/main" xmlns:r="http://schemas.openxmlformats.org/officeDocument/2006/relationships" xmlns:p="http://schemas.openxmlformats.org/presentationml/2006/main">
+  <p:cSld>
+    <p:spTree>
+      <p:nvGrpSpPr>
+        <p:cNvPr id="1" name=""/>
+        <p:cNvGrpSpPr/>
+        <p:nvPr/>
+      </p:nvGrpSpPr>
+      <p:grpSpPr>
+        <a:xfrm>
+          <a:off x="0" y="0"/>
+          <a:ext cx="0" cy="0"/>
+          <a:chOff x="0" y="0"/>
+          <a:chExt cx="0" cy="0"/>
+        </a:xfrm>
+      </p:grpSpPr>
+      <p:sp>
+        <p:nvSpPr>
+          <p:cNvPr id="2" name="Titolo 1"/>
+          <p:cNvSpPr>
+            <a:spLocks noGrp="1"/>
+          </p:cNvSpPr>
+          <p:nvPr>
+            <p:ph type="title"/>
+          </p:nvPr>
+        </p:nvSpPr>
+        <p:spPr/>
+        <p:txBody>
+          <a:bodyPr/>
+          <a:lstStyle/>
+          <a:p>
+            <a:r>
+              <a:rPr lang="it-IT" dirty="0" smtClean="0"/>
+              <a:t>Aiuti</a:t>
+            </a:r>
+            <a:endParaRPr lang="it-IT" dirty="0"/>
+          </a:p>
+        </p:txBody>
+      </p:sp>
+      <p:sp>
+        <p:nvSpPr>
+          <p:cNvPr id="3" name="Segnaposto contenuto 2"/>
+          <p:cNvSpPr>
+            <a:spLocks noGrp="1"/>
+          </p:cNvSpPr>
+          <p:nvPr>
+            <p:ph idx="1"/>
+          </p:nvPr>
+        </p:nvSpPr>
+        <p:spPr/>
+        <p:txBody>
+          <a:bodyPr>
+            <a:normAutofit fontScale="85000" lnSpcReduction="20000"/>
+          </a:bodyPr>
+          <a:lstStyle/>
+          <a:p>
+            <a:pPr marL="0" indent="0">
+              <a:buNone/>
+            </a:pPr>
+            <a:r>
+              <a:rPr lang="it-IT" dirty="0" smtClean="0"/>
+              <a:t>Abbiamo pensato tre tipologie di aiuti:</a:t>
+            </a:r>
+          </a:p>
+          <a:p>
+            <a:r>
+              <a:rPr lang="it-IT" smtClean="0"/>
+              <a:t>Annullamento dell’ultima </a:t>
+            </a:r>
+            <a:r>
+              <a:rPr lang="it-IT" dirty="0" smtClean="0"/>
+              <a:t>mossa</a:t>
+            </a:r>
+          </a:p>
+          <a:p>
+            <a:r>
+              <a:rPr lang="it-IT" dirty="0" smtClean="0"/>
+              <a:t>Pausa del timer</a:t>
+            </a:r>
+          </a:p>
+          <a:p>
+            <a:r>
+              <a:rPr lang="it-IT" dirty="0" smtClean="0"/>
+              <a:t>Suggerimento mossa</a:t>
+            </a:r>
+          </a:p>
+          <a:p>
+            <a:endParaRPr lang="it-IT" dirty="0" smtClean="0"/>
+          </a:p>
+          <a:p>
+            <a:pPr marL="0" indent="0">
+              <a:buNone/>
+            </a:pPr>
+            <a:endParaRPr lang="it-IT" dirty="0"/>
+          </a:p>
+          <a:p>
+            <a:pPr marL="0" indent="0">
+              <a:buNone/>
+            </a:pPr>
+            <a:r>
+              <a:rPr lang="it-IT" i="1" dirty="0" smtClean="0"/>
+              <a:t>Ogni aiuto, tranne la pausa, influisce sul punteggio.</a:t>
+            </a:r>
+            <a:endParaRPr lang="it-IT" i="1" dirty="0"/>
+          </a:p>
+        </p:txBody>
+      </p:sp>
     </p:spTree>
     <p:extLst>
       <p:ext uri="{BB962C8B-B14F-4D97-AF65-F5344CB8AC3E}">
@@ -3621,7 +4392,7 @@
 </p:sld>
 </file>
 
-<file path=ppt/slides/slide13.xml><?xml version="1.0" encoding="utf-8"?>
+<file path=ppt/slides/slide15.xml><?xml version="1.0" encoding="utf-8"?>
 <p:sld xmlns:a="http://schemas.openxmlformats.org/drawingml/2006/main" xmlns:r="http://schemas.openxmlformats.org/officeDocument/2006/relationships" xmlns:p="http://schemas.openxmlformats.org/presentationml/2006/main">
   <p:cSld>
     <p:spTree>
@@ -3742,7 +4513,7 @@
 </p:sld>
 </file>
 
-<file path=ppt/slides/slide14.xml><?xml version="1.0" encoding="utf-8"?>
+<file path=ppt/slides/slide16.xml><?xml version="1.0" encoding="utf-8"?>
 <p:sld xmlns:a="http://schemas.openxmlformats.org/drawingml/2006/main" xmlns:r="http://schemas.openxmlformats.org/officeDocument/2006/relationships" xmlns:p="http://schemas.openxmlformats.org/presentationml/2006/main">
   <p:cSld>
     <p:spTree>
@@ -3769,6 +4540,163 @@
             <p:ph type="title"/>
           </p:nvPr>
         </p:nvSpPr>
+        <p:spPr/>
+        <p:txBody>
+          <a:bodyPr/>
+          <a:lstStyle/>
+          <a:p>
+            <a:r>
+              <a:rPr lang="it-IT" dirty="0" smtClean="0"/>
+              <a:t>Cross </a:t>
+            </a:r>
+            <a:r>
+              <a:rPr lang="it-IT" dirty="0" err="1" smtClean="0"/>
+              <a:t>browsing</a:t>
+            </a:r>
+            <a:endParaRPr lang="it-IT" dirty="0"/>
+          </a:p>
+        </p:txBody>
+      </p:sp>
+      <p:sp>
+        <p:nvSpPr>
+          <p:cNvPr id="3" name="Segnaposto contenuto 2"/>
+          <p:cNvSpPr>
+            <a:spLocks noGrp="1"/>
+          </p:cNvSpPr>
+          <p:nvPr>
+            <p:ph idx="1"/>
+          </p:nvPr>
+        </p:nvSpPr>
+        <p:spPr/>
+        <p:txBody>
+          <a:bodyPr>
+            <a:normAutofit fontScale="92500" lnSpcReduction="10000"/>
+          </a:bodyPr>
+          <a:lstStyle/>
+          <a:p>
+            <a:pPr marL="0" indent="0">
+              <a:buNone/>
+            </a:pPr>
+            <a:r>
+              <a:rPr lang="it-IT" dirty="0" smtClean="0"/>
+              <a:t>Il progetto è stato testato su:</a:t>
+            </a:r>
+          </a:p>
+          <a:p>
+            <a:r>
+              <a:rPr lang="it-IT" dirty="0" smtClean="0"/>
+              <a:t>Internet </a:t>
+            </a:r>
+            <a:r>
+              <a:rPr lang="it-IT" dirty="0" err="1" smtClean="0"/>
+              <a:t>explorer</a:t>
+            </a:r>
+            <a:endParaRPr lang="it-IT" dirty="0" smtClean="0"/>
+          </a:p>
+          <a:p>
+            <a:r>
+              <a:rPr lang="it-IT" dirty="0" smtClean="0"/>
+              <a:t>Safari</a:t>
+            </a:r>
+          </a:p>
+          <a:p>
+            <a:r>
+              <a:rPr lang="it-IT" dirty="0" smtClean="0"/>
+              <a:t>Google </a:t>
+            </a:r>
+            <a:r>
+              <a:rPr lang="it-IT" dirty="0" err="1" smtClean="0"/>
+              <a:t>chrome</a:t>
+            </a:r>
+            <a:endParaRPr lang="it-IT" dirty="0" smtClean="0"/>
+          </a:p>
+          <a:p>
+            <a:r>
+              <a:rPr lang="it-IT" dirty="0" smtClean="0"/>
+              <a:t>Opera</a:t>
+            </a:r>
+          </a:p>
+          <a:p>
+            <a:r>
+              <a:rPr lang="it-IT" dirty="0" err="1" smtClean="0"/>
+              <a:t>Mozilla</a:t>
+            </a:r>
+            <a:r>
+              <a:rPr lang="it-IT" dirty="0" smtClean="0"/>
+              <a:t> </a:t>
+            </a:r>
+            <a:r>
+              <a:rPr lang="it-IT" dirty="0" err="1" smtClean="0"/>
+              <a:t>firefox</a:t>
+            </a:r>
+            <a:endParaRPr lang="it-IT" dirty="0"/>
+          </a:p>
+        </p:txBody>
+      </p:sp>
+      <p:pic>
+        <p:nvPicPr>
+          <p:cNvPr id="4" name="Immagine 3"/>
+          <p:cNvPicPr>
+            <a:picLocks noChangeAspect="1"/>
+          </p:cNvPicPr>
+          <p:nvPr/>
+        </p:nvPicPr>
+        <p:blipFill>
+          <a:blip r:embed="rId2"/>
+          <a:stretch>
+            <a:fillRect/>
+          </a:stretch>
+        </p:blipFill>
+        <p:spPr>
+          <a:xfrm>
+            <a:off x="4850357" y="3140784"/>
+            <a:ext cx="3427896" cy="1725199"/>
+          </a:xfrm>
+          <a:prstGeom prst="rect">
+            <a:avLst/>
+          </a:prstGeom>
+        </p:spPr>
+      </p:pic>
+    </p:spTree>
+    <p:extLst>
+      <p:ext uri="{BB962C8B-B14F-4D97-AF65-F5344CB8AC3E}">
+        <p14:creationId xmlns:p14="http://schemas.microsoft.com/office/powerpoint/2010/main" val="1819326914"/>
+      </p:ext>
+    </p:extLst>
+  </p:cSld>
+  <p:clrMapOvr>
+    <a:masterClrMapping/>
+  </p:clrMapOvr>
+</p:sld>
+</file>
+
+<file path=ppt/slides/slide17.xml><?xml version="1.0" encoding="utf-8"?>
+<p:sld xmlns:a="http://schemas.openxmlformats.org/drawingml/2006/main" xmlns:r="http://schemas.openxmlformats.org/officeDocument/2006/relationships" xmlns:p="http://schemas.openxmlformats.org/presentationml/2006/main">
+  <p:cSld>
+    <p:spTree>
+      <p:nvGrpSpPr>
+        <p:cNvPr id="1" name=""/>
+        <p:cNvGrpSpPr/>
+        <p:nvPr/>
+      </p:nvGrpSpPr>
+      <p:grpSpPr>
+        <a:xfrm>
+          <a:off x="0" y="0"/>
+          <a:ext cx="0" cy="0"/>
+          <a:chOff x="0" y="0"/>
+          <a:chExt cx="0" cy="0"/>
+        </a:xfrm>
+      </p:grpSpPr>
+      <p:sp>
+        <p:nvSpPr>
+          <p:cNvPr id="2" name="Titolo 1"/>
+          <p:cNvSpPr>
+            <a:spLocks noGrp="1"/>
+          </p:cNvSpPr>
+          <p:nvPr>
+            <p:ph type="title"/>
+          </p:nvPr>
+        </p:nvSpPr>
         <p:spPr>
           <a:xfrm>
             <a:off x="457200" y="3421195"/>
@@ -3804,7 +4732,7 @@
 </p:sld>
 </file>
 
-<file path=ppt/slides/slide15.xml><?xml version="1.0" encoding="utf-8"?>
+<file path=ppt/slides/slide18.xml><?xml version="1.0" encoding="utf-8"?>
 <p:sld xmlns:a="http://schemas.openxmlformats.org/drawingml/2006/main" xmlns:r="http://schemas.openxmlformats.org/officeDocument/2006/relationships" xmlns:p="http://schemas.openxmlformats.org/presentationml/2006/main">
   <p:cSld>
     <p:spTree>
@@ -4003,7 +4931,7 @@
 </p:sld>
 </file>
 
-<file path=ppt/slides/slide16.xml><?xml version="1.0" encoding="utf-8"?>
+<file path=ppt/slides/slide19.xml><?xml version="1.0" encoding="utf-8"?>
 <p:sld xmlns:a="http://schemas.openxmlformats.org/drawingml/2006/main" xmlns:r="http://schemas.openxmlformats.org/officeDocument/2006/relationships" xmlns:p="http://schemas.openxmlformats.org/presentationml/2006/main">
   <p:cSld>
     <p:spTree>
@@ -4056,7 +4984,7 @@
         <p:spPr/>
         <p:txBody>
           <a:bodyPr>
-            <a:normAutofit fontScale="55000" lnSpcReduction="20000"/>
+            <a:normAutofit fontScale="47500" lnSpcReduction="20000"/>
           </a:bodyPr>
           <a:lstStyle/>
           <a:p>
@@ -4285,8 +5213,59 @@
                   <a:srgbClr val="FFFFFF"/>
                 </a:solidFill>
               </a:rPr>
-              <a:t>ottimizzazione codice e grafica</a:t>
-            </a:r>
+              <a:t>ottimizzazione codice e </a:t>
+            </a:r>
+            <a:r>
+              <a:rPr lang="it-IT" sz="3800" dirty="0" smtClean="0">
+                <a:solidFill>
+                  <a:srgbClr val="FFFFFF"/>
+                </a:solidFill>
+              </a:rPr>
+              <a:t>grafica</a:t>
+            </a:r>
+          </a:p>
+          <a:p>
+            <a:pPr lvl="1">
+              <a:spcBef>
+                <a:spcPts val="600"/>
+              </a:spcBef>
+              <a:buFont typeface="Arial"/>
+              <a:buChar char="•"/>
+              <a:defRPr sz="1800">
+                <a:solidFill>
+                  <a:srgbClr val="000000"/>
+                </a:solidFill>
+              </a:defRPr>
+            </a:pPr>
+            <a:r>
+              <a:rPr lang="it-IT" sz="3800" dirty="0">
+                <a:solidFill>
+                  <a:srgbClr val="FFFFFF"/>
+                </a:solidFill>
+              </a:rPr>
+              <a:t>d</a:t>
+            </a:r>
+            <a:r>
+              <a:rPr lang="it-IT" sz="3800" dirty="0" smtClean="0">
+                <a:solidFill>
+                  <a:srgbClr val="FFFFFF"/>
+                </a:solidFill>
+              </a:rPr>
+              <a:t>ocumentazione  e ricerca </a:t>
+            </a:r>
+            <a:r>
+              <a:rPr lang="it-IT" sz="3800" smtClean="0">
+                <a:solidFill>
+                  <a:srgbClr val="FFFFFF"/>
+                </a:solidFill>
+              </a:rPr>
+              <a:t>di stili</a:t>
+            </a:r>
+            <a:endParaRPr lang="it-IT" sz="3800" dirty="0">
+              <a:solidFill>
+                <a:srgbClr val="FFFFFF"/>
+              </a:solidFill>
+            </a:endParaRPr>
           </a:p>
           <a:p>
             <a:pPr marL="0" indent="0">
@@ -4327,7 +5306,7 @@
         </p:blipFill>
         <p:spPr>
           <a:xfrm>
-            <a:off x="5571850" y="2296316"/>
+            <a:off x="5230535" y="2660822"/>
             <a:ext cx="3456265" cy="2592199"/>
           </a:xfrm>
           <a:prstGeom prst="rect">
@@ -4339,64 +5318,6 @@
     <p:extLst>
       <p:ext uri="{BB962C8B-B14F-4D97-AF65-F5344CB8AC3E}">
         <p14:creationId xmlns:p14="http://schemas.microsoft.com/office/powerpoint/2010/main" val="3277299934"/>
-      </p:ext>
-    </p:extLst>
-  </p:cSld>
-  <p:clrMapOvr>
-    <a:masterClrMapping/>
-  </p:clrMapOvr>
-</p:sld>
-</file>
-
-<file path=ppt/slides/slide17.xml><?xml version="1.0" encoding="utf-8"?>
-<p:sld xmlns:a="http://schemas.openxmlformats.org/drawingml/2006/main" xmlns:r="http://schemas.openxmlformats.org/officeDocument/2006/relationships" xmlns:p="http://schemas.openxmlformats.org/presentationml/2006/main">
-  <p:cSld>
-    <p:spTree>
-      <p:nvGrpSpPr>
-        <p:cNvPr id="1" name=""/>
-        <p:cNvGrpSpPr/>
-        <p:nvPr/>
-      </p:nvGrpSpPr>
-      <p:grpSpPr>
-        <a:xfrm>
-          <a:off x="0" y="0"/>
-          <a:ext cx="0" cy="0"/>
-          <a:chOff x="0" y="0"/>
-          <a:chExt cx="0" cy="0"/>
-        </a:xfrm>
-      </p:grpSpPr>
-      <p:sp>
-        <p:nvSpPr>
-          <p:cNvPr id="2" name="Titolo 1"/>
-          <p:cNvSpPr>
-            <a:spLocks noGrp="1"/>
-          </p:cNvSpPr>
-          <p:nvPr>
-            <p:ph type="title"/>
-          </p:nvPr>
-        </p:nvSpPr>
-        <p:spPr>
-          <a:xfrm>
-            <a:off x="457200" y="2826179"/>
-            <a:ext cx="8229600" cy="1143000"/>
-          </a:xfrm>
-        </p:spPr>
-        <p:txBody>
-          <a:bodyPr/>
-          <a:lstStyle/>
-          <a:p>
-            <a:r>
-              <a:rPr lang="it-IT" dirty="0" smtClean="0"/>
-              <a:t>FINE</a:t>
-            </a:r>
-            <a:endParaRPr lang="it-IT" dirty="0"/>
-          </a:p>
-        </p:txBody>
-      </p:sp>
-    </p:spTree>
-    <p:extLst>
-      <p:ext uri="{BB962C8B-B14F-4D97-AF65-F5344CB8AC3E}">
-        <p14:creationId xmlns:p14="http://schemas.microsoft.com/office/powerpoint/2010/main" val="1579449816"/>
       </p:ext>
     </p:extLst>
   </p:cSld>
@@ -4459,6 +5380,64 @@
     <p:extLst>
       <p:ext uri="{BB962C8B-B14F-4D97-AF65-F5344CB8AC3E}">
         <p14:creationId xmlns:p14="http://schemas.microsoft.com/office/powerpoint/2010/main" val="3794903198"/>
+      </p:ext>
+    </p:extLst>
+  </p:cSld>
+  <p:clrMapOvr>
+    <a:masterClrMapping/>
+  </p:clrMapOvr>
+</p:sld>
+</file>
+
+<file path=ppt/slides/slide20.xml><?xml version="1.0" encoding="utf-8"?>
+<p:sld xmlns:a="http://schemas.openxmlformats.org/drawingml/2006/main" xmlns:r="http://schemas.openxmlformats.org/officeDocument/2006/relationships" xmlns:p="http://schemas.openxmlformats.org/presentationml/2006/main">
+  <p:cSld>
+    <p:spTree>
+      <p:nvGrpSpPr>
+        <p:cNvPr id="1" name=""/>
+        <p:cNvGrpSpPr/>
+        <p:nvPr/>
+      </p:nvGrpSpPr>
+      <p:grpSpPr>
+        <a:xfrm>
+          <a:off x="0" y="0"/>
+          <a:ext cx="0" cy="0"/>
+          <a:chOff x="0" y="0"/>
+          <a:chExt cx="0" cy="0"/>
+        </a:xfrm>
+      </p:grpSpPr>
+      <p:sp>
+        <p:nvSpPr>
+          <p:cNvPr id="2" name="Titolo 1"/>
+          <p:cNvSpPr>
+            <a:spLocks noGrp="1"/>
+          </p:cNvSpPr>
+          <p:nvPr>
+            <p:ph type="title"/>
+          </p:nvPr>
+        </p:nvSpPr>
+        <p:spPr>
+          <a:xfrm>
+            <a:off x="457200" y="2826179"/>
+            <a:ext cx="8229600" cy="1143000"/>
+          </a:xfrm>
+        </p:spPr>
+        <p:txBody>
+          <a:bodyPr/>
+          <a:lstStyle/>
+          <a:p>
+            <a:r>
+              <a:rPr lang="it-IT" dirty="0" smtClean="0"/>
+              <a:t>FINE</a:t>
+            </a:r>
+            <a:endParaRPr lang="it-IT" dirty="0"/>
+          </a:p>
+        </p:txBody>
+      </p:sp>
+    </p:spTree>
+    <p:extLst>
+      <p:ext uri="{BB962C8B-B14F-4D97-AF65-F5344CB8AC3E}">
+        <p14:creationId xmlns:p14="http://schemas.microsoft.com/office/powerpoint/2010/main" val="1579449816"/>
       </p:ext>
     </p:extLst>
   </p:cSld>
@@ -5087,7 +6066,7 @@
           <a:p>
             <a:r>
               <a:rPr lang="it-IT" dirty="0" smtClean="0"/>
-              <a:t>Logica generale carte</a:t>
+              <a:t>Logica generale</a:t>
             </a:r>
             <a:endParaRPr lang="it-IT" dirty="0"/>
           </a:p>
@@ -5103,7 +6082,12 @@
             <p:ph idx="1"/>
           </p:nvPr>
         </p:nvSpPr>
-        <p:spPr/>
+        <p:spPr>
+          <a:xfrm>
+            <a:off x="457200" y="1776574"/>
+            <a:ext cx="8229600" cy="4525963"/>
+          </a:xfrm>
+        </p:spPr>
         <p:txBody>
           <a:bodyPr>
             <a:normAutofit fontScale="77500" lnSpcReduction="20000"/>
@@ -5121,11 +6105,7 @@
             </a:pPr>
             <a:r>
               <a:rPr lang="it-IT" dirty="0" smtClean="0"/>
-              <a:t>Vi sono 10 div madre che ospitano un numero variabile di </a:t>
-            </a:r>
-            <a:r>
-              <a:rPr lang="it-IT" dirty="0" smtClean="0"/>
-              <a:t>div figli (annidati fra loro).</a:t>
+              <a:t>Vi sono 10 div madre che ospitano un numero variabile di div figli (annidati fra loro).</a:t>
             </a:r>
           </a:p>
           <a:p>
@@ -5140,11 +6120,7 @@
             </a:pPr>
             <a:r>
               <a:rPr lang="it-IT" dirty="0" smtClean="0"/>
-              <a:t>Ogni div figlio è dotato </a:t>
-            </a:r>
-            <a:r>
-              <a:rPr lang="it-IT" dirty="0" smtClean="0"/>
-              <a:t>di:</a:t>
+              <a:t>Ogni div figlio è dotato di:</a:t>
             </a:r>
           </a:p>
           <a:p>
@@ -5497,10 +6473,15 @@
             <p:ph idx="1"/>
           </p:nvPr>
         </p:nvSpPr>
-        <p:spPr/>
+        <p:spPr>
+          <a:xfrm>
+            <a:off x="457200" y="1600441"/>
+            <a:ext cx="8229600" cy="4525963"/>
+          </a:xfrm>
+        </p:spPr>
         <p:txBody>
           <a:bodyPr>
-            <a:normAutofit fontScale="62500" lnSpcReduction="20000"/>
+            <a:normAutofit fontScale="32500" lnSpcReduction="20000"/>
           </a:bodyPr>
           <a:lstStyle/>
           <a:p>
@@ -5508,31 +6489,31 @@
               <a:buNone/>
             </a:pPr>
             <a:r>
-              <a:rPr lang="it-IT" dirty="0" smtClean="0"/>
+              <a:rPr lang="it-IT" sz="4900" dirty="0" smtClean="0"/>
               <a:t>Iniziata la partita vengono distribuite le prime 54 carte coperte , l’ultima carta di ogni colonna viene poi:</a:t>
             </a:r>
           </a:p>
           <a:p>
             <a:r>
-              <a:rPr lang="it-IT" dirty="0" smtClean="0"/>
+              <a:rPr lang="it-IT" sz="4900" dirty="0" smtClean="0"/>
               <a:t>Rivelata </a:t>
             </a:r>
           </a:p>
           <a:p>
             <a:r>
-              <a:rPr lang="it-IT" dirty="0"/>
+              <a:rPr lang="it-IT" sz="4900" dirty="0"/>
               <a:t>R</a:t>
             </a:r>
             <a:r>
-              <a:rPr lang="it-IT" dirty="0" smtClean="0"/>
+              <a:rPr lang="it-IT" sz="4900" dirty="0" smtClean="0"/>
               <a:t>esa ‘</a:t>
             </a:r>
             <a:r>
-              <a:rPr lang="it-IT" dirty="0" err="1" smtClean="0"/>
+              <a:rPr lang="it-IT" sz="4900" dirty="0" err="1" smtClean="0"/>
               <a:t>draggabile</a:t>
             </a:r>
             <a:r>
-              <a:rPr lang="it-IT" dirty="0" smtClean="0"/>
+              <a:rPr lang="it-IT" sz="4900" dirty="0" smtClean="0"/>
               <a:t>’</a:t>
             </a:r>
           </a:p>
@@ -5540,37 +6521,61 @@
             <a:pPr marL="0" indent="0">
               <a:buNone/>
             </a:pPr>
-            <a:endParaRPr lang="it-IT" dirty="0" smtClean="0"/>
+            <a:endParaRPr lang="it-IT" sz="4900" dirty="0"/>
           </a:p>
           <a:p>
             <a:pPr marL="0" indent="0">
               <a:buNone/>
             </a:pPr>
-            <a:endParaRPr lang="it-IT" dirty="0"/>
+            <a:r>
+              <a:rPr lang="it-IT" sz="4900" dirty="0" smtClean="0"/>
+              <a:t>Ogni carta, all’avvio </a:t>
+            </a:r>
+            <a:r>
+              <a:rPr lang="it-IT" sz="4900" dirty="0" smtClean="0"/>
+              <a:t>del gioco, è resa ‘</a:t>
+            </a:r>
+            <a:r>
+              <a:rPr lang="it-IT" sz="4900" dirty="0" err="1" smtClean="0"/>
+              <a:t>droppabble</a:t>
+            </a:r>
+            <a:r>
+              <a:rPr lang="it-IT" sz="4900" dirty="0" smtClean="0"/>
+              <a:t>’</a:t>
+            </a:r>
+            <a:endParaRPr lang="it-IT" sz="4900" dirty="0" smtClean="0"/>
           </a:p>
           <a:p>
             <a:pPr marL="0" indent="0">
               <a:buNone/>
             </a:pPr>
-            <a:endParaRPr lang="it-IT" i="1" dirty="0" smtClean="0"/>
+            <a:endParaRPr lang="it-IT" sz="4900" dirty="0" smtClean="0"/>
           </a:p>
           <a:p>
             <a:pPr marL="0" indent="0">
               <a:buNone/>
             </a:pPr>
-            <a:endParaRPr lang="it-IT" i="1" dirty="0"/>
+            <a:endParaRPr lang="it-IT" sz="4900" dirty="0"/>
           </a:p>
           <a:p>
             <a:pPr marL="0" indent="0">
               <a:buNone/>
             </a:pPr>
-            <a:r>
-              <a:rPr lang="it-IT" i="1" dirty="0" smtClean="0"/>
-              <a:t>Ad </a:t>
-            </a:r>
-            <a:r>
-              <a:rPr lang="it-IT" i="1" dirty="0" smtClean="0"/>
-              <a:t>ogni click su il mazzo inferiore vengono appese 10 nuove carte all’ultima carta di ogni colonna.</a:t>
+            <a:endParaRPr lang="it-IT" sz="4900" i="1" dirty="0" smtClean="0"/>
+          </a:p>
+          <a:p>
+            <a:pPr marL="0" indent="0">
+              <a:buNone/>
+            </a:pPr>
+            <a:endParaRPr lang="it-IT" sz="4900" i="1" dirty="0"/>
+          </a:p>
+          <a:p>
+            <a:pPr marL="0" indent="0">
+              <a:buNone/>
+            </a:pPr>
+            <a:r>
+              <a:rPr lang="it-IT" sz="4900" i="1" dirty="0" smtClean="0"/>
+              <a:t>Ad ogni click su il mazzo inferiore vengono appese 10 nuove carte all’ultima carta di ogni colonna.</a:t>
             </a:r>
           </a:p>
           <a:p>
@@ -5992,7 +6997,7 @@
           <a:p>
             <a:r>
               <a:rPr lang="it-IT" dirty="0" smtClean="0"/>
-              <a:t>Spostamento carte</a:t>
+              <a:t>Spostamento singolo</a:t>
             </a:r>
             <a:endParaRPr lang="it-IT" dirty="0"/>
           </a:p>
@@ -6011,98 +7016,112 @@
         <p:spPr/>
         <p:txBody>
           <a:bodyPr>
-            <a:normAutofit fontScale="70000" lnSpcReduction="20000"/>
+            <a:normAutofit fontScale="77500" lnSpcReduction="20000"/>
           </a:bodyPr>
           <a:lstStyle/>
           <a:p>
-            <a:pPr marL="0" indent="0" algn="ctr">
+            <a:pPr marL="0" indent="0">
               <a:buNone/>
             </a:pPr>
             <a:r>
               <a:rPr lang="it-IT" dirty="0" smtClean="0"/>
-              <a:t>Singolo (massimino)</a:t>
-            </a:r>
-          </a:p>
-          <a:p>
-            <a:pPr marL="0" indent="0" algn="ctr">
-              <a:buNone/>
+              <a:t>Quando </a:t>
+            </a:r>
+            <a:r>
+              <a:rPr lang="it-IT" dirty="0"/>
+              <a:t>avviene lo spostamento di una carta su una colonna:</a:t>
+            </a:r>
+          </a:p>
+          <a:p>
+            <a:pPr marL="0" indent="0"/>
+            <a:r>
+              <a:rPr lang="it-IT" dirty="0"/>
+              <a:t>R</a:t>
+            </a:r>
+            <a:r>
+              <a:rPr lang="it-IT" dirty="0" smtClean="0"/>
+              <a:t>icavo </a:t>
+            </a:r>
+            <a:r>
+              <a:rPr lang="it-IT" dirty="0"/>
+              <a:t>il valore dell’ ultima carta della colonna e controllo che sia uguale al valore della carta spostata </a:t>
+            </a:r>
+            <a:r>
+              <a:rPr lang="it-IT" dirty="0" smtClean="0"/>
+              <a:t>aumentato di uno</a:t>
+            </a:r>
+            <a:endParaRPr lang="it-IT" dirty="0"/>
+          </a:p>
+          <a:p>
+            <a:pPr marL="400050" lvl="1" indent="0">
+              <a:buFont typeface="Corbel" pitchFamily="34" charset="0"/>
+              <a:buChar char="–"/>
             </a:pPr>
             <a:r>
-              <a:rPr lang="it-IT" dirty="0" smtClean="0"/>
-              <a:t>USA PURE UN’ALTRA SLIDE SE NON CI STA</a:t>
-            </a:r>
-          </a:p>
-          <a:p>
-            <a:pPr marL="0" indent="0" algn="ctr">
-              <a:buNone/>
+              <a:rPr lang="it-IT" dirty="0"/>
+              <a:t>se il valore non </a:t>
+            </a:r>
+            <a:r>
+              <a:rPr lang="it-IT" dirty="0" smtClean="0"/>
+              <a:t>coincide allora, </a:t>
+            </a:r>
+            <a:r>
+              <a:rPr lang="it-IT" dirty="0"/>
+              <a:t>tramite la proprietà </a:t>
+            </a:r>
+            <a:r>
+              <a:rPr lang="it-IT" dirty="0" err="1" smtClean="0"/>
+              <a:t>revert</a:t>
+            </a:r>
+            <a:r>
+              <a:rPr lang="it-IT" dirty="0" smtClean="0"/>
+              <a:t>, </a:t>
+            </a:r>
+            <a:r>
+              <a:rPr lang="it-IT" dirty="0"/>
+              <a:t>la si fa tornare </a:t>
+            </a:r>
+            <a:r>
+              <a:rPr lang="it-IT" dirty="0" smtClean="0"/>
+              <a:t>nella sua </a:t>
+            </a:r>
+            <a:r>
+              <a:rPr lang="it-IT" dirty="0"/>
+              <a:t>posizione</a:t>
+            </a:r>
+          </a:p>
+          <a:p>
+            <a:pPr marL="400050" lvl="1" indent="0">
+              <a:buFont typeface="Corbel" pitchFamily="34" charset="0"/>
+              <a:buChar char="–"/>
             </a:pPr>
             <a:r>
-              <a:rPr lang="it-IT" dirty="0" smtClean="0"/>
-              <a:t>Multiplo: (</a:t>
-            </a:r>
-            <a:r>
-              <a:rPr lang="it-IT" smtClean="0"/>
-              <a:t>da migliorare)</a:t>
-            </a:r>
-            <a:endParaRPr lang="it-IT" dirty="0" smtClean="0"/>
-          </a:p>
-          <a:p>
-            <a:pPr marL="0" indent="0">
-              <a:buNone/>
-            </a:pPr>
-            <a:r>
-              <a:rPr lang="it-IT" dirty="0" smtClean="0"/>
-              <a:t>Ad ogni spostamento:</a:t>
-            </a:r>
-          </a:p>
-          <a:p>
-            <a:r>
-              <a:rPr lang="it-IT" dirty="0" smtClean="0"/>
-              <a:t> Tutte la carte vengono rese non </a:t>
-            </a:r>
-            <a:r>
-              <a:rPr lang="it-IT" dirty="0" err="1" smtClean="0"/>
-              <a:t>draggabil</a:t>
-            </a:r>
-            <a:endParaRPr lang="it-IT" dirty="0" smtClean="0"/>
-          </a:p>
-          <a:p>
-            <a:r>
               <a:rPr lang="it-IT" dirty="0"/>
-              <a:t>O</a:t>
-            </a:r>
-            <a:r>
-              <a:rPr lang="it-IT" dirty="0" smtClean="0"/>
-              <a:t>gni colonna viene passata dall’ultima riga alla prima</a:t>
-            </a:r>
-          </a:p>
-          <a:p>
-            <a:r>
-              <a:rPr lang="it-IT" dirty="0" smtClean="0"/>
-              <a:t>Ogni cella viene resa </a:t>
-            </a:r>
-            <a:r>
-              <a:rPr lang="it-IT" dirty="0" err="1" smtClean="0"/>
-              <a:t>draggabile</a:t>
-            </a:r>
-            <a:r>
-              <a:rPr lang="it-IT" dirty="0" smtClean="0"/>
-              <a:t> fino a che:</a:t>
-            </a:r>
-          </a:p>
-          <a:p>
-            <a:pPr lvl="1"/>
-            <a:r>
-              <a:rPr lang="it-IT" dirty="0" smtClean="0"/>
-              <a:t> non si interrompe la scala </a:t>
-            </a:r>
-          </a:p>
-          <a:p>
-            <a:pPr lvl="1"/>
-            <a:r>
-              <a:rPr lang="it-IT" dirty="0" smtClean="0"/>
-              <a:t>si incontra una carta coperta</a:t>
-            </a:r>
+              <a:t>Se il valore è esatto </a:t>
+            </a:r>
+            <a:r>
+              <a:rPr lang="it-IT" dirty="0" smtClean="0"/>
+              <a:t>rimuovo la </a:t>
+            </a:r>
+            <a:r>
+              <a:rPr lang="it-IT" dirty="0"/>
+              <a:t>carta spostata dalla vecchia colonna e </a:t>
+            </a:r>
+            <a:r>
+              <a:rPr lang="it-IT" dirty="0" smtClean="0"/>
+              <a:t>la appendo alla </a:t>
+            </a:r>
+            <a:r>
+              <a:rPr lang="it-IT" dirty="0"/>
+              <a:t>nuova colonna </a:t>
+            </a:r>
+            <a:r>
+              <a:rPr lang="it-IT" dirty="0" smtClean="0"/>
+              <a:t>aggiornandone l’ID </a:t>
+            </a:r>
+            <a:endParaRPr lang="it-IT" dirty="0"/>
+          </a:p>
+          <a:p>
             <a:endParaRPr lang="it-IT" dirty="0"/>
           </a:p>
         </p:txBody>
@@ -6110,7 +7129,7 @@
     </p:spTree>
     <p:extLst>
       <p:ext uri="{BB962C8B-B14F-4D97-AF65-F5344CB8AC3E}">
-        <p14:creationId xmlns:p14="http://schemas.microsoft.com/office/powerpoint/2010/main" val="2321803055"/>
+        <p14:creationId xmlns:p14="http://schemas.microsoft.com/office/powerpoint/2010/main" val="4215303999"/>
       </p:ext>
     </p:extLst>
   </p:cSld>

--- a/Presentazione_Spider.pptx
+++ b/Presentazione_Spider.pptx
@@ -18,8 +18,8 @@
     <p:sldId id="278" r:id="rId12"/>
     <p:sldId id="279" r:id="rId13"/>
     <p:sldId id="276" r:id="rId14"/>
-    <p:sldId id="267" r:id="rId15"/>
-    <p:sldId id="270" r:id="rId16"/>
+    <p:sldId id="270" r:id="rId15"/>
+    <p:sldId id="267" r:id="rId16"/>
     <p:sldId id="277" r:id="rId17"/>
     <p:sldId id="271" r:id="rId18"/>
     <p:sldId id="273" r:id="rId19"/>
@@ -3192,8 +3192,12 @@
               <a:t>Nikolov</a:t>
             </a:r>
             <a:r>
+              <a:rPr lang="it-IT" dirty="0"/>
+              <a:t> </a:t>
+            </a:r>
+            <a:r>
               <a:rPr lang="it-IT" dirty="0" smtClean="0"/>
-              <a:t>, </a:t>
+              <a:t>e </a:t>
             </a:r>
             <a:r>
               <a:rPr lang="it-IT" dirty="0" err="1" smtClean="0"/>
@@ -3261,55 +3265,50 @@
           <a:p>
             <a:r>
               <a:rPr lang="it-IT" dirty="0" smtClean="0"/>
-              <a:t>Spostamento </a:t>
-            </a:r>
+              <a:t>Spostamento multiplo</a:t>
+            </a:r>
+            <a:endParaRPr lang="it-IT" dirty="0"/>
+          </a:p>
+        </p:txBody>
+      </p:sp>
+      <p:sp>
+        <p:nvSpPr>
+          <p:cNvPr id="3" name="Segnaposto contenuto 2"/>
+          <p:cNvSpPr>
+            <a:spLocks noGrp="1"/>
+          </p:cNvSpPr>
+          <p:nvPr>
+            <p:ph idx="1"/>
+          </p:nvPr>
+        </p:nvSpPr>
+        <p:spPr/>
+        <p:txBody>
+          <a:bodyPr>
+            <a:normAutofit fontScale="70000" lnSpcReduction="20000"/>
+          </a:bodyPr>
+          <a:lstStyle/>
+          <a:p>
+            <a:pPr marL="0" indent="0">
+              <a:buNone/>
+            </a:pPr>
             <a:r>
               <a:rPr lang="it-IT" dirty="0" smtClean="0"/>
-              <a:t>multiplo</a:t>
-            </a:r>
-            <a:endParaRPr lang="it-IT" dirty="0"/>
-          </a:p>
-        </p:txBody>
-      </p:sp>
-      <p:sp>
-        <p:nvSpPr>
-          <p:cNvPr id="3" name="Segnaposto contenuto 2"/>
-          <p:cNvSpPr>
-            <a:spLocks noGrp="1"/>
-          </p:cNvSpPr>
-          <p:nvPr>
-            <p:ph idx="1"/>
-          </p:nvPr>
-        </p:nvSpPr>
-        <p:spPr/>
-        <p:txBody>
-          <a:bodyPr>
-            <a:normAutofit fontScale="85000" lnSpcReduction="10000"/>
-          </a:bodyPr>
-          <a:lstStyle/>
-          <a:p>
-            <a:pPr marL="0" indent="0">
-              <a:buNone/>
-            </a:pPr>
+              <a:t>Ad ogni spostamento:</a:t>
+            </a:r>
+          </a:p>
+          <a:p>
             <a:r>
               <a:rPr lang="it-IT" dirty="0" smtClean="0"/>
-              <a:t>Ad </a:t>
+              <a:t> Tutte la carte vengono rese non ‘</a:t>
+            </a:r>
+            <a:r>
+              <a:rPr lang="it-IT" dirty="0" err="1" smtClean="0"/>
+              <a:t>draggabili</a:t>
             </a:r>
             <a:r>
               <a:rPr lang="it-IT" dirty="0" smtClean="0"/>
-              <a:t>ogni spostamento:</a:t>
-            </a:r>
-          </a:p>
-          <a:p>
-            <a:r>
-              <a:rPr lang="it-IT" dirty="0" smtClean="0"/>
-              <a:t> Tutte la carte vengono rese non </a:t>
-            </a:r>
-            <a:r>
-              <a:rPr lang="it-IT" dirty="0" err="1" smtClean="0"/>
-              <a:t>draggabil</a:t>
-            </a:r>
-            <a:endParaRPr lang="it-IT" dirty="0" smtClean="0"/>
+              <a:t>’</a:t>
+            </a:r>
           </a:p>
           <a:p>
             <a:r>
@@ -3318,13 +3317,7 @@
             </a:r>
             <a:r>
               <a:rPr lang="it-IT" dirty="0" smtClean="0"/>
-              <a:t>gni colonna viene passata dall’ultima riga alla prima</a:t>
-            </a:r>
-          </a:p>
-          <a:p>
-            <a:r>
-              <a:rPr lang="it-IT" dirty="0" smtClean="0"/>
-              <a:t>Ogni cella viene resa </a:t>
+              <a:t>gni colonna viene passata dall’ultima riga alla prima e viene resa ‘</a:t>
             </a:r>
             <a:r>
               <a:rPr lang="it-IT" dirty="0" err="1" smtClean="0"/>
@@ -3332,7 +3325,7 @@
             </a:r>
             <a:r>
               <a:rPr lang="it-IT" dirty="0" smtClean="0"/>
-              <a:t> fino a che:</a:t>
+              <a:t>’ fino a che:</a:t>
             </a:r>
           </a:p>
           <a:p>
@@ -3348,7 +3341,245 @@
               <a:rPr lang="it-IT" dirty="0" smtClean="0"/>
               <a:t>si incontra una carta coperta</a:t>
             </a:r>
+          </a:p>
+          <a:p>
+            <a:pPr lvl="1"/>
             <a:endParaRPr lang="it-IT" dirty="0"/>
+          </a:p>
+          <a:p>
+            <a:pPr marL="457200" lvl="1" indent="0">
+              <a:buNone/>
+            </a:pPr>
+            <a:r>
+              <a:rPr lang="it-IT" i="1" dirty="0" smtClean="0"/>
+              <a:t>Per le proprietà dei div annidati sarà possibile spostare a blocchi tutte le carte ‘</a:t>
+            </a:r>
+            <a:r>
+              <a:rPr lang="it-IT" i="1" dirty="0" err="1" smtClean="0"/>
+              <a:t>draggabili</a:t>
+            </a:r>
+            <a:r>
+              <a:rPr lang="it-IT" i="1" dirty="0" smtClean="0"/>
+              <a:t>’.</a:t>
+            </a:r>
+            <a:endParaRPr lang="it-IT" i="1" dirty="0"/>
+          </a:p>
+        </p:txBody>
+      </p:sp>
+      <p:sp>
+        <p:nvSpPr>
+          <p:cNvPr id="4" name="Rettangolo 3"/>
+          <p:cNvSpPr/>
+          <p:nvPr/>
+        </p:nvSpPr>
+        <p:spPr>
+          <a:xfrm>
+            <a:off x="6315186" y="3566310"/>
+            <a:ext cx="664037" cy="821715"/>
+          </a:xfrm>
+          <a:prstGeom prst="rect">
+            <a:avLst/>
+          </a:prstGeom>
+        </p:spPr>
+        <p:style>
+          <a:lnRef idx="1">
+            <a:schemeClr val="accent1"/>
+          </a:lnRef>
+          <a:fillRef idx="3">
+            <a:schemeClr val="accent1"/>
+          </a:fillRef>
+          <a:effectRef idx="2">
+            <a:schemeClr val="accent1"/>
+          </a:effectRef>
+          <a:fontRef idx="minor">
+            <a:schemeClr val="lt1"/>
+          </a:fontRef>
+        </p:style>
+        <p:txBody>
+          <a:bodyPr rtlCol="0" anchor="ctr"/>
+          <a:lstStyle/>
+          <a:p>
+            <a:pPr algn="ctr"/>
+            <a:endParaRPr lang="it-IT" sz="1000" dirty="0"/>
+          </a:p>
+        </p:txBody>
+      </p:sp>
+      <p:sp>
+        <p:nvSpPr>
+          <p:cNvPr id="5" name="Rettangolo 4"/>
+          <p:cNvSpPr/>
+          <p:nvPr/>
+        </p:nvSpPr>
+        <p:spPr>
+          <a:xfrm>
+            <a:off x="8022763" y="3566311"/>
+            <a:ext cx="664037" cy="821715"/>
+          </a:xfrm>
+          <a:prstGeom prst="rect">
+            <a:avLst/>
+          </a:prstGeom>
+        </p:spPr>
+        <p:style>
+          <a:lnRef idx="1">
+            <a:schemeClr val="accent1"/>
+          </a:lnRef>
+          <a:fillRef idx="3">
+            <a:schemeClr val="accent1"/>
+          </a:fillRef>
+          <a:effectRef idx="2">
+            <a:schemeClr val="accent1"/>
+          </a:effectRef>
+          <a:fontRef idx="minor">
+            <a:schemeClr val="lt1"/>
+          </a:fontRef>
+        </p:style>
+        <p:txBody>
+          <a:bodyPr rtlCol="0" anchor="ctr"/>
+          <a:lstStyle/>
+          <a:p>
+            <a:pPr algn="ctr"/>
+            <a:endParaRPr lang="it-IT" sz="1000" dirty="0"/>
+          </a:p>
+        </p:txBody>
+      </p:sp>
+      <p:sp>
+        <p:nvSpPr>
+          <p:cNvPr id="6" name="Rettangolo 5"/>
+          <p:cNvSpPr/>
+          <p:nvPr/>
+        </p:nvSpPr>
+        <p:spPr>
+          <a:xfrm>
+            <a:off x="6315186" y="3847051"/>
+            <a:ext cx="664037" cy="821715"/>
+          </a:xfrm>
+          <a:prstGeom prst="rect">
+            <a:avLst/>
+          </a:prstGeom>
+          <a:solidFill>
+            <a:srgbClr val="3366FF"/>
+          </a:solidFill>
+        </p:spPr>
+        <p:style>
+          <a:lnRef idx="1">
+            <a:schemeClr val="accent1"/>
+          </a:lnRef>
+          <a:fillRef idx="3">
+            <a:schemeClr val="accent1"/>
+          </a:fillRef>
+          <a:effectRef idx="2">
+            <a:schemeClr val="accent1"/>
+          </a:effectRef>
+          <a:fontRef idx="minor">
+            <a:schemeClr val="lt1"/>
+          </a:fontRef>
+        </p:style>
+        <p:txBody>
+          <a:bodyPr rtlCol="0" anchor="ctr"/>
+          <a:lstStyle/>
+          <a:p>
+            <a:pPr algn="ctr"/>
+            <a:r>
+              <a:rPr lang="it-IT" sz="1000" dirty="0" smtClean="0"/>
+              <a:t>7</a:t>
+            </a:r>
+            <a:endParaRPr lang="it-IT" sz="1000" dirty="0"/>
+          </a:p>
+        </p:txBody>
+      </p:sp>
+      <p:sp>
+        <p:nvSpPr>
+          <p:cNvPr id="7" name="Freccia destra 6"/>
+          <p:cNvSpPr/>
+          <p:nvPr/>
+        </p:nvSpPr>
+        <p:spPr>
+          <a:xfrm rot="21015901">
+            <a:off x="6887173" y="3996400"/>
+            <a:ext cx="1316995" cy="282312"/>
+          </a:xfrm>
+          <a:prstGeom prst="rightArrow">
+            <a:avLst/>
+          </a:prstGeom>
+          <a:pattFill prst="ltDnDiag">
+            <a:fgClr>
+              <a:schemeClr val="accent3"/>
+            </a:fgClr>
+            <a:bgClr>
+              <a:prstClr val="white"/>
+            </a:bgClr>
+          </a:pattFill>
+          <a:ln>
+            <a:solidFill>
+              <a:srgbClr val="008000"/>
+            </a:solidFill>
+          </a:ln>
+        </p:spPr>
+        <p:style>
+          <a:lnRef idx="1">
+            <a:schemeClr val="accent1"/>
+          </a:lnRef>
+          <a:fillRef idx="3">
+            <a:schemeClr val="accent1"/>
+          </a:fillRef>
+          <a:effectRef idx="2">
+            <a:schemeClr val="accent1"/>
+          </a:effectRef>
+          <a:fontRef idx="minor">
+            <a:schemeClr val="lt1"/>
+          </a:fontRef>
+        </p:style>
+        <p:txBody>
+          <a:bodyPr rtlCol="0" anchor="ctr"/>
+          <a:lstStyle/>
+          <a:p>
+            <a:pPr algn="ctr"/>
+            <a:endParaRPr lang="it-IT"/>
+          </a:p>
+        </p:txBody>
+      </p:sp>
+      <p:sp>
+        <p:nvSpPr>
+          <p:cNvPr id="8" name="Rettangolo 7"/>
+          <p:cNvSpPr/>
+          <p:nvPr/>
+        </p:nvSpPr>
+        <p:spPr>
+          <a:xfrm>
+            <a:off x="6315186" y="4388025"/>
+            <a:ext cx="664037" cy="821715"/>
+          </a:xfrm>
+          <a:prstGeom prst="rect">
+            <a:avLst/>
+          </a:prstGeom>
+          <a:solidFill>
+            <a:srgbClr val="3366FF"/>
+          </a:solidFill>
+        </p:spPr>
+        <p:style>
+          <a:lnRef idx="1">
+            <a:schemeClr val="accent1"/>
+          </a:lnRef>
+          <a:fillRef idx="3">
+            <a:schemeClr val="accent1"/>
+          </a:fillRef>
+          <a:effectRef idx="2">
+            <a:schemeClr val="accent1"/>
+          </a:effectRef>
+          <a:fontRef idx="minor">
+            <a:schemeClr val="lt1"/>
+          </a:fontRef>
+        </p:style>
+        <p:txBody>
+          <a:bodyPr rtlCol="0" anchor="ctr"/>
+          <a:lstStyle/>
+          <a:p>
+            <a:pPr algn="ctr"/>
+            <a:r>
+              <a:rPr lang="it-IT" sz="1000" dirty="0" smtClean="0"/>
+              <a:t>6</a:t>
+            </a:r>
+            <a:endParaRPr lang="it-IT" sz="1000" dirty="0"/>
           </a:p>
         </p:txBody>
       </p:sp>
@@ -3440,11 +3671,11 @@
             <a:pPr marL="0" indent="0"/>
             <a:r>
               <a:rPr lang="it-IT" sz="2400" dirty="0" smtClean="0"/>
-              <a:t>Integrato </a:t>
+              <a:t>Controllo integrato nello </a:t>
             </a:r>
             <a:r>
               <a:rPr lang="it-IT" sz="2400" dirty="0"/>
-              <a:t>con lo spostamento delle </a:t>
+              <a:t>spostamento delle </a:t>
             </a:r>
             <a:r>
               <a:rPr lang="it-IT" sz="2400" dirty="0" smtClean="0"/>
@@ -3456,55 +3687,22 @@
             <a:pPr marL="0" indent="0"/>
             <a:r>
               <a:rPr lang="it-IT" sz="2400" dirty="0" smtClean="0"/>
-              <a:t>Al </a:t>
-            </a:r>
-            <a:r>
-              <a:rPr lang="it-IT" sz="2400" dirty="0" smtClean="0"/>
-              <a:t>controllo </a:t>
-            </a:r>
-            <a:r>
-              <a:rPr lang="it-IT" sz="2400" dirty="0" smtClean="0"/>
-              <a:t>della  presenza </a:t>
-            </a:r>
-            <a:r>
-              <a:rPr lang="it-IT" sz="2400" dirty="0" smtClean="0"/>
-              <a:t>di una </a:t>
-            </a:r>
-            <a:r>
-              <a:rPr lang="it-IT" sz="2400" dirty="0" smtClean="0"/>
-              <a:t>scala (multi-drag), se essa è completa (formata da 13 carte):</a:t>
+              <a:t>Al controllo della  presenza di una scala (multi-drag), se essa è completa (formata da 13 carte):</a:t>
             </a:r>
           </a:p>
           <a:p>
             <a:pPr marL="400050" lvl="1" indent="0"/>
             <a:r>
               <a:rPr lang="it-IT" sz="2000" dirty="0" smtClean="0"/>
-              <a:t> La scala viene </a:t>
-            </a:r>
+              <a:t> La scala viene spostata nella riga delle scale effettuate</a:t>
+            </a:r>
+          </a:p>
+          <a:p>
+            <a:pPr marL="400050" lvl="1" indent="0"/>
             <a:r>
               <a:rPr lang="it-IT" sz="2000" dirty="0" smtClean="0"/>
-              <a:t>spostata </a:t>
-            </a:r>
-            <a:r>
-              <a:rPr lang="it-IT" sz="2000" dirty="0" smtClean="0"/>
-              <a:t>nella riga delle </a:t>
-            </a:r>
-            <a:r>
-              <a:rPr lang="it-IT" sz="2000" dirty="0" smtClean="0"/>
-              <a:t>scale </a:t>
-            </a:r>
-            <a:r>
-              <a:rPr lang="it-IT" sz="2000" dirty="0" smtClean="0"/>
-              <a:t>effettuate</a:t>
-            </a:r>
-          </a:p>
-          <a:p>
-            <a:pPr marL="400050" lvl="1" indent="0"/>
-            <a:r>
-              <a:rPr lang="it-IT" sz="2000" dirty="0" smtClean="0"/>
-              <a:t> Viene rimossa dalle righe di gioco effettive</a:t>
-            </a:r>
-            <a:endParaRPr lang="it-IT" sz="2000" dirty="0" smtClean="0"/>
+              <a:t> Viene rimossa dalla sezione di gioco effettiva</a:t>
+            </a:r>
           </a:p>
           <a:p>
             <a:pPr marL="0" indent="0">
@@ -4021,79 +4219,14 @@
             <a:pPr marL="0" indent="0"/>
             <a:r>
               <a:rPr lang="it-IT" sz="4500" dirty="0" smtClean="0"/>
-              <a:t>      Controllo integrato </a:t>
-            </a:r>
+              <a:t>      Controllo integrato con il controllo delle scale</a:t>
+            </a:r>
+          </a:p>
+          <a:p>
+            <a:pPr marL="0" indent="0"/>
             <a:r>
               <a:rPr lang="it-IT" sz="4500" dirty="0" smtClean="0"/>
-              <a:t>con il controllo delle </a:t>
-            </a:r>
-            <a:r>
-              <a:rPr lang="it-IT" sz="4500" dirty="0" smtClean="0"/>
-              <a:t>scale</a:t>
-            </a:r>
-            <a:endParaRPr lang="it-IT" sz="4500" dirty="0" smtClean="0"/>
-          </a:p>
-          <a:p>
-            <a:pPr marL="0" indent="0"/>
-            <a:r>
-              <a:rPr lang="it-IT" sz="4500" dirty="0" smtClean="0"/>
-              <a:t>      Viene </a:t>
-            </a:r>
-            <a:r>
-              <a:rPr lang="it-IT" sz="4500" dirty="0" smtClean="0"/>
-              <a:t>utilizzata </a:t>
-            </a:r>
-            <a:r>
-              <a:rPr lang="it-IT" sz="4500" dirty="0" smtClean="0"/>
-              <a:t>variabile contatore </a:t>
-            </a:r>
-            <a:r>
-              <a:rPr lang="it-IT" sz="4500" dirty="0" smtClean="0"/>
-              <a:t>che </a:t>
-            </a:r>
-            <a:r>
-              <a:rPr lang="it-IT" sz="4500" dirty="0" smtClean="0"/>
-              <a:t>incrementa </a:t>
-            </a:r>
-            <a:r>
-              <a:rPr lang="it-IT" sz="4500" dirty="0" smtClean="0"/>
-              <a:t>ogni volta che una </a:t>
-            </a:r>
-            <a:r>
-              <a:rPr lang="it-IT" sz="4500" dirty="0" smtClean="0"/>
-              <a:t>     scala </a:t>
-            </a:r>
-            <a:r>
-              <a:rPr lang="it-IT" sz="4500" dirty="0" smtClean="0"/>
-              <a:t>viene effettuata, </a:t>
-            </a:r>
-            <a:r>
-              <a:rPr lang="it-IT" sz="4500" dirty="0" smtClean="0"/>
-              <a:t>quando </a:t>
-            </a:r>
-            <a:r>
-              <a:rPr lang="it-IT" sz="4500" dirty="0" smtClean="0"/>
-              <a:t>il suo valore </a:t>
-            </a:r>
-            <a:r>
-              <a:rPr lang="it-IT" sz="4500" dirty="0" smtClean="0"/>
-              <a:t>sarà uguale a  </a:t>
-            </a:r>
-            <a:r>
-              <a:rPr lang="it-IT" sz="4500" dirty="0" smtClean="0"/>
-              <a:t>otto </a:t>
-            </a:r>
-            <a:r>
-              <a:rPr lang="it-IT" sz="4500" dirty="0" smtClean="0"/>
-              <a:t>si </a:t>
-            </a:r>
-            <a:r>
-              <a:rPr lang="it-IT" sz="4500" dirty="0" smtClean="0"/>
-              <a:t>raggiungerà la </a:t>
-            </a:r>
-            <a:r>
-              <a:rPr lang="it-IT" sz="4500" dirty="0" smtClean="0"/>
-              <a:t>vittoria</a:t>
+              <a:t>      Viene utilizzata una  variabile contatore che incrementa ogni volta che una scala viene effettuata, quando il suo valore sarà uguale a  otto si raggiungerà la vittoria</a:t>
             </a:r>
           </a:p>
           <a:p>
@@ -4305,127 +4438,6 @@
           <a:p>
             <a:r>
               <a:rPr lang="it-IT" dirty="0" smtClean="0"/>
-              <a:t>Aiuti</a:t>
-            </a:r>
-            <a:endParaRPr lang="it-IT" dirty="0"/>
-          </a:p>
-        </p:txBody>
-      </p:sp>
-      <p:sp>
-        <p:nvSpPr>
-          <p:cNvPr id="3" name="Segnaposto contenuto 2"/>
-          <p:cNvSpPr>
-            <a:spLocks noGrp="1"/>
-          </p:cNvSpPr>
-          <p:nvPr>
-            <p:ph idx="1"/>
-          </p:nvPr>
-        </p:nvSpPr>
-        <p:spPr/>
-        <p:txBody>
-          <a:bodyPr>
-            <a:normAutofit fontScale="85000" lnSpcReduction="20000"/>
-          </a:bodyPr>
-          <a:lstStyle/>
-          <a:p>
-            <a:pPr marL="0" indent="0">
-              <a:buNone/>
-            </a:pPr>
-            <a:r>
-              <a:rPr lang="it-IT" dirty="0" smtClean="0"/>
-              <a:t>Abbiamo pensato tre tipologie di aiuti:</a:t>
-            </a:r>
-          </a:p>
-          <a:p>
-            <a:r>
-              <a:rPr lang="it-IT" smtClean="0"/>
-              <a:t>Annullamento dell’ultima </a:t>
-            </a:r>
-            <a:r>
-              <a:rPr lang="it-IT" dirty="0" smtClean="0"/>
-              <a:t>mossa</a:t>
-            </a:r>
-          </a:p>
-          <a:p>
-            <a:r>
-              <a:rPr lang="it-IT" dirty="0" smtClean="0"/>
-              <a:t>Pausa del timer</a:t>
-            </a:r>
-          </a:p>
-          <a:p>
-            <a:r>
-              <a:rPr lang="it-IT" dirty="0" smtClean="0"/>
-              <a:t>Suggerimento mossa</a:t>
-            </a:r>
-          </a:p>
-          <a:p>
-            <a:endParaRPr lang="it-IT" dirty="0" smtClean="0"/>
-          </a:p>
-          <a:p>
-            <a:pPr marL="0" indent="0">
-              <a:buNone/>
-            </a:pPr>
-            <a:endParaRPr lang="it-IT" dirty="0"/>
-          </a:p>
-          <a:p>
-            <a:pPr marL="0" indent="0">
-              <a:buNone/>
-            </a:pPr>
-            <a:r>
-              <a:rPr lang="it-IT" i="1" dirty="0" smtClean="0"/>
-              <a:t>Ogni aiuto, tranne la pausa, influisce sul punteggio.</a:t>
-            </a:r>
-            <a:endParaRPr lang="it-IT" i="1" dirty="0"/>
-          </a:p>
-        </p:txBody>
-      </p:sp>
-    </p:spTree>
-    <p:extLst>
-      <p:ext uri="{BB962C8B-B14F-4D97-AF65-F5344CB8AC3E}">
-        <p14:creationId xmlns:p14="http://schemas.microsoft.com/office/powerpoint/2010/main" val="3708207315"/>
-      </p:ext>
-    </p:extLst>
-  </p:cSld>
-  <p:clrMapOvr>
-    <a:masterClrMapping/>
-  </p:clrMapOvr>
-</p:sld>
-</file>
-
-<file path=ppt/slides/slide15.xml><?xml version="1.0" encoding="utf-8"?>
-<p:sld xmlns:a="http://schemas.openxmlformats.org/drawingml/2006/main" xmlns:r="http://schemas.openxmlformats.org/officeDocument/2006/relationships" xmlns:p="http://schemas.openxmlformats.org/presentationml/2006/main">
-  <p:cSld>
-    <p:spTree>
-      <p:nvGrpSpPr>
-        <p:cNvPr id="1" name=""/>
-        <p:cNvGrpSpPr/>
-        <p:nvPr/>
-      </p:nvGrpSpPr>
-      <p:grpSpPr>
-        <a:xfrm>
-          <a:off x="0" y="0"/>
-          <a:ext cx="0" cy="0"/>
-          <a:chOff x="0" y="0"/>
-          <a:chExt cx="0" cy="0"/>
-        </a:xfrm>
-      </p:grpSpPr>
-      <p:sp>
-        <p:nvSpPr>
-          <p:cNvPr id="2" name="Titolo 1"/>
-          <p:cNvSpPr>
-            <a:spLocks noGrp="1"/>
-          </p:cNvSpPr>
-          <p:nvPr>
-            <p:ph type="title"/>
-          </p:nvPr>
-        </p:nvSpPr>
-        <p:spPr/>
-        <p:txBody>
-          <a:bodyPr/>
-          <a:lstStyle/>
-          <a:p>
-            <a:r>
-              <a:rPr lang="it-IT" dirty="0" smtClean="0"/>
               <a:t>Altre funzioni</a:t>
             </a:r>
             <a:endParaRPr lang="it-IT" dirty="0"/>
@@ -4466,6 +4478,12 @@
             <a:r>
               <a:rPr lang="it-IT" dirty="0" smtClean="0"/>
               <a:t>Timer e pausa</a:t>
+            </a:r>
+          </a:p>
+          <a:p>
+            <a:r>
+              <a:rPr lang="it-IT" dirty="0" smtClean="0"/>
+              <a:t>Aiuti</a:t>
             </a:r>
           </a:p>
         </p:txBody>
@@ -4513,6 +4531,237 @@
 </p:sld>
 </file>
 
+<file path=ppt/slides/slide15.xml><?xml version="1.0" encoding="utf-8"?>
+<p:sld xmlns:a="http://schemas.openxmlformats.org/drawingml/2006/main" xmlns:r="http://schemas.openxmlformats.org/officeDocument/2006/relationships" xmlns:p="http://schemas.openxmlformats.org/presentationml/2006/main">
+  <p:cSld>
+    <p:spTree>
+      <p:nvGrpSpPr>
+        <p:cNvPr id="1" name=""/>
+        <p:cNvGrpSpPr/>
+        <p:nvPr/>
+      </p:nvGrpSpPr>
+      <p:grpSpPr>
+        <a:xfrm>
+          <a:off x="0" y="0"/>
+          <a:ext cx="0" cy="0"/>
+          <a:chOff x="0" y="0"/>
+          <a:chExt cx="0" cy="0"/>
+        </a:xfrm>
+      </p:grpSpPr>
+      <p:pic>
+        <p:nvPicPr>
+          <p:cNvPr id="6" name="Immagine 5" descr="pausa-simbolo_318-9300.jpg"/>
+          <p:cNvPicPr>
+            <a:picLocks noChangeAspect="1"/>
+          </p:cNvPicPr>
+          <p:nvPr/>
+        </p:nvPicPr>
+        <p:blipFill>
+          <a:blip r:embed="rId2">
+            <a:extLst>
+              <a:ext uri="{BEBA8EAE-BF5A-486C-A8C5-ECC9F3942E4B}">
+                <a14:imgProps xmlns:a14="http://schemas.microsoft.com/office/drawing/2010/main">
+                  <a14:imgLayer r:embed="rId3">
+                    <a14:imgEffect>
+                      <a14:backgroundRemoval t="10000" b="90000" l="10000" r="90000">
+                        <a14:foregroundMark x1="62049" y1="36741" x2="62049" y2="36741"/>
+                      </a14:backgroundRemoval>
+                    </a14:imgEffect>
+                  </a14:imgLayer>
+                </a14:imgProps>
+              </a:ext>
+              <a:ext uri="{28A0092B-C50C-407E-A947-70E740481C1C}">
+                <a14:useLocalDpi xmlns:a14="http://schemas.microsoft.com/office/drawing/2010/main" val="0"/>
+              </a:ext>
+            </a:extLst>
+          </a:blip>
+          <a:stretch>
+            <a:fillRect/>
+          </a:stretch>
+        </p:blipFill>
+        <p:spPr>
+          <a:xfrm>
+            <a:off x="6129362" y="3692209"/>
+            <a:ext cx="1216953" cy="1445564"/>
+          </a:xfrm>
+          <a:prstGeom prst="rect">
+            <a:avLst/>
+          </a:prstGeom>
+        </p:spPr>
+      </p:pic>
+      <p:sp>
+        <p:nvSpPr>
+          <p:cNvPr id="2" name="Titolo 1"/>
+          <p:cNvSpPr>
+            <a:spLocks noGrp="1"/>
+          </p:cNvSpPr>
+          <p:nvPr>
+            <p:ph type="title"/>
+          </p:nvPr>
+        </p:nvSpPr>
+        <p:spPr/>
+        <p:txBody>
+          <a:bodyPr/>
+          <a:lstStyle/>
+          <a:p>
+            <a:r>
+              <a:rPr lang="it-IT" dirty="0" smtClean="0"/>
+              <a:t>Aiuti</a:t>
+            </a:r>
+            <a:endParaRPr lang="it-IT" dirty="0"/>
+          </a:p>
+        </p:txBody>
+      </p:sp>
+      <p:sp>
+        <p:nvSpPr>
+          <p:cNvPr id="3" name="Segnaposto contenuto 2"/>
+          <p:cNvSpPr>
+            <a:spLocks noGrp="1"/>
+          </p:cNvSpPr>
+          <p:nvPr>
+            <p:ph idx="1"/>
+          </p:nvPr>
+        </p:nvSpPr>
+        <p:spPr/>
+        <p:txBody>
+          <a:bodyPr>
+            <a:normAutofit fontScale="85000" lnSpcReduction="20000"/>
+          </a:bodyPr>
+          <a:lstStyle/>
+          <a:p>
+            <a:pPr marL="0" indent="0">
+              <a:buNone/>
+            </a:pPr>
+            <a:r>
+              <a:rPr lang="it-IT" dirty="0" smtClean="0"/>
+              <a:t>Abbiamo pensato tre tipologie di aiuti:</a:t>
+            </a:r>
+          </a:p>
+          <a:p>
+            <a:r>
+              <a:rPr lang="it-IT" smtClean="0"/>
+              <a:t>Annullamento dell’ultima </a:t>
+            </a:r>
+            <a:r>
+              <a:rPr lang="it-IT" dirty="0" smtClean="0"/>
+              <a:t>mossa</a:t>
+            </a:r>
+          </a:p>
+          <a:p>
+            <a:r>
+              <a:rPr lang="it-IT" dirty="0" smtClean="0"/>
+              <a:t>Pausa del timer</a:t>
+            </a:r>
+          </a:p>
+          <a:p>
+            <a:r>
+              <a:rPr lang="it-IT" dirty="0" smtClean="0"/>
+              <a:t>Suggerimento mossa</a:t>
+            </a:r>
+          </a:p>
+          <a:p>
+            <a:endParaRPr lang="it-IT" dirty="0" smtClean="0"/>
+          </a:p>
+          <a:p>
+            <a:pPr marL="0" indent="0">
+              <a:buNone/>
+            </a:pPr>
+            <a:endParaRPr lang="it-IT" dirty="0"/>
+          </a:p>
+          <a:p>
+            <a:pPr marL="0" indent="0">
+              <a:buNone/>
+            </a:pPr>
+            <a:r>
+              <a:rPr lang="it-IT" i="1" dirty="0" smtClean="0"/>
+              <a:t>Ogni aiuto, tranne la pausa, influisce sul punteggio.</a:t>
+            </a:r>
+            <a:endParaRPr lang="it-IT" i="1" dirty="0"/>
+          </a:p>
+        </p:txBody>
+      </p:sp>
+      <p:pic>
+        <p:nvPicPr>
+          <p:cNvPr id="4" name="Immagine 3" descr="Actions-help-hint-icon.png"/>
+          <p:cNvPicPr>
+            <a:picLocks noChangeAspect="1"/>
+          </p:cNvPicPr>
+          <p:nvPr/>
+        </p:nvPicPr>
+        <p:blipFill>
+          <a:blip r:embed="rId4">
+            <a:extLst>
+              <a:ext uri="{BEBA8EAE-BF5A-486C-A8C5-ECC9F3942E4B}">
+                <a14:imgProps xmlns:a14="http://schemas.microsoft.com/office/drawing/2010/main">
+                  <a14:imgLayer r:embed="rId5">
+                    <a14:imgEffect>
+                      <a14:saturation sat="200000"/>
+                    </a14:imgEffect>
+                  </a14:imgLayer>
+                </a14:imgProps>
+              </a:ext>
+              <a:ext uri="{28A0092B-C50C-407E-A947-70E740481C1C}">
+                <a14:useLocalDpi xmlns:a14="http://schemas.microsoft.com/office/drawing/2010/main" val="0"/>
+              </a:ext>
+            </a:extLst>
+          </a:blip>
+          <a:stretch>
+            <a:fillRect/>
+          </a:stretch>
+        </p:blipFill>
+        <p:spPr>
+          <a:xfrm>
+            <a:off x="6288126" y="3174727"/>
+            <a:ext cx="1472743" cy="1472743"/>
+          </a:xfrm>
+          <a:prstGeom prst="rect">
+            <a:avLst/>
+          </a:prstGeom>
+        </p:spPr>
+      </p:pic>
+      <p:pic>
+        <p:nvPicPr>
+          <p:cNvPr id="5" name="Immagine 4" descr="undo-6.png"/>
+          <p:cNvPicPr>
+            <a:picLocks noChangeAspect="1"/>
+          </p:cNvPicPr>
+          <p:nvPr/>
+        </p:nvPicPr>
+        <p:blipFill>
+          <a:blip r:embed="rId6">
+            <a:extLst>
+              <a:ext uri="{28A0092B-C50C-407E-A947-70E740481C1C}">
+                <a14:useLocalDpi xmlns:a14="http://schemas.microsoft.com/office/drawing/2010/main" val="0"/>
+              </a:ext>
+            </a:extLst>
+          </a:blip>
+          <a:stretch>
+            <a:fillRect/>
+          </a:stretch>
+        </p:blipFill>
+        <p:spPr>
+          <a:xfrm>
+            <a:off x="7026062" y="3630457"/>
+            <a:ext cx="1017013" cy="1017013"/>
+          </a:xfrm>
+          <a:prstGeom prst="rect">
+            <a:avLst/>
+          </a:prstGeom>
+        </p:spPr>
+      </p:pic>
+    </p:spTree>
+    <p:extLst>
+      <p:ext uri="{BB962C8B-B14F-4D97-AF65-F5344CB8AC3E}">
+        <p14:creationId xmlns:p14="http://schemas.microsoft.com/office/powerpoint/2010/main" val="3708207315"/>
+      </p:ext>
+    </p:extLst>
+  </p:cSld>
+  <p:clrMapOvr>
+    <a:masterClrMapping/>
+  </p:clrMapOvr>
+</p:sld>
+</file>
+
 <file path=ppt/slides/slide16.xml><?xml version="1.0" encoding="utf-8"?>
 <p:sld xmlns:a="http://schemas.openxmlformats.org/drawingml/2006/main" xmlns:r="http://schemas.openxmlformats.org/officeDocument/2006/relationships" xmlns:p="http://schemas.openxmlformats.org/presentationml/2006/main">
   <p:cSld>
@@ -4570,7 +4819,7 @@
         <p:spPr/>
         <p:txBody>
           <a:bodyPr>
-            <a:normAutofit fontScale="92500" lnSpcReduction="10000"/>
+            <a:normAutofit/>
           </a:bodyPr>
           <a:lstStyle/>
           <a:p>
@@ -4579,17 +4828,11 @@
             </a:pPr>
             <a:r>
               <a:rPr lang="it-IT" dirty="0" smtClean="0"/>
-              <a:t>Il progetto è stato testato su:</a:t>
-            </a:r>
-          </a:p>
-          <a:p>
+              <a:t>Il progetto è stato testato su</a:t>
+            </a:r>
             <a:r>
               <a:rPr lang="it-IT" dirty="0" smtClean="0"/>
-              <a:t>Internet </a:t>
-            </a:r>
-            <a:r>
-              <a:rPr lang="it-IT" dirty="0" err="1" smtClean="0"/>
-              <a:t>explorer</a:t>
+              <a:t>:</a:t>
             </a:r>
             <a:endParaRPr lang="it-IT" dirty="0" smtClean="0"/>
           </a:p>
@@ -5539,7 +5782,7 @@
           <a:p>
             <a:r>
               <a:rPr lang="it-IT" dirty="0" smtClean="0"/>
-              <a:t>Statistiche</a:t>
+              <a:t>Statistiche partita</a:t>
             </a:r>
           </a:p>
           <a:p>
@@ -6490,7 +6733,7 @@
             </a:pPr>
             <a:r>
               <a:rPr lang="it-IT" sz="4900" dirty="0" smtClean="0"/>
-              <a:t>Iniziata la partita vengono distribuite le prime 54 carte coperte , l’ultima carta di ogni colonna viene poi:</a:t>
+              <a:t>Iniziata la partita vengono distribuite le prime 54 carte coperte ,  l’ultima carta di ogni colonna viene poi:</a:t>
             </a:r>
           </a:p>
           <a:p>
@@ -6529,11 +6772,7 @@
             </a:pPr>
             <a:r>
               <a:rPr lang="it-IT" sz="4900" dirty="0" smtClean="0"/>
-              <a:t>Ogni carta, all’avvio </a:t>
-            </a:r>
-            <a:r>
-              <a:rPr lang="it-IT" sz="4900" dirty="0" smtClean="0"/>
-              <a:t>del gioco, è resa ‘</a:t>
+              <a:t>Ogni carta, all’avvio del gioco, è resa ‘</a:t>
             </a:r>
             <a:r>
               <a:rPr lang="it-IT" sz="4900" dirty="0" err="1" smtClean="0"/>
@@ -6541,9 +6780,8 @@
             </a:r>
             <a:r>
               <a:rPr lang="it-IT" sz="4900" dirty="0" smtClean="0"/>
-              <a:t>’</a:t>
-            </a:r>
-            <a:endParaRPr lang="it-IT" sz="4900" dirty="0" smtClean="0"/>
+              <a:t>’.</a:t>
+            </a:r>
           </a:p>
           <a:p>
             <a:pPr marL="0" indent="0">
@@ -6858,7 +7096,7 @@
         </p:nvSpPr>
         <p:spPr>
           <a:xfrm>
-            <a:off x="6332095" y="3065753"/>
+            <a:off x="6332095" y="2991649"/>
             <a:ext cx="506329" cy="713813"/>
           </a:xfrm>
           <a:prstGeom prst="rect">
@@ -6947,6 +7185,69 @@
               <a:t>NEW</a:t>
             </a:r>
             <a:endParaRPr lang="it-IT" sz="1200" dirty="0"/>
+          </a:p>
+        </p:txBody>
+      </p:sp>
+      <p:sp>
+        <p:nvSpPr>
+          <p:cNvPr id="13" name="Rettangolo 12"/>
+          <p:cNvSpPr/>
+          <p:nvPr/>
+        </p:nvSpPr>
+        <p:spPr>
+          <a:xfrm>
+            <a:off x="8402903" y="2963154"/>
+            <a:ext cx="506329" cy="713813"/>
+          </a:xfrm>
+          <a:prstGeom prst="rect">
+            <a:avLst/>
+          </a:prstGeom>
+          <a:pattFill prst="ltUpDiag">
+            <a:fgClr>
+              <a:srgbClr val="3366FF"/>
+            </a:fgClr>
+            <a:bgClr>
+              <a:prstClr val="white"/>
+            </a:bgClr>
+          </a:pattFill>
+          <a:ln>
+            <a:solidFill>
+              <a:srgbClr val="3366FF"/>
+            </a:solidFill>
+          </a:ln>
+        </p:spPr>
+        <p:style>
+          <a:lnRef idx="1">
+            <a:schemeClr val="accent1"/>
+          </a:lnRef>
+          <a:fillRef idx="3">
+            <a:schemeClr val="accent1"/>
+          </a:fillRef>
+          <a:effectRef idx="2">
+            <a:schemeClr val="accent1"/>
+          </a:effectRef>
+          <a:fontRef idx="minor">
+            <a:schemeClr val="lt1"/>
+          </a:fontRef>
+        </p:style>
+        <p:txBody>
+          <a:bodyPr rtlCol="0" anchor="ctr"/>
+          <a:lstStyle/>
+          <a:p>
+            <a:pPr algn="ctr"/>
+            <a:r>
+              <a:rPr lang="it-IT" sz="1200" dirty="0" smtClean="0">
+                <a:solidFill>
+                  <a:schemeClr val="bg1"/>
+                </a:solidFill>
+              </a:rPr>
+              <a:t>NEW</a:t>
+            </a:r>
+            <a:endParaRPr lang="it-IT" sz="1200" dirty="0">
+              <a:solidFill>
+                <a:schemeClr val="bg1"/>
+              </a:solidFill>
+            </a:endParaRPr>
           </a:p>
         </p:txBody>
       </p:sp>
@@ -7016,9 +7317,15 @@
         <p:spPr/>
         <p:txBody>
           <a:bodyPr>
-            <a:normAutofit fontScale="77500" lnSpcReduction="20000"/>
+            <a:normAutofit fontScale="70000" lnSpcReduction="20000"/>
           </a:bodyPr>
           <a:lstStyle/>
+          <a:p>
+            <a:pPr marL="0" indent="0">
+              <a:buNone/>
+            </a:pPr>
+            <a:endParaRPr lang="it-IT" dirty="0" smtClean="0"/>
+          </a:p>
           <a:p>
             <a:pPr marL="0" indent="0">
               <a:buNone/>
@@ -7029,8 +7336,13 @@
             </a:r>
             <a:r>
               <a:rPr lang="it-IT" dirty="0"/>
-              <a:t>avviene lo spostamento di una carta su una colonna:</a:t>
-            </a:r>
+              <a:t>avviene lo spostamento di una </a:t>
+            </a:r>
+            <a:r>
+              <a:rPr lang="it-IT" dirty="0" smtClean="0"/>
+              <a:t>carta:</a:t>
+            </a:r>
+            <a:endParaRPr lang="it-IT" dirty="0"/>
           </a:p>
           <a:p>
             <a:pPr marL="0" indent="0"/>
@@ -7048,7 +7360,7 @@
             </a:r>
             <a:r>
               <a:rPr lang="it-IT" dirty="0" smtClean="0"/>
-              <a:t>aumentato di uno</a:t>
+              <a:t>aumentato di uno (o che la colonna sia vuota):</a:t>
             </a:r>
             <a:endParaRPr lang="it-IT" dirty="0"/>
           </a:p>
@@ -7097,11 +7409,19 @@
             </a:pPr>
             <a:r>
               <a:rPr lang="it-IT" dirty="0"/>
-              <a:t>Se il valore è esatto </a:t>
+              <a:t>s</a:t>
             </a:r>
             <a:r>
               <a:rPr lang="it-IT" dirty="0" smtClean="0"/>
-              <a:t>rimuovo la </a:t>
+              <a:t>e </a:t>
+            </a:r>
+            <a:r>
+              <a:rPr lang="it-IT" dirty="0"/>
+              <a:t>il valore </a:t>
+            </a:r>
+            <a:r>
+              <a:rPr lang="it-IT" dirty="0" smtClean="0"/>
+              <a:t>coincide rimuovo la </a:t>
             </a:r>
             <a:r>
               <a:rPr lang="it-IT" dirty="0"/>
@@ -7113,16 +7433,193 @@
             </a:r>
             <a:r>
               <a:rPr lang="it-IT" dirty="0"/>
-              <a:t>nuova colonna </a:t>
+              <a:t>nuova </a:t>
             </a:r>
             <a:r>
               <a:rPr lang="it-IT" dirty="0" smtClean="0"/>
               <a:t>aggiornandone l’ID </a:t>
             </a:r>
+          </a:p>
+          <a:p>
+            <a:pPr marL="400050" lvl="1" indent="0">
+              <a:buNone/>
+            </a:pPr>
             <a:endParaRPr lang="it-IT" dirty="0"/>
           </a:p>
           <a:p>
             <a:endParaRPr lang="it-IT" dirty="0"/>
+          </a:p>
+        </p:txBody>
+      </p:sp>
+      <p:sp>
+        <p:nvSpPr>
+          <p:cNvPr id="4" name="Rettangolo 3"/>
+          <p:cNvSpPr/>
+          <p:nvPr/>
+        </p:nvSpPr>
+        <p:spPr>
+          <a:xfrm>
+            <a:off x="3214373" y="5504963"/>
+            <a:ext cx="664037" cy="821715"/>
+          </a:xfrm>
+          <a:prstGeom prst="rect">
+            <a:avLst/>
+          </a:prstGeom>
+        </p:spPr>
+        <p:style>
+          <a:lnRef idx="1">
+            <a:schemeClr val="accent1"/>
+          </a:lnRef>
+          <a:fillRef idx="3">
+            <a:schemeClr val="accent1"/>
+          </a:fillRef>
+          <a:effectRef idx="2">
+            <a:schemeClr val="accent1"/>
+          </a:effectRef>
+          <a:fontRef idx="minor">
+            <a:schemeClr val="lt1"/>
+          </a:fontRef>
+        </p:style>
+        <p:txBody>
+          <a:bodyPr rtlCol="0" anchor="ctr"/>
+          <a:lstStyle/>
+          <a:p>
+            <a:pPr algn="ctr"/>
+            <a:endParaRPr lang="it-IT" sz="1000" dirty="0"/>
+          </a:p>
+        </p:txBody>
+      </p:sp>
+      <p:sp>
+        <p:nvSpPr>
+          <p:cNvPr id="5" name="Rettangolo 4"/>
+          <p:cNvSpPr/>
+          <p:nvPr/>
+        </p:nvSpPr>
+        <p:spPr>
+          <a:xfrm>
+            <a:off x="4921950" y="5504963"/>
+            <a:ext cx="664037" cy="821715"/>
+          </a:xfrm>
+          <a:prstGeom prst="rect">
+            <a:avLst/>
+          </a:prstGeom>
+        </p:spPr>
+        <p:style>
+          <a:lnRef idx="1">
+            <a:schemeClr val="accent1"/>
+          </a:lnRef>
+          <a:fillRef idx="3">
+            <a:schemeClr val="accent1"/>
+          </a:fillRef>
+          <a:effectRef idx="2">
+            <a:schemeClr val="accent1"/>
+          </a:effectRef>
+          <a:fontRef idx="minor">
+            <a:schemeClr val="lt1"/>
+          </a:fontRef>
+        </p:style>
+        <p:txBody>
+          <a:bodyPr rtlCol="0" anchor="ctr"/>
+          <a:lstStyle/>
+          <a:p>
+            <a:pPr algn="ctr"/>
+            <a:endParaRPr lang="it-IT" sz="1000" dirty="0"/>
+          </a:p>
+        </p:txBody>
+      </p:sp>
+      <p:sp>
+        <p:nvSpPr>
+          <p:cNvPr id="6" name="Rettangolo 5"/>
+          <p:cNvSpPr/>
+          <p:nvPr/>
+        </p:nvSpPr>
+        <p:spPr>
+          <a:xfrm>
+            <a:off x="3214373" y="5774077"/>
+            <a:ext cx="664037" cy="821715"/>
+          </a:xfrm>
+          <a:prstGeom prst="rect">
+            <a:avLst/>
+          </a:prstGeom>
+          <a:solidFill>
+            <a:srgbClr val="3366FF"/>
+          </a:solidFill>
+        </p:spPr>
+        <p:style>
+          <a:lnRef idx="1">
+            <a:schemeClr val="accent1"/>
+          </a:lnRef>
+          <a:fillRef idx="3">
+            <a:schemeClr val="accent1"/>
+          </a:fillRef>
+          <a:effectRef idx="2">
+            <a:schemeClr val="accent1"/>
+          </a:effectRef>
+          <a:fontRef idx="minor">
+            <a:schemeClr val="lt1"/>
+          </a:fontRef>
+        </p:style>
+        <p:txBody>
+          <a:bodyPr rtlCol="0" anchor="ctr"/>
+          <a:lstStyle/>
+          <a:p>
+            <a:pPr algn="ctr"/>
+            <a:r>
+              <a:rPr lang="it-IT" sz="1000" dirty="0" smtClean="0"/>
+              <a:t>7</a:t>
+            </a:r>
+            <a:endParaRPr lang="it-IT" sz="1000" dirty="0"/>
+          </a:p>
+        </p:txBody>
+      </p:sp>
+      <p:sp>
+        <p:nvSpPr>
+          <p:cNvPr id="7" name="Freccia destra 6"/>
+          <p:cNvSpPr/>
+          <p:nvPr/>
+        </p:nvSpPr>
+        <p:spPr>
+          <a:xfrm rot="21015901">
+            <a:off x="3786360" y="5876281"/>
+            <a:ext cx="1316995" cy="282312"/>
+          </a:xfrm>
+          <a:prstGeom prst="rightArrow">
+            <a:avLst/>
+          </a:prstGeom>
+          <a:pattFill prst="ltDnDiag">
+            <a:fgClr>
+              <a:schemeClr val="accent3"/>
+            </a:fgClr>
+            <a:bgClr>
+              <a:prstClr val="white"/>
+            </a:bgClr>
+          </a:pattFill>
+          <a:ln>
+            <a:solidFill>
+              <a:srgbClr val="008000"/>
+            </a:solidFill>
+          </a:ln>
+        </p:spPr>
+        <p:style>
+          <a:lnRef idx="1">
+            <a:schemeClr val="accent1"/>
+          </a:lnRef>
+          <a:fillRef idx="3">
+            <a:schemeClr val="accent1"/>
+          </a:fillRef>
+          <a:effectRef idx="2">
+            <a:schemeClr val="accent1"/>
+          </a:effectRef>
+          <a:fontRef idx="minor">
+            <a:schemeClr val="lt1"/>
+          </a:fontRef>
+        </p:style>
+        <p:txBody>
+          <a:bodyPr rtlCol="0" anchor="ctr"/>
+          <a:lstStyle/>
+          <a:p>
+            <a:pPr algn="ctr"/>
+            <a:endParaRPr lang="it-IT"/>
           </a:p>
         </p:txBody>
       </p:sp>
